--- a/UI/UI Session 0.pptx
+++ b/UI/UI Session 0.pptx
@@ -9,6 +9,9 @@
     <p:sldId id="257" r:id="rId3"/>
     <p:sldId id="258" r:id="rId4"/>
     <p:sldId id="259" r:id="rId5"/>
+    <p:sldId id="261" r:id="rId6"/>
+    <p:sldId id="262" r:id="rId7"/>
+    <p:sldId id="260" r:id="rId8"/>
   </p:sldIdLst>
   <p:sldSz cx="12192000" cy="6858000"/>
   <p:notesSz cx="6858000" cy="9144000"/>
@@ -2356,6 +2359,1500 @@
 </dgm:colorsDef>
 </file>
 
+<file path=ppt/diagrams/colors4.xml><?xml version="1.0" encoding="utf-8"?>
+<dgm:colorsDef xmlns:dgm="http://schemas.openxmlformats.org/drawingml/2006/diagram" xmlns:a="http://schemas.openxmlformats.org/drawingml/2006/main" uniqueId="urn:microsoft.com/office/officeart/2005/8/colors/accent1_2">
+  <dgm:title val=""/>
+  <dgm:desc val=""/>
+  <dgm:catLst>
+    <dgm:cat type="accent1" pri="11200"/>
+  </dgm:catLst>
+  <dgm:styleLbl name="node0">
+    <dgm:fillClrLst meth="repeat">
+      <a:schemeClr val="accent1"/>
+    </dgm:fillClrLst>
+    <dgm:linClrLst meth="repeat">
+      <a:schemeClr val="lt1"/>
+    </dgm:linClrLst>
+    <dgm:effectClrLst/>
+    <dgm:txLinClrLst/>
+    <dgm:txFillClrLst/>
+    <dgm:txEffectClrLst/>
+  </dgm:styleLbl>
+  <dgm:styleLbl name="alignNode1">
+    <dgm:fillClrLst meth="repeat">
+      <a:schemeClr val="accent1"/>
+    </dgm:fillClrLst>
+    <dgm:linClrLst meth="repeat">
+      <a:schemeClr val="accent1"/>
+    </dgm:linClrLst>
+    <dgm:effectClrLst/>
+    <dgm:txLinClrLst/>
+    <dgm:txFillClrLst/>
+    <dgm:txEffectClrLst/>
+  </dgm:styleLbl>
+  <dgm:styleLbl name="node1">
+    <dgm:fillClrLst meth="repeat">
+      <a:schemeClr val="accent1"/>
+    </dgm:fillClrLst>
+    <dgm:linClrLst meth="repeat">
+      <a:schemeClr val="lt1"/>
+    </dgm:linClrLst>
+    <dgm:effectClrLst/>
+    <dgm:txLinClrLst/>
+    <dgm:txFillClrLst/>
+    <dgm:txEffectClrLst/>
+  </dgm:styleLbl>
+  <dgm:styleLbl name="lnNode1">
+    <dgm:fillClrLst meth="repeat">
+      <a:schemeClr val="accent1"/>
+    </dgm:fillClrLst>
+    <dgm:linClrLst meth="repeat">
+      <a:schemeClr val="lt1"/>
+    </dgm:linClrLst>
+    <dgm:effectClrLst/>
+    <dgm:txLinClrLst/>
+    <dgm:txFillClrLst/>
+    <dgm:txEffectClrLst/>
+  </dgm:styleLbl>
+  <dgm:styleLbl name="vennNode1">
+    <dgm:fillClrLst meth="repeat">
+      <a:schemeClr val="accent1">
+        <a:alpha val="50000"/>
+      </a:schemeClr>
+    </dgm:fillClrLst>
+    <dgm:linClrLst meth="repeat">
+      <a:schemeClr val="lt1"/>
+    </dgm:linClrLst>
+    <dgm:effectClrLst/>
+    <dgm:txLinClrLst/>
+    <dgm:txFillClrLst/>
+    <dgm:txEffectClrLst/>
+  </dgm:styleLbl>
+  <dgm:styleLbl name="node2">
+    <dgm:fillClrLst meth="repeat">
+      <a:schemeClr val="accent1"/>
+    </dgm:fillClrLst>
+    <dgm:linClrLst meth="repeat">
+      <a:schemeClr val="lt1"/>
+    </dgm:linClrLst>
+    <dgm:effectClrLst/>
+    <dgm:txLinClrLst/>
+    <dgm:txFillClrLst/>
+    <dgm:txEffectClrLst/>
+  </dgm:styleLbl>
+  <dgm:styleLbl name="node3">
+    <dgm:fillClrLst meth="repeat">
+      <a:schemeClr val="accent1"/>
+    </dgm:fillClrLst>
+    <dgm:linClrLst meth="repeat">
+      <a:schemeClr val="lt1"/>
+    </dgm:linClrLst>
+    <dgm:effectClrLst/>
+    <dgm:txLinClrLst/>
+    <dgm:txFillClrLst/>
+    <dgm:txEffectClrLst/>
+  </dgm:styleLbl>
+  <dgm:styleLbl name="node4">
+    <dgm:fillClrLst meth="repeat">
+      <a:schemeClr val="accent1"/>
+    </dgm:fillClrLst>
+    <dgm:linClrLst meth="repeat">
+      <a:schemeClr val="lt1"/>
+    </dgm:linClrLst>
+    <dgm:effectClrLst/>
+    <dgm:txLinClrLst/>
+    <dgm:txFillClrLst/>
+    <dgm:txEffectClrLst/>
+  </dgm:styleLbl>
+  <dgm:styleLbl name="fgImgPlace1">
+    <dgm:fillClrLst meth="repeat">
+      <a:schemeClr val="accent1">
+        <a:tint val="50000"/>
+      </a:schemeClr>
+    </dgm:fillClrLst>
+    <dgm:linClrLst meth="repeat">
+      <a:schemeClr val="lt1"/>
+    </dgm:linClrLst>
+    <dgm:effectClrLst/>
+    <dgm:txLinClrLst/>
+    <dgm:txFillClrLst meth="repeat">
+      <a:schemeClr val="lt1"/>
+    </dgm:txFillClrLst>
+    <dgm:txEffectClrLst/>
+  </dgm:styleLbl>
+  <dgm:styleLbl name="alignImgPlace1">
+    <dgm:fillClrLst meth="repeat">
+      <a:schemeClr val="accent1">
+        <a:tint val="50000"/>
+      </a:schemeClr>
+    </dgm:fillClrLst>
+    <dgm:linClrLst meth="repeat">
+      <a:schemeClr val="lt1"/>
+    </dgm:linClrLst>
+    <dgm:effectClrLst/>
+    <dgm:txLinClrLst/>
+    <dgm:txFillClrLst meth="repeat">
+      <a:schemeClr val="lt1"/>
+    </dgm:txFillClrLst>
+    <dgm:txEffectClrLst/>
+  </dgm:styleLbl>
+  <dgm:styleLbl name="bgImgPlace1">
+    <dgm:fillClrLst meth="repeat">
+      <a:schemeClr val="accent1">
+        <a:tint val="50000"/>
+      </a:schemeClr>
+    </dgm:fillClrLst>
+    <dgm:linClrLst meth="repeat">
+      <a:schemeClr val="lt1"/>
+    </dgm:linClrLst>
+    <dgm:effectClrLst/>
+    <dgm:txLinClrLst/>
+    <dgm:txFillClrLst meth="repeat">
+      <a:schemeClr val="lt1"/>
+    </dgm:txFillClrLst>
+    <dgm:txEffectClrLst/>
+  </dgm:styleLbl>
+  <dgm:styleLbl name="sibTrans2D1">
+    <dgm:fillClrLst meth="repeat">
+      <a:schemeClr val="accent1">
+        <a:tint val="60000"/>
+      </a:schemeClr>
+    </dgm:fillClrLst>
+    <dgm:linClrLst meth="repeat">
+      <a:schemeClr val="accent1">
+        <a:tint val="60000"/>
+      </a:schemeClr>
+    </dgm:linClrLst>
+    <dgm:effectClrLst/>
+    <dgm:txLinClrLst/>
+    <dgm:txFillClrLst/>
+    <dgm:txEffectClrLst/>
+  </dgm:styleLbl>
+  <dgm:styleLbl name="fgSibTrans2D1">
+    <dgm:fillClrLst meth="repeat">
+      <a:schemeClr val="accent1">
+        <a:tint val="60000"/>
+      </a:schemeClr>
+    </dgm:fillClrLst>
+    <dgm:linClrLst meth="repeat">
+      <a:schemeClr val="accent1">
+        <a:tint val="60000"/>
+      </a:schemeClr>
+    </dgm:linClrLst>
+    <dgm:effectClrLst/>
+    <dgm:txLinClrLst/>
+    <dgm:txFillClrLst/>
+    <dgm:txEffectClrLst/>
+  </dgm:styleLbl>
+  <dgm:styleLbl name="bgSibTrans2D1">
+    <dgm:fillClrLst meth="repeat">
+      <a:schemeClr val="accent1">
+        <a:tint val="60000"/>
+      </a:schemeClr>
+    </dgm:fillClrLst>
+    <dgm:linClrLst meth="repeat">
+      <a:schemeClr val="accent1">
+        <a:tint val="60000"/>
+      </a:schemeClr>
+    </dgm:linClrLst>
+    <dgm:effectClrLst/>
+    <dgm:txLinClrLst/>
+    <dgm:txFillClrLst/>
+    <dgm:txEffectClrLst/>
+  </dgm:styleLbl>
+  <dgm:styleLbl name="sibTrans1D1">
+    <dgm:fillClrLst meth="repeat">
+      <a:schemeClr val="accent1"/>
+    </dgm:fillClrLst>
+    <dgm:linClrLst meth="repeat">
+      <a:schemeClr val="accent1"/>
+    </dgm:linClrLst>
+    <dgm:effectClrLst/>
+    <dgm:txLinClrLst/>
+    <dgm:txFillClrLst meth="repeat">
+      <a:schemeClr val="tx1"/>
+    </dgm:txFillClrLst>
+    <dgm:txEffectClrLst/>
+  </dgm:styleLbl>
+  <dgm:styleLbl name="callout">
+    <dgm:fillClrLst meth="repeat">
+      <a:schemeClr val="accent1"/>
+    </dgm:fillClrLst>
+    <dgm:linClrLst meth="repeat">
+      <a:schemeClr val="accent1">
+        <a:tint val="50000"/>
+      </a:schemeClr>
+    </dgm:linClrLst>
+    <dgm:effectClrLst/>
+    <dgm:txLinClrLst/>
+    <dgm:txFillClrLst meth="repeat">
+      <a:schemeClr val="tx1"/>
+    </dgm:txFillClrLst>
+    <dgm:txEffectClrLst/>
+  </dgm:styleLbl>
+  <dgm:styleLbl name="asst0">
+    <dgm:fillClrLst meth="repeat">
+      <a:schemeClr val="accent1"/>
+    </dgm:fillClrLst>
+    <dgm:linClrLst meth="repeat">
+      <a:schemeClr val="lt1"/>
+    </dgm:linClrLst>
+    <dgm:effectClrLst/>
+    <dgm:txLinClrLst/>
+    <dgm:txFillClrLst/>
+    <dgm:txEffectClrLst/>
+  </dgm:styleLbl>
+  <dgm:styleLbl name="asst1">
+    <dgm:fillClrLst meth="repeat">
+      <a:schemeClr val="accent1"/>
+    </dgm:fillClrLst>
+    <dgm:linClrLst meth="repeat">
+      <a:schemeClr val="lt1"/>
+    </dgm:linClrLst>
+    <dgm:effectClrLst/>
+    <dgm:txLinClrLst/>
+    <dgm:txFillClrLst/>
+    <dgm:txEffectClrLst/>
+  </dgm:styleLbl>
+  <dgm:styleLbl name="asst2">
+    <dgm:fillClrLst meth="repeat">
+      <a:schemeClr val="accent1"/>
+    </dgm:fillClrLst>
+    <dgm:linClrLst meth="repeat">
+      <a:schemeClr val="lt1"/>
+    </dgm:linClrLst>
+    <dgm:effectClrLst/>
+    <dgm:txLinClrLst/>
+    <dgm:txFillClrLst/>
+    <dgm:txEffectClrLst/>
+  </dgm:styleLbl>
+  <dgm:styleLbl name="asst3">
+    <dgm:fillClrLst meth="repeat">
+      <a:schemeClr val="accent1"/>
+    </dgm:fillClrLst>
+    <dgm:linClrLst meth="repeat">
+      <a:schemeClr val="lt1"/>
+    </dgm:linClrLst>
+    <dgm:effectClrLst/>
+    <dgm:txLinClrLst/>
+    <dgm:txFillClrLst/>
+    <dgm:txEffectClrLst/>
+  </dgm:styleLbl>
+  <dgm:styleLbl name="asst4">
+    <dgm:fillClrLst meth="repeat">
+      <a:schemeClr val="accent1"/>
+    </dgm:fillClrLst>
+    <dgm:linClrLst meth="repeat">
+      <a:schemeClr val="lt1"/>
+    </dgm:linClrLst>
+    <dgm:effectClrLst/>
+    <dgm:txLinClrLst/>
+    <dgm:txFillClrLst/>
+    <dgm:txEffectClrLst/>
+  </dgm:styleLbl>
+  <dgm:styleLbl name="parChTrans2D1">
+    <dgm:fillClrLst meth="repeat">
+      <a:schemeClr val="accent1">
+        <a:tint val="60000"/>
+      </a:schemeClr>
+    </dgm:fillClrLst>
+    <dgm:linClrLst meth="repeat">
+      <a:schemeClr val="accent1">
+        <a:tint val="60000"/>
+      </a:schemeClr>
+    </dgm:linClrLst>
+    <dgm:effectClrLst/>
+    <dgm:txLinClrLst/>
+    <dgm:txFillClrLst meth="repeat">
+      <a:schemeClr val="lt1"/>
+    </dgm:txFillClrLst>
+    <dgm:txEffectClrLst/>
+  </dgm:styleLbl>
+  <dgm:styleLbl name="parChTrans2D2">
+    <dgm:fillClrLst meth="repeat">
+      <a:schemeClr val="accent1"/>
+    </dgm:fillClrLst>
+    <dgm:linClrLst meth="repeat">
+      <a:schemeClr val="accent1"/>
+    </dgm:linClrLst>
+    <dgm:effectClrLst/>
+    <dgm:txLinClrLst/>
+    <dgm:txFillClrLst meth="repeat">
+      <a:schemeClr val="lt1"/>
+    </dgm:txFillClrLst>
+    <dgm:txEffectClrLst/>
+  </dgm:styleLbl>
+  <dgm:styleLbl name="parChTrans2D3">
+    <dgm:fillClrLst meth="repeat">
+      <a:schemeClr val="accent1"/>
+    </dgm:fillClrLst>
+    <dgm:linClrLst meth="repeat">
+      <a:schemeClr val="accent1"/>
+    </dgm:linClrLst>
+    <dgm:effectClrLst/>
+    <dgm:txLinClrLst/>
+    <dgm:txFillClrLst meth="repeat">
+      <a:schemeClr val="lt1"/>
+    </dgm:txFillClrLst>
+    <dgm:txEffectClrLst/>
+  </dgm:styleLbl>
+  <dgm:styleLbl name="parChTrans2D4">
+    <dgm:fillClrLst meth="repeat">
+      <a:schemeClr val="accent1"/>
+    </dgm:fillClrLst>
+    <dgm:linClrLst meth="repeat">
+      <a:schemeClr val="accent1"/>
+    </dgm:linClrLst>
+    <dgm:effectClrLst/>
+    <dgm:txLinClrLst/>
+    <dgm:txFillClrLst meth="repeat">
+      <a:schemeClr val="lt1"/>
+    </dgm:txFillClrLst>
+    <dgm:txEffectClrLst/>
+  </dgm:styleLbl>
+  <dgm:styleLbl name="parChTrans1D1">
+    <dgm:fillClrLst meth="repeat">
+      <a:schemeClr val="accent1"/>
+    </dgm:fillClrLst>
+    <dgm:linClrLst meth="repeat">
+      <a:schemeClr val="accent1">
+        <a:shade val="60000"/>
+      </a:schemeClr>
+    </dgm:linClrLst>
+    <dgm:effectClrLst/>
+    <dgm:txLinClrLst/>
+    <dgm:txFillClrLst meth="repeat">
+      <a:schemeClr val="tx1"/>
+    </dgm:txFillClrLst>
+    <dgm:txEffectClrLst/>
+  </dgm:styleLbl>
+  <dgm:styleLbl name="parChTrans1D2">
+    <dgm:fillClrLst meth="repeat">
+      <a:schemeClr val="accent1"/>
+    </dgm:fillClrLst>
+    <dgm:linClrLst meth="repeat">
+      <a:schemeClr val="accent1">
+        <a:shade val="60000"/>
+      </a:schemeClr>
+    </dgm:linClrLst>
+    <dgm:effectClrLst/>
+    <dgm:txLinClrLst/>
+    <dgm:txFillClrLst meth="repeat">
+      <a:schemeClr val="tx1"/>
+    </dgm:txFillClrLst>
+    <dgm:txEffectClrLst/>
+  </dgm:styleLbl>
+  <dgm:styleLbl name="parChTrans1D3">
+    <dgm:fillClrLst meth="repeat">
+      <a:schemeClr val="accent1"/>
+    </dgm:fillClrLst>
+    <dgm:linClrLst meth="repeat">
+      <a:schemeClr val="accent1">
+        <a:shade val="80000"/>
+      </a:schemeClr>
+    </dgm:linClrLst>
+    <dgm:effectClrLst/>
+    <dgm:txLinClrLst/>
+    <dgm:txFillClrLst meth="repeat">
+      <a:schemeClr val="tx1"/>
+    </dgm:txFillClrLst>
+    <dgm:txEffectClrLst/>
+  </dgm:styleLbl>
+  <dgm:styleLbl name="parChTrans1D4">
+    <dgm:fillClrLst meth="repeat">
+      <a:schemeClr val="accent1"/>
+    </dgm:fillClrLst>
+    <dgm:linClrLst meth="repeat">
+      <a:schemeClr val="accent1">
+        <a:shade val="80000"/>
+      </a:schemeClr>
+    </dgm:linClrLst>
+    <dgm:effectClrLst/>
+    <dgm:txLinClrLst/>
+    <dgm:txFillClrLst meth="repeat">
+      <a:schemeClr val="tx1"/>
+    </dgm:txFillClrLst>
+    <dgm:txEffectClrLst/>
+  </dgm:styleLbl>
+  <dgm:styleLbl name="fgAcc1">
+    <dgm:fillClrLst meth="repeat">
+      <a:schemeClr val="lt1">
+        <a:alpha val="90000"/>
+      </a:schemeClr>
+    </dgm:fillClrLst>
+    <dgm:linClrLst meth="repeat">
+      <a:schemeClr val="accent1"/>
+    </dgm:linClrLst>
+    <dgm:effectClrLst/>
+    <dgm:txLinClrLst/>
+    <dgm:txFillClrLst meth="repeat">
+      <a:schemeClr val="dk1"/>
+    </dgm:txFillClrLst>
+    <dgm:txEffectClrLst/>
+  </dgm:styleLbl>
+  <dgm:styleLbl name="conFgAcc1">
+    <dgm:fillClrLst meth="repeat">
+      <a:schemeClr val="lt1">
+        <a:alpha val="90000"/>
+      </a:schemeClr>
+    </dgm:fillClrLst>
+    <dgm:linClrLst meth="repeat">
+      <a:schemeClr val="accent1"/>
+    </dgm:linClrLst>
+    <dgm:effectClrLst/>
+    <dgm:txLinClrLst/>
+    <dgm:txFillClrLst meth="repeat">
+      <a:schemeClr val="dk1"/>
+    </dgm:txFillClrLst>
+    <dgm:txEffectClrLst/>
+  </dgm:styleLbl>
+  <dgm:styleLbl name="alignAcc1">
+    <dgm:fillClrLst meth="repeat">
+      <a:schemeClr val="lt1">
+        <a:alpha val="90000"/>
+      </a:schemeClr>
+    </dgm:fillClrLst>
+    <dgm:linClrLst meth="repeat">
+      <a:schemeClr val="accent1"/>
+    </dgm:linClrLst>
+    <dgm:effectClrLst/>
+    <dgm:txLinClrLst/>
+    <dgm:txFillClrLst meth="repeat">
+      <a:schemeClr val="dk1"/>
+    </dgm:txFillClrLst>
+    <dgm:txEffectClrLst/>
+  </dgm:styleLbl>
+  <dgm:styleLbl name="trAlignAcc1">
+    <dgm:fillClrLst meth="repeat">
+      <a:schemeClr val="lt1">
+        <a:alpha val="40000"/>
+      </a:schemeClr>
+    </dgm:fillClrLst>
+    <dgm:linClrLst meth="repeat">
+      <a:schemeClr val="accent1"/>
+    </dgm:linClrLst>
+    <dgm:effectClrLst/>
+    <dgm:txLinClrLst/>
+    <dgm:txFillClrLst meth="repeat">
+      <a:schemeClr val="dk1"/>
+    </dgm:txFillClrLst>
+    <dgm:txEffectClrLst/>
+  </dgm:styleLbl>
+  <dgm:styleLbl name="bgAcc1">
+    <dgm:fillClrLst meth="repeat">
+      <a:schemeClr val="lt1">
+        <a:alpha val="90000"/>
+      </a:schemeClr>
+    </dgm:fillClrLst>
+    <dgm:linClrLst meth="repeat">
+      <a:schemeClr val="accent1"/>
+    </dgm:linClrLst>
+    <dgm:effectClrLst/>
+    <dgm:txLinClrLst/>
+    <dgm:txFillClrLst meth="repeat">
+      <a:schemeClr val="dk1"/>
+    </dgm:txFillClrLst>
+    <dgm:txEffectClrLst/>
+  </dgm:styleLbl>
+  <dgm:styleLbl name="solidFgAcc1">
+    <dgm:fillClrLst meth="repeat">
+      <a:schemeClr val="lt1"/>
+    </dgm:fillClrLst>
+    <dgm:linClrLst meth="repeat">
+      <a:schemeClr val="accent1"/>
+    </dgm:linClrLst>
+    <dgm:effectClrLst/>
+    <dgm:txLinClrLst/>
+    <dgm:txFillClrLst meth="repeat">
+      <a:schemeClr val="dk1"/>
+    </dgm:txFillClrLst>
+    <dgm:txEffectClrLst/>
+  </dgm:styleLbl>
+  <dgm:styleLbl name="solidAlignAcc1">
+    <dgm:fillClrLst meth="repeat">
+      <a:schemeClr val="lt1"/>
+    </dgm:fillClrLst>
+    <dgm:linClrLst meth="repeat">
+      <a:schemeClr val="accent1"/>
+    </dgm:linClrLst>
+    <dgm:effectClrLst/>
+    <dgm:txLinClrLst/>
+    <dgm:txFillClrLst meth="repeat">
+      <a:schemeClr val="dk1"/>
+    </dgm:txFillClrLst>
+    <dgm:txEffectClrLst/>
+  </dgm:styleLbl>
+  <dgm:styleLbl name="solidBgAcc1">
+    <dgm:fillClrLst meth="repeat">
+      <a:schemeClr val="lt1"/>
+    </dgm:fillClrLst>
+    <dgm:linClrLst meth="repeat">
+      <a:schemeClr val="accent1"/>
+    </dgm:linClrLst>
+    <dgm:effectClrLst/>
+    <dgm:txLinClrLst/>
+    <dgm:txFillClrLst meth="repeat">
+      <a:schemeClr val="dk1"/>
+    </dgm:txFillClrLst>
+    <dgm:txEffectClrLst/>
+  </dgm:styleLbl>
+  <dgm:styleLbl name="fgAccFollowNode1">
+    <dgm:fillClrLst meth="repeat">
+      <a:schemeClr val="accent1">
+        <a:alpha val="90000"/>
+        <a:tint val="40000"/>
+      </a:schemeClr>
+    </dgm:fillClrLst>
+    <dgm:linClrLst meth="repeat">
+      <a:schemeClr val="accent1">
+        <a:alpha val="90000"/>
+        <a:tint val="40000"/>
+      </a:schemeClr>
+    </dgm:linClrLst>
+    <dgm:effectClrLst/>
+    <dgm:txLinClrLst/>
+    <dgm:txFillClrLst meth="repeat">
+      <a:schemeClr val="dk1"/>
+    </dgm:txFillClrLst>
+    <dgm:txEffectClrLst/>
+  </dgm:styleLbl>
+  <dgm:styleLbl name="alignAccFollowNode1">
+    <dgm:fillClrLst meth="repeat">
+      <a:schemeClr val="accent1">
+        <a:alpha val="90000"/>
+        <a:tint val="40000"/>
+      </a:schemeClr>
+    </dgm:fillClrLst>
+    <dgm:linClrLst meth="repeat">
+      <a:schemeClr val="accent1">
+        <a:alpha val="90000"/>
+        <a:tint val="40000"/>
+      </a:schemeClr>
+    </dgm:linClrLst>
+    <dgm:effectClrLst/>
+    <dgm:txLinClrLst/>
+    <dgm:txFillClrLst meth="repeat">
+      <a:schemeClr val="dk1"/>
+    </dgm:txFillClrLst>
+    <dgm:txEffectClrLst/>
+  </dgm:styleLbl>
+  <dgm:styleLbl name="bgAccFollowNode1">
+    <dgm:fillClrLst meth="repeat">
+      <a:schemeClr val="accent1">
+        <a:alpha val="90000"/>
+        <a:tint val="40000"/>
+      </a:schemeClr>
+    </dgm:fillClrLst>
+    <dgm:linClrLst meth="repeat">
+      <a:schemeClr val="accent1">
+        <a:alpha val="90000"/>
+        <a:tint val="40000"/>
+      </a:schemeClr>
+    </dgm:linClrLst>
+    <dgm:effectClrLst/>
+    <dgm:txLinClrLst/>
+    <dgm:txFillClrLst meth="repeat">
+      <a:schemeClr val="dk1"/>
+    </dgm:txFillClrLst>
+    <dgm:txEffectClrLst/>
+  </dgm:styleLbl>
+  <dgm:styleLbl name="fgAcc0">
+    <dgm:fillClrLst meth="repeat">
+      <a:schemeClr val="lt1">
+        <a:alpha val="90000"/>
+      </a:schemeClr>
+    </dgm:fillClrLst>
+    <dgm:linClrLst meth="repeat">
+      <a:schemeClr val="accent1"/>
+    </dgm:linClrLst>
+    <dgm:effectClrLst/>
+    <dgm:txLinClrLst/>
+    <dgm:txFillClrLst meth="repeat">
+      <a:schemeClr val="dk1"/>
+    </dgm:txFillClrLst>
+    <dgm:txEffectClrLst/>
+  </dgm:styleLbl>
+  <dgm:styleLbl name="fgAcc2">
+    <dgm:fillClrLst meth="repeat">
+      <a:schemeClr val="lt1">
+        <a:alpha val="90000"/>
+      </a:schemeClr>
+    </dgm:fillClrLst>
+    <dgm:linClrLst meth="repeat">
+      <a:schemeClr val="accent1"/>
+    </dgm:linClrLst>
+    <dgm:effectClrLst/>
+    <dgm:txLinClrLst/>
+    <dgm:txFillClrLst meth="repeat">
+      <a:schemeClr val="dk1"/>
+    </dgm:txFillClrLst>
+    <dgm:txEffectClrLst/>
+  </dgm:styleLbl>
+  <dgm:styleLbl name="fgAcc3">
+    <dgm:fillClrLst meth="repeat">
+      <a:schemeClr val="lt1">
+        <a:alpha val="90000"/>
+      </a:schemeClr>
+    </dgm:fillClrLst>
+    <dgm:linClrLst meth="repeat">
+      <a:schemeClr val="accent1"/>
+    </dgm:linClrLst>
+    <dgm:effectClrLst/>
+    <dgm:txLinClrLst/>
+    <dgm:txFillClrLst meth="repeat">
+      <a:schemeClr val="dk1"/>
+    </dgm:txFillClrLst>
+    <dgm:txEffectClrLst/>
+  </dgm:styleLbl>
+  <dgm:styleLbl name="fgAcc4">
+    <dgm:fillClrLst meth="repeat">
+      <a:schemeClr val="lt1">
+        <a:alpha val="90000"/>
+      </a:schemeClr>
+    </dgm:fillClrLst>
+    <dgm:linClrLst meth="repeat">
+      <a:schemeClr val="accent1"/>
+    </dgm:linClrLst>
+    <dgm:effectClrLst/>
+    <dgm:txLinClrLst/>
+    <dgm:txFillClrLst meth="repeat">
+      <a:schemeClr val="dk1"/>
+    </dgm:txFillClrLst>
+    <dgm:txEffectClrLst/>
+  </dgm:styleLbl>
+  <dgm:styleLbl name="bgShp">
+    <dgm:fillClrLst meth="repeat">
+      <a:schemeClr val="accent1">
+        <a:tint val="40000"/>
+      </a:schemeClr>
+    </dgm:fillClrLst>
+    <dgm:linClrLst meth="repeat">
+      <a:schemeClr val="accent1"/>
+    </dgm:linClrLst>
+    <dgm:effectClrLst/>
+    <dgm:txLinClrLst/>
+    <dgm:txFillClrLst meth="repeat">
+      <a:schemeClr val="dk1"/>
+    </dgm:txFillClrLst>
+    <dgm:txEffectClrLst/>
+  </dgm:styleLbl>
+  <dgm:styleLbl name="dkBgShp">
+    <dgm:fillClrLst meth="repeat">
+      <a:schemeClr val="accent1">
+        <a:shade val="80000"/>
+      </a:schemeClr>
+    </dgm:fillClrLst>
+    <dgm:linClrLst meth="repeat">
+      <a:schemeClr val="accent1"/>
+    </dgm:linClrLst>
+    <dgm:effectClrLst/>
+    <dgm:txLinClrLst/>
+    <dgm:txFillClrLst meth="repeat">
+      <a:schemeClr val="lt1"/>
+    </dgm:txFillClrLst>
+    <dgm:txEffectClrLst/>
+  </dgm:styleLbl>
+  <dgm:styleLbl name="trBgShp">
+    <dgm:fillClrLst meth="repeat">
+      <a:schemeClr val="accent1">
+        <a:tint val="50000"/>
+        <a:alpha val="40000"/>
+      </a:schemeClr>
+    </dgm:fillClrLst>
+    <dgm:linClrLst meth="repeat">
+      <a:schemeClr val="accent1"/>
+    </dgm:linClrLst>
+    <dgm:effectClrLst/>
+    <dgm:txLinClrLst/>
+    <dgm:txFillClrLst meth="repeat">
+      <a:schemeClr val="lt1"/>
+    </dgm:txFillClrLst>
+    <dgm:txEffectClrLst/>
+  </dgm:styleLbl>
+  <dgm:styleLbl name="fgShp">
+    <dgm:fillClrLst meth="repeat">
+      <a:schemeClr val="accent1">
+        <a:tint val="60000"/>
+      </a:schemeClr>
+    </dgm:fillClrLst>
+    <dgm:linClrLst meth="repeat">
+      <a:schemeClr val="lt1"/>
+    </dgm:linClrLst>
+    <dgm:effectClrLst/>
+    <dgm:txLinClrLst/>
+    <dgm:txFillClrLst meth="repeat">
+      <a:schemeClr val="dk1"/>
+    </dgm:txFillClrLst>
+    <dgm:txEffectClrLst/>
+  </dgm:styleLbl>
+  <dgm:styleLbl name="revTx">
+    <dgm:fillClrLst meth="repeat">
+      <a:schemeClr val="lt1">
+        <a:alpha val="0"/>
+      </a:schemeClr>
+    </dgm:fillClrLst>
+    <dgm:linClrLst meth="repeat">
+      <a:schemeClr val="dk1">
+        <a:alpha val="0"/>
+      </a:schemeClr>
+    </dgm:linClrLst>
+    <dgm:effectClrLst/>
+    <dgm:txLinClrLst/>
+    <dgm:txFillClrLst meth="repeat">
+      <a:schemeClr val="tx1"/>
+    </dgm:txFillClrLst>
+    <dgm:txEffectClrLst/>
+  </dgm:styleLbl>
+</dgm:colorsDef>
+</file>
+
+<file path=ppt/diagrams/colors5.xml><?xml version="1.0" encoding="utf-8"?>
+<dgm:colorsDef xmlns:dgm="http://schemas.openxmlformats.org/drawingml/2006/diagram" xmlns:a="http://schemas.openxmlformats.org/drawingml/2006/main" uniqueId="urn:microsoft.com/office/officeart/2005/8/colors/accent1_2">
+  <dgm:title val=""/>
+  <dgm:desc val=""/>
+  <dgm:catLst>
+    <dgm:cat type="accent1" pri="11200"/>
+  </dgm:catLst>
+  <dgm:styleLbl name="node0">
+    <dgm:fillClrLst meth="repeat">
+      <a:schemeClr val="accent1"/>
+    </dgm:fillClrLst>
+    <dgm:linClrLst meth="repeat">
+      <a:schemeClr val="lt1"/>
+    </dgm:linClrLst>
+    <dgm:effectClrLst/>
+    <dgm:txLinClrLst/>
+    <dgm:txFillClrLst/>
+    <dgm:txEffectClrLst/>
+  </dgm:styleLbl>
+  <dgm:styleLbl name="alignNode1">
+    <dgm:fillClrLst meth="repeat">
+      <a:schemeClr val="accent1"/>
+    </dgm:fillClrLst>
+    <dgm:linClrLst meth="repeat">
+      <a:schemeClr val="accent1"/>
+    </dgm:linClrLst>
+    <dgm:effectClrLst/>
+    <dgm:txLinClrLst/>
+    <dgm:txFillClrLst/>
+    <dgm:txEffectClrLst/>
+  </dgm:styleLbl>
+  <dgm:styleLbl name="node1">
+    <dgm:fillClrLst meth="repeat">
+      <a:schemeClr val="accent1"/>
+    </dgm:fillClrLst>
+    <dgm:linClrLst meth="repeat">
+      <a:schemeClr val="lt1"/>
+    </dgm:linClrLst>
+    <dgm:effectClrLst/>
+    <dgm:txLinClrLst/>
+    <dgm:txFillClrLst/>
+    <dgm:txEffectClrLst/>
+  </dgm:styleLbl>
+  <dgm:styleLbl name="lnNode1">
+    <dgm:fillClrLst meth="repeat">
+      <a:schemeClr val="accent1"/>
+    </dgm:fillClrLst>
+    <dgm:linClrLst meth="repeat">
+      <a:schemeClr val="lt1"/>
+    </dgm:linClrLst>
+    <dgm:effectClrLst/>
+    <dgm:txLinClrLst/>
+    <dgm:txFillClrLst/>
+    <dgm:txEffectClrLst/>
+  </dgm:styleLbl>
+  <dgm:styleLbl name="vennNode1">
+    <dgm:fillClrLst meth="repeat">
+      <a:schemeClr val="accent1">
+        <a:alpha val="50000"/>
+      </a:schemeClr>
+    </dgm:fillClrLst>
+    <dgm:linClrLst meth="repeat">
+      <a:schemeClr val="lt1"/>
+    </dgm:linClrLst>
+    <dgm:effectClrLst/>
+    <dgm:txLinClrLst/>
+    <dgm:txFillClrLst/>
+    <dgm:txEffectClrLst/>
+  </dgm:styleLbl>
+  <dgm:styleLbl name="node2">
+    <dgm:fillClrLst meth="repeat">
+      <a:schemeClr val="accent1"/>
+    </dgm:fillClrLst>
+    <dgm:linClrLst meth="repeat">
+      <a:schemeClr val="lt1"/>
+    </dgm:linClrLst>
+    <dgm:effectClrLst/>
+    <dgm:txLinClrLst/>
+    <dgm:txFillClrLst/>
+    <dgm:txEffectClrLst/>
+  </dgm:styleLbl>
+  <dgm:styleLbl name="node3">
+    <dgm:fillClrLst meth="repeat">
+      <a:schemeClr val="accent1"/>
+    </dgm:fillClrLst>
+    <dgm:linClrLst meth="repeat">
+      <a:schemeClr val="lt1"/>
+    </dgm:linClrLst>
+    <dgm:effectClrLst/>
+    <dgm:txLinClrLst/>
+    <dgm:txFillClrLst/>
+    <dgm:txEffectClrLst/>
+  </dgm:styleLbl>
+  <dgm:styleLbl name="node4">
+    <dgm:fillClrLst meth="repeat">
+      <a:schemeClr val="accent1"/>
+    </dgm:fillClrLst>
+    <dgm:linClrLst meth="repeat">
+      <a:schemeClr val="lt1"/>
+    </dgm:linClrLst>
+    <dgm:effectClrLst/>
+    <dgm:txLinClrLst/>
+    <dgm:txFillClrLst/>
+    <dgm:txEffectClrLst/>
+  </dgm:styleLbl>
+  <dgm:styleLbl name="fgImgPlace1">
+    <dgm:fillClrLst meth="repeat">
+      <a:schemeClr val="accent1">
+        <a:tint val="50000"/>
+      </a:schemeClr>
+    </dgm:fillClrLst>
+    <dgm:linClrLst meth="repeat">
+      <a:schemeClr val="lt1"/>
+    </dgm:linClrLst>
+    <dgm:effectClrLst/>
+    <dgm:txLinClrLst/>
+    <dgm:txFillClrLst meth="repeat">
+      <a:schemeClr val="lt1"/>
+    </dgm:txFillClrLst>
+    <dgm:txEffectClrLst/>
+  </dgm:styleLbl>
+  <dgm:styleLbl name="alignImgPlace1">
+    <dgm:fillClrLst meth="repeat">
+      <a:schemeClr val="accent1">
+        <a:tint val="50000"/>
+      </a:schemeClr>
+    </dgm:fillClrLst>
+    <dgm:linClrLst meth="repeat">
+      <a:schemeClr val="lt1"/>
+    </dgm:linClrLst>
+    <dgm:effectClrLst/>
+    <dgm:txLinClrLst/>
+    <dgm:txFillClrLst meth="repeat">
+      <a:schemeClr val="lt1"/>
+    </dgm:txFillClrLst>
+    <dgm:txEffectClrLst/>
+  </dgm:styleLbl>
+  <dgm:styleLbl name="bgImgPlace1">
+    <dgm:fillClrLst meth="repeat">
+      <a:schemeClr val="accent1">
+        <a:tint val="50000"/>
+      </a:schemeClr>
+    </dgm:fillClrLst>
+    <dgm:linClrLst meth="repeat">
+      <a:schemeClr val="lt1"/>
+    </dgm:linClrLst>
+    <dgm:effectClrLst/>
+    <dgm:txLinClrLst/>
+    <dgm:txFillClrLst meth="repeat">
+      <a:schemeClr val="lt1"/>
+    </dgm:txFillClrLst>
+    <dgm:txEffectClrLst/>
+  </dgm:styleLbl>
+  <dgm:styleLbl name="sibTrans2D1">
+    <dgm:fillClrLst meth="repeat">
+      <a:schemeClr val="accent1">
+        <a:tint val="60000"/>
+      </a:schemeClr>
+    </dgm:fillClrLst>
+    <dgm:linClrLst meth="repeat">
+      <a:schemeClr val="accent1">
+        <a:tint val="60000"/>
+      </a:schemeClr>
+    </dgm:linClrLst>
+    <dgm:effectClrLst/>
+    <dgm:txLinClrLst/>
+    <dgm:txFillClrLst/>
+    <dgm:txEffectClrLst/>
+  </dgm:styleLbl>
+  <dgm:styleLbl name="fgSibTrans2D1">
+    <dgm:fillClrLst meth="repeat">
+      <a:schemeClr val="accent1">
+        <a:tint val="60000"/>
+      </a:schemeClr>
+    </dgm:fillClrLst>
+    <dgm:linClrLst meth="repeat">
+      <a:schemeClr val="accent1">
+        <a:tint val="60000"/>
+      </a:schemeClr>
+    </dgm:linClrLst>
+    <dgm:effectClrLst/>
+    <dgm:txLinClrLst/>
+    <dgm:txFillClrLst/>
+    <dgm:txEffectClrLst/>
+  </dgm:styleLbl>
+  <dgm:styleLbl name="bgSibTrans2D1">
+    <dgm:fillClrLst meth="repeat">
+      <a:schemeClr val="accent1">
+        <a:tint val="60000"/>
+      </a:schemeClr>
+    </dgm:fillClrLst>
+    <dgm:linClrLst meth="repeat">
+      <a:schemeClr val="accent1">
+        <a:tint val="60000"/>
+      </a:schemeClr>
+    </dgm:linClrLst>
+    <dgm:effectClrLst/>
+    <dgm:txLinClrLst/>
+    <dgm:txFillClrLst/>
+    <dgm:txEffectClrLst/>
+  </dgm:styleLbl>
+  <dgm:styleLbl name="sibTrans1D1">
+    <dgm:fillClrLst meth="repeat">
+      <a:schemeClr val="accent1"/>
+    </dgm:fillClrLst>
+    <dgm:linClrLst meth="repeat">
+      <a:schemeClr val="accent1"/>
+    </dgm:linClrLst>
+    <dgm:effectClrLst/>
+    <dgm:txLinClrLst/>
+    <dgm:txFillClrLst meth="repeat">
+      <a:schemeClr val="tx1"/>
+    </dgm:txFillClrLst>
+    <dgm:txEffectClrLst/>
+  </dgm:styleLbl>
+  <dgm:styleLbl name="callout">
+    <dgm:fillClrLst meth="repeat">
+      <a:schemeClr val="accent1"/>
+    </dgm:fillClrLst>
+    <dgm:linClrLst meth="repeat">
+      <a:schemeClr val="accent1">
+        <a:tint val="50000"/>
+      </a:schemeClr>
+    </dgm:linClrLst>
+    <dgm:effectClrLst/>
+    <dgm:txLinClrLst/>
+    <dgm:txFillClrLst meth="repeat">
+      <a:schemeClr val="tx1"/>
+    </dgm:txFillClrLst>
+    <dgm:txEffectClrLst/>
+  </dgm:styleLbl>
+  <dgm:styleLbl name="asst0">
+    <dgm:fillClrLst meth="repeat">
+      <a:schemeClr val="accent1"/>
+    </dgm:fillClrLst>
+    <dgm:linClrLst meth="repeat">
+      <a:schemeClr val="lt1"/>
+    </dgm:linClrLst>
+    <dgm:effectClrLst/>
+    <dgm:txLinClrLst/>
+    <dgm:txFillClrLst/>
+    <dgm:txEffectClrLst/>
+  </dgm:styleLbl>
+  <dgm:styleLbl name="asst1">
+    <dgm:fillClrLst meth="repeat">
+      <a:schemeClr val="accent1"/>
+    </dgm:fillClrLst>
+    <dgm:linClrLst meth="repeat">
+      <a:schemeClr val="lt1"/>
+    </dgm:linClrLst>
+    <dgm:effectClrLst/>
+    <dgm:txLinClrLst/>
+    <dgm:txFillClrLst/>
+    <dgm:txEffectClrLst/>
+  </dgm:styleLbl>
+  <dgm:styleLbl name="asst2">
+    <dgm:fillClrLst meth="repeat">
+      <a:schemeClr val="accent1"/>
+    </dgm:fillClrLst>
+    <dgm:linClrLst meth="repeat">
+      <a:schemeClr val="lt1"/>
+    </dgm:linClrLst>
+    <dgm:effectClrLst/>
+    <dgm:txLinClrLst/>
+    <dgm:txFillClrLst/>
+    <dgm:txEffectClrLst/>
+  </dgm:styleLbl>
+  <dgm:styleLbl name="asst3">
+    <dgm:fillClrLst meth="repeat">
+      <a:schemeClr val="accent1"/>
+    </dgm:fillClrLst>
+    <dgm:linClrLst meth="repeat">
+      <a:schemeClr val="lt1"/>
+    </dgm:linClrLst>
+    <dgm:effectClrLst/>
+    <dgm:txLinClrLst/>
+    <dgm:txFillClrLst/>
+    <dgm:txEffectClrLst/>
+  </dgm:styleLbl>
+  <dgm:styleLbl name="asst4">
+    <dgm:fillClrLst meth="repeat">
+      <a:schemeClr val="accent1"/>
+    </dgm:fillClrLst>
+    <dgm:linClrLst meth="repeat">
+      <a:schemeClr val="lt1"/>
+    </dgm:linClrLst>
+    <dgm:effectClrLst/>
+    <dgm:txLinClrLst/>
+    <dgm:txFillClrLst/>
+    <dgm:txEffectClrLst/>
+  </dgm:styleLbl>
+  <dgm:styleLbl name="parChTrans2D1">
+    <dgm:fillClrLst meth="repeat">
+      <a:schemeClr val="accent1">
+        <a:tint val="60000"/>
+      </a:schemeClr>
+    </dgm:fillClrLst>
+    <dgm:linClrLst meth="repeat">
+      <a:schemeClr val="accent1">
+        <a:tint val="60000"/>
+      </a:schemeClr>
+    </dgm:linClrLst>
+    <dgm:effectClrLst/>
+    <dgm:txLinClrLst/>
+    <dgm:txFillClrLst meth="repeat">
+      <a:schemeClr val="lt1"/>
+    </dgm:txFillClrLst>
+    <dgm:txEffectClrLst/>
+  </dgm:styleLbl>
+  <dgm:styleLbl name="parChTrans2D2">
+    <dgm:fillClrLst meth="repeat">
+      <a:schemeClr val="accent1"/>
+    </dgm:fillClrLst>
+    <dgm:linClrLst meth="repeat">
+      <a:schemeClr val="accent1"/>
+    </dgm:linClrLst>
+    <dgm:effectClrLst/>
+    <dgm:txLinClrLst/>
+    <dgm:txFillClrLst meth="repeat">
+      <a:schemeClr val="lt1"/>
+    </dgm:txFillClrLst>
+    <dgm:txEffectClrLst/>
+  </dgm:styleLbl>
+  <dgm:styleLbl name="parChTrans2D3">
+    <dgm:fillClrLst meth="repeat">
+      <a:schemeClr val="accent1"/>
+    </dgm:fillClrLst>
+    <dgm:linClrLst meth="repeat">
+      <a:schemeClr val="accent1"/>
+    </dgm:linClrLst>
+    <dgm:effectClrLst/>
+    <dgm:txLinClrLst/>
+    <dgm:txFillClrLst meth="repeat">
+      <a:schemeClr val="lt1"/>
+    </dgm:txFillClrLst>
+    <dgm:txEffectClrLst/>
+  </dgm:styleLbl>
+  <dgm:styleLbl name="parChTrans2D4">
+    <dgm:fillClrLst meth="repeat">
+      <a:schemeClr val="accent1"/>
+    </dgm:fillClrLst>
+    <dgm:linClrLst meth="repeat">
+      <a:schemeClr val="accent1"/>
+    </dgm:linClrLst>
+    <dgm:effectClrLst/>
+    <dgm:txLinClrLst/>
+    <dgm:txFillClrLst meth="repeat">
+      <a:schemeClr val="lt1"/>
+    </dgm:txFillClrLst>
+    <dgm:txEffectClrLst/>
+  </dgm:styleLbl>
+  <dgm:styleLbl name="parChTrans1D1">
+    <dgm:fillClrLst meth="repeat">
+      <a:schemeClr val="accent1"/>
+    </dgm:fillClrLst>
+    <dgm:linClrLst meth="repeat">
+      <a:schemeClr val="accent1">
+        <a:shade val="60000"/>
+      </a:schemeClr>
+    </dgm:linClrLst>
+    <dgm:effectClrLst/>
+    <dgm:txLinClrLst/>
+    <dgm:txFillClrLst meth="repeat">
+      <a:schemeClr val="tx1"/>
+    </dgm:txFillClrLst>
+    <dgm:txEffectClrLst/>
+  </dgm:styleLbl>
+  <dgm:styleLbl name="parChTrans1D2">
+    <dgm:fillClrLst meth="repeat">
+      <a:schemeClr val="accent1"/>
+    </dgm:fillClrLst>
+    <dgm:linClrLst meth="repeat">
+      <a:schemeClr val="accent1">
+        <a:shade val="60000"/>
+      </a:schemeClr>
+    </dgm:linClrLst>
+    <dgm:effectClrLst/>
+    <dgm:txLinClrLst/>
+    <dgm:txFillClrLst meth="repeat">
+      <a:schemeClr val="tx1"/>
+    </dgm:txFillClrLst>
+    <dgm:txEffectClrLst/>
+  </dgm:styleLbl>
+  <dgm:styleLbl name="parChTrans1D3">
+    <dgm:fillClrLst meth="repeat">
+      <a:schemeClr val="accent1"/>
+    </dgm:fillClrLst>
+    <dgm:linClrLst meth="repeat">
+      <a:schemeClr val="accent1">
+        <a:shade val="80000"/>
+      </a:schemeClr>
+    </dgm:linClrLst>
+    <dgm:effectClrLst/>
+    <dgm:txLinClrLst/>
+    <dgm:txFillClrLst meth="repeat">
+      <a:schemeClr val="tx1"/>
+    </dgm:txFillClrLst>
+    <dgm:txEffectClrLst/>
+  </dgm:styleLbl>
+  <dgm:styleLbl name="parChTrans1D4">
+    <dgm:fillClrLst meth="repeat">
+      <a:schemeClr val="accent1"/>
+    </dgm:fillClrLst>
+    <dgm:linClrLst meth="repeat">
+      <a:schemeClr val="accent1">
+        <a:shade val="80000"/>
+      </a:schemeClr>
+    </dgm:linClrLst>
+    <dgm:effectClrLst/>
+    <dgm:txLinClrLst/>
+    <dgm:txFillClrLst meth="repeat">
+      <a:schemeClr val="tx1"/>
+    </dgm:txFillClrLst>
+    <dgm:txEffectClrLst/>
+  </dgm:styleLbl>
+  <dgm:styleLbl name="fgAcc1">
+    <dgm:fillClrLst meth="repeat">
+      <a:schemeClr val="lt1">
+        <a:alpha val="90000"/>
+      </a:schemeClr>
+    </dgm:fillClrLst>
+    <dgm:linClrLst meth="repeat">
+      <a:schemeClr val="accent1"/>
+    </dgm:linClrLst>
+    <dgm:effectClrLst/>
+    <dgm:txLinClrLst/>
+    <dgm:txFillClrLst meth="repeat">
+      <a:schemeClr val="dk1"/>
+    </dgm:txFillClrLst>
+    <dgm:txEffectClrLst/>
+  </dgm:styleLbl>
+  <dgm:styleLbl name="conFgAcc1">
+    <dgm:fillClrLst meth="repeat">
+      <a:schemeClr val="lt1">
+        <a:alpha val="90000"/>
+      </a:schemeClr>
+    </dgm:fillClrLst>
+    <dgm:linClrLst meth="repeat">
+      <a:schemeClr val="accent1"/>
+    </dgm:linClrLst>
+    <dgm:effectClrLst/>
+    <dgm:txLinClrLst/>
+    <dgm:txFillClrLst meth="repeat">
+      <a:schemeClr val="dk1"/>
+    </dgm:txFillClrLst>
+    <dgm:txEffectClrLst/>
+  </dgm:styleLbl>
+  <dgm:styleLbl name="alignAcc1">
+    <dgm:fillClrLst meth="repeat">
+      <a:schemeClr val="lt1">
+        <a:alpha val="90000"/>
+      </a:schemeClr>
+    </dgm:fillClrLst>
+    <dgm:linClrLst meth="repeat">
+      <a:schemeClr val="accent1"/>
+    </dgm:linClrLst>
+    <dgm:effectClrLst/>
+    <dgm:txLinClrLst/>
+    <dgm:txFillClrLst meth="repeat">
+      <a:schemeClr val="dk1"/>
+    </dgm:txFillClrLst>
+    <dgm:txEffectClrLst/>
+  </dgm:styleLbl>
+  <dgm:styleLbl name="trAlignAcc1">
+    <dgm:fillClrLst meth="repeat">
+      <a:schemeClr val="lt1">
+        <a:alpha val="40000"/>
+      </a:schemeClr>
+    </dgm:fillClrLst>
+    <dgm:linClrLst meth="repeat">
+      <a:schemeClr val="accent1"/>
+    </dgm:linClrLst>
+    <dgm:effectClrLst/>
+    <dgm:txLinClrLst/>
+    <dgm:txFillClrLst meth="repeat">
+      <a:schemeClr val="dk1"/>
+    </dgm:txFillClrLst>
+    <dgm:txEffectClrLst/>
+  </dgm:styleLbl>
+  <dgm:styleLbl name="bgAcc1">
+    <dgm:fillClrLst meth="repeat">
+      <a:schemeClr val="lt1">
+        <a:alpha val="90000"/>
+      </a:schemeClr>
+    </dgm:fillClrLst>
+    <dgm:linClrLst meth="repeat">
+      <a:schemeClr val="accent1"/>
+    </dgm:linClrLst>
+    <dgm:effectClrLst/>
+    <dgm:txLinClrLst/>
+    <dgm:txFillClrLst meth="repeat">
+      <a:schemeClr val="dk1"/>
+    </dgm:txFillClrLst>
+    <dgm:txEffectClrLst/>
+  </dgm:styleLbl>
+  <dgm:styleLbl name="solidFgAcc1">
+    <dgm:fillClrLst meth="repeat">
+      <a:schemeClr val="lt1"/>
+    </dgm:fillClrLst>
+    <dgm:linClrLst meth="repeat">
+      <a:schemeClr val="accent1"/>
+    </dgm:linClrLst>
+    <dgm:effectClrLst/>
+    <dgm:txLinClrLst/>
+    <dgm:txFillClrLst meth="repeat">
+      <a:schemeClr val="dk1"/>
+    </dgm:txFillClrLst>
+    <dgm:txEffectClrLst/>
+  </dgm:styleLbl>
+  <dgm:styleLbl name="solidAlignAcc1">
+    <dgm:fillClrLst meth="repeat">
+      <a:schemeClr val="lt1"/>
+    </dgm:fillClrLst>
+    <dgm:linClrLst meth="repeat">
+      <a:schemeClr val="accent1"/>
+    </dgm:linClrLst>
+    <dgm:effectClrLst/>
+    <dgm:txLinClrLst/>
+    <dgm:txFillClrLst meth="repeat">
+      <a:schemeClr val="dk1"/>
+    </dgm:txFillClrLst>
+    <dgm:txEffectClrLst/>
+  </dgm:styleLbl>
+  <dgm:styleLbl name="solidBgAcc1">
+    <dgm:fillClrLst meth="repeat">
+      <a:schemeClr val="lt1"/>
+    </dgm:fillClrLst>
+    <dgm:linClrLst meth="repeat">
+      <a:schemeClr val="accent1"/>
+    </dgm:linClrLst>
+    <dgm:effectClrLst/>
+    <dgm:txLinClrLst/>
+    <dgm:txFillClrLst meth="repeat">
+      <a:schemeClr val="dk1"/>
+    </dgm:txFillClrLst>
+    <dgm:txEffectClrLst/>
+  </dgm:styleLbl>
+  <dgm:styleLbl name="fgAccFollowNode1">
+    <dgm:fillClrLst meth="repeat">
+      <a:schemeClr val="accent1">
+        <a:alpha val="90000"/>
+        <a:tint val="40000"/>
+      </a:schemeClr>
+    </dgm:fillClrLst>
+    <dgm:linClrLst meth="repeat">
+      <a:schemeClr val="accent1">
+        <a:alpha val="90000"/>
+        <a:tint val="40000"/>
+      </a:schemeClr>
+    </dgm:linClrLst>
+    <dgm:effectClrLst/>
+    <dgm:txLinClrLst/>
+    <dgm:txFillClrLst meth="repeat">
+      <a:schemeClr val="dk1"/>
+    </dgm:txFillClrLst>
+    <dgm:txEffectClrLst/>
+  </dgm:styleLbl>
+  <dgm:styleLbl name="alignAccFollowNode1">
+    <dgm:fillClrLst meth="repeat">
+      <a:schemeClr val="accent1">
+        <a:alpha val="90000"/>
+        <a:tint val="40000"/>
+      </a:schemeClr>
+    </dgm:fillClrLst>
+    <dgm:linClrLst meth="repeat">
+      <a:schemeClr val="accent1">
+        <a:alpha val="90000"/>
+        <a:tint val="40000"/>
+      </a:schemeClr>
+    </dgm:linClrLst>
+    <dgm:effectClrLst/>
+    <dgm:txLinClrLst/>
+    <dgm:txFillClrLst meth="repeat">
+      <a:schemeClr val="dk1"/>
+    </dgm:txFillClrLst>
+    <dgm:txEffectClrLst/>
+  </dgm:styleLbl>
+  <dgm:styleLbl name="bgAccFollowNode1">
+    <dgm:fillClrLst meth="repeat">
+      <a:schemeClr val="accent1">
+        <a:alpha val="90000"/>
+        <a:tint val="40000"/>
+      </a:schemeClr>
+    </dgm:fillClrLst>
+    <dgm:linClrLst meth="repeat">
+      <a:schemeClr val="accent1">
+        <a:alpha val="90000"/>
+        <a:tint val="40000"/>
+      </a:schemeClr>
+    </dgm:linClrLst>
+    <dgm:effectClrLst/>
+    <dgm:txLinClrLst/>
+    <dgm:txFillClrLst meth="repeat">
+      <a:schemeClr val="dk1"/>
+    </dgm:txFillClrLst>
+    <dgm:txEffectClrLst/>
+  </dgm:styleLbl>
+  <dgm:styleLbl name="fgAcc0">
+    <dgm:fillClrLst meth="repeat">
+      <a:schemeClr val="lt1">
+        <a:alpha val="90000"/>
+      </a:schemeClr>
+    </dgm:fillClrLst>
+    <dgm:linClrLst meth="repeat">
+      <a:schemeClr val="accent1"/>
+    </dgm:linClrLst>
+    <dgm:effectClrLst/>
+    <dgm:txLinClrLst/>
+    <dgm:txFillClrLst meth="repeat">
+      <a:schemeClr val="dk1"/>
+    </dgm:txFillClrLst>
+    <dgm:txEffectClrLst/>
+  </dgm:styleLbl>
+  <dgm:styleLbl name="fgAcc2">
+    <dgm:fillClrLst meth="repeat">
+      <a:schemeClr val="lt1">
+        <a:alpha val="90000"/>
+      </a:schemeClr>
+    </dgm:fillClrLst>
+    <dgm:linClrLst meth="repeat">
+      <a:schemeClr val="accent1"/>
+    </dgm:linClrLst>
+    <dgm:effectClrLst/>
+    <dgm:txLinClrLst/>
+    <dgm:txFillClrLst meth="repeat">
+      <a:schemeClr val="dk1"/>
+    </dgm:txFillClrLst>
+    <dgm:txEffectClrLst/>
+  </dgm:styleLbl>
+  <dgm:styleLbl name="fgAcc3">
+    <dgm:fillClrLst meth="repeat">
+      <a:schemeClr val="lt1">
+        <a:alpha val="90000"/>
+      </a:schemeClr>
+    </dgm:fillClrLst>
+    <dgm:linClrLst meth="repeat">
+      <a:schemeClr val="accent1"/>
+    </dgm:linClrLst>
+    <dgm:effectClrLst/>
+    <dgm:txLinClrLst/>
+    <dgm:txFillClrLst meth="repeat">
+      <a:schemeClr val="dk1"/>
+    </dgm:txFillClrLst>
+    <dgm:txEffectClrLst/>
+  </dgm:styleLbl>
+  <dgm:styleLbl name="fgAcc4">
+    <dgm:fillClrLst meth="repeat">
+      <a:schemeClr val="lt1">
+        <a:alpha val="90000"/>
+      </a:schemeClr>
+    </dgm:fillClrLst>
+    <dgm:linClrLst meth="repeat">
+      <a:schemeClr val="accent1"/>
+    </dgm:linClrLst>
+    <dgm:effectClrLst/>
+    <dgm:txLinClrLst/>
+    <dgm:txFillClrLst meth="repeat">
+      <a:schemeClr val="dk1"/>
+    </dgm:txFillClrLst>
+    <dgm:txEffectClrLst/>
+  </dgm:styleLbl>
+  <dgm:styleLbl name="bgShp">
+    <dgm:fillClrLst meth="repeat">
+      <a:schemeClr val="accent1">
+        <a:tint val="40000"/>
+      </a:schemeClr>
+    </dgm:fillClrLst>
+    <dgm:linClrLst meth="repeat">
+      <a:schemeClr val="accent1"/>
+    </dgm:linClrLst>
+    <dgm:effectClrLst/>
+    <dgm:txLinClrLst/>
+    <dgm:txFillClrLst meth="repeat">
+      <a:schemeClr val="dk1"/>
+    </dgm:txFillClrLst>
+    <dgm:txEffectClrLst/>
+  </dgm:styleLbl>
+  <dgm:styleLbl name="dkBgShp">
+    <dgm:fillClrLst meth="repeat">
+      <a:schemeClr val="accent1">
+        <a:shade val="80000"/>
+      </a:schemeClr>
+    </dgm:fillClrLst>
+    <dgm:linClrLst meth="repeat">
+      <a:schemeClr val="accent1"/>
+    </dgm:linClrLst>
+    <dgm:effectClrLst/>
+    <dgm:txLinClrLst/>
+    <dgm:txFillClrLst meth="repeat">
+      <a:schemeClr val="lt1"/>
+    </dgm:txFillClrLst>
+    <dgm:txEffectClrLst/>
+  </dgm:styleLbl>
+  <dgm:styleLbl name="trBgShp">
+    <dgm:fillClrLst meth="repeat">
+      <a:schemeClr val="accent1">
+        <a:tint val="50000"/>
+        <a:alpha val="40000"/>
+      </a:schemeClr>
+    </dgm:fillClrLst>
+    <dgm:linClrLst meth="repeat">
+      <a:schemeClr val="accent1"/>
+    </dgm:linClrLst>
+    <dgm:effectClrLst/>
+    <dgm:txLinClrLst/>
+    <dgm:txFillClrLst meth="repeat">
+      <a:schemeClr val="lt1"/>
+    </dgm:txFillClrLst>
+    <dgm:txEffectClrLst/>
+  </dgm:styleLbl>
+  <dgm:styleLbl name="fgShp">
+    <dgm:fillClrLst meth="repeat">
+      <a:schemeClr val="accent1">
+        <a:tint val="60000"/>
+      </a:schemeClr>
+    </dgm:fillClrLst>
+    <dgm:linClrLst meth="repeat">
+      <a:schemeClr val="lt1"/>
+    </dgm:linClrLst>
+    <dgm:effectClrLst/>
+    <dgm:txLinClrLst/>
+    <dgm:txFillClrLst meth="repeat">
+      <a:schemeClr val="dk1"/>
+    </dgm:txFillClrLst>
+    <dgm:txEffectClrLst/>
+  </dgm:styleLbl>
+  <dgm:styleLbl name="revTx">
+    <dgm:fillClrLst meth="repeat">
+      <a:schemeClr val="lt1">
+        <a:alpha val="0"/>
+      </a:schemeClr>
+    </dgm:fillClrLst>
+    <dgm:linClrLst meth="repeat">
+      <a:schemeClr val="dk1">
+        <a:alpha val="0"/>
+      </a:schemeClr>
+    </dgm:linClrLst>
+    <dgm:effectClrLst/>
+    <dgm:txLinClrLst/>
+    <dgm:txFillClrLst meth="repeat">
+      <a:schemeClr val="tx1"/>
+    </dgm:txFillClrLst>
+    <dgm:txEffectClrLst/>
+  </dgm:styleLbl>
+</dgm:colorsDef>
+</file>
+
 <file path=ppt/diagrams/data1.xml><?xml version="1.0" encoding="utf-8"?>
 <dgm:dataModel xmlns:dgm="http://schemas.openxmlformats.org/drawingml/2006/diagram" xmlns:a="http://schemas.openxmlformats.org/drawingml/2006/main">
   <dgm:ptLst>
@@ -4176,6 +5673,1231 @@
     <dgm:cxn modelId="{1F5ABF46-1139-4CDA-BAFD-2BD3C7675B47}" type="presParOf" srcId="{225E4BFE-4856-4B6D-9C0E-79DC14D9FCE4}" destId="{E4EB3D0D-2EAC-47DE-BD8D-D9DDB6D4039D}" srcOrd="13" destOrd="0" presId="urn:microsoft.com/office/officeart/2005/8/layout/vList2"/>
     <dgm:cxn modelId="{9AB0ACC2-555B-4C17-A481-6736DDD27E13}" type="presParOf" srcId="{225E4BFE-4856-4B6D-9C0E-79DC14D9FCE4}" destId="{9B0ACF64-989F-4A25-BD19-ADEBC619C3FE}" srcOrd="14" destOrd="0" presId="urn:microsoft.com/office/officeart/2005/8/layout/vList2"/>
     <dgm:cxn modelId="{1D5F1D79-76E0-471B-B360-C5660198700D}" type="presParOf" srcId="{225E4BFE-4856-4B6D-9C0E-79DC14D9FCE4}" destId="{202D2C6E-DAC3-4114-9630-8902254B4E11}" srcOrd="15" destOrd="0" presId="urn:microsoft.com/office/officeart/2005/8/layout/vList2"/>
+  </dgm:cxnLst>
+  <dgm:bg/>
+  <dgm:whole/>
+  <dgm:extLst>
+    <a:ext uri="http://schemas.microsoft.com/office/drawing/2008/diagram">
+      <dsp:dataModelExt xmlns:dsp="http://schemas.microsoft.com/office/drawing/2008/diagram" relId="rId6" minVer="http://schemas.openxmlformats.org/drawingml/2006/diagram"/>
+    </a:ext>
+  </dgm:extLst>
+</dgm:dataModel>
+</file>
+
+<file path=ppt/diagrams/data4.xml><?xml version="1.0" encoding="utf-8"?>
+<dgm:dataModel xmlns:dgm="http://schemas.openxmlformats.org/drawingml/2006/diagram" xmlns:a="http://schemas.openxmlformats.org/drawingml/2006/main">
+  <dgm:ptLst>
+    <dgm:pt modelId="{325BDC0C-FE05-4392-AD25-3696CD22A463}" type="doc">
+      <dgm:prSet loTypeId="urn:microsoft.com/office/officeart/2005/8/layout/vList2" loCatId="list" qsTypeId="urn:microsoft.com/office/officeart/2005/8/quickstyle/simple1" qsCatId="simple" csTypeId="urn:microsoft.com/office/officeart/2005/8/colors/accent1_2" csCatId="accent1" phldr="1"/>
+      <dgm:spPr/>
+      <dgm:t>
+        <a:bodyPr/>
+        <a:lstStyle/>
+        <a:p>
+          <a:endParaRPr lang="fr-FR"/>
+        </a:p>
+      </dgm:t>
+    </dgm:pt>
+    <dgm:pt modelId="{08D3C557-C12C-437E-BCBE-C9B5185C7112}">
+      <dgm:prSet/>
+      <dgm:spPr/>
+      <dgm:t>
+        <a:bodyPr/>
+        <a:lstStyle/>
+        <a:p>
+          <a:r>
+            <a:rPr lang="en-US" b="0" i="0"/>
+            <a:t>Begin with a "yes" to show understanding and unity, even if you disagree.</a:t>
+          </a:r>
+          <a:endParaRPr lang="fr-FR"/>
+        </a:p>
+      </dgm:t>
+    </dgm:pt>
+    <dgm:pt modelId="{5BCE18B1-9104-48C8-A214-D9BB3D71286B}" type="parTrans" cxnId="{9090F856-DF21-48CA-9AEA-D109E94CF3EB}">
+      <dgm:prSet/>
+      <dgm:spPr/>
+      <dgm:t>
+        <a:bodyPr/>
+        <a:lstStyle/>
+        <a:p>
+          <a:endParaRPr lang="fr-FR"/>
+        </a:p>
+      </dgm:t>
+    </dgm:pt>
+    <dgm:pt modelId="{F7D83ECC-6198-47FD-B6D1-3CE07FBA2D34}" type="sibTrans" cxnId="{9090F856-DF21-48CA-9AEA-D109E94CF3EB}">
+      <dgm:prSet/>
+      <dgm:spPr/>
+      <dgm:t>
+        <a:bodyPr/>
+        <a:lstStyle/>
+        <a:p>
+          <a:endParaRPr lang="fr-FR"/>
+        </a:p>
+      </dgm:t>
+    </dgm:pt>
+    <dgm:pt modelId="{495B3206-7A01-44FE-8564-8B7606AB0B3D}">
+      <dgm:prSet/>
+      <dgm:spPr/>
+      <dgm:t>
+        <a:bodyPr/>
+        <a:lstStyle/>
+        <a:p>
+          <a:r>
+            <a:rPr lang="en-US" b="0" i="0" dirty="0"/>
+            <a:t>Gracefully address CEO's concerns in presentations.</a:t>
+          </a:r>
+          <a:endParaRPr lang="fr-FR" dirty="0"/>
+        </a:p>
+      </dgm:t>
+    </dgm:pt>
+    <dgm:pt modelId="{0A455B05-0415-4CE7-B870-9ABA05D92706}" type="parTrans" cxnId="{B38C3F90-0459-448F-A4AE-E0F22AE11DAB}">
+      <dgm:prSet/>
+      <dgm:spPr/>
+      <dgm:t>
+        <a:bodyPr/>
+        <a:lstStyle/>
+        <a:p>
+          <a:endParaRPr lang="fr-FR"/>
+        </a:p>
+      </dgm:t>
+    </dgm:pt>
+    <dgm:pt modelId="{47AC4A0D-8D9A-4844-AA36-B07B87489F43}" type="sibTrans" cxnId="{B38C3F90-0459-448F-A4AE-E0F22AE11DAB}">
+      <dgm:prSet/>
+      <dgm:spPr/>
+      <dgm:t>
+        <a:bodyPr/>
+        <a:lstStyle/>
+        <a:p>
+          <a:endParaRPr lang="fr-FR"/>
+        </a:p>
+      </dgm:t>
+    </dgm:pt>
+    <dgm:pt modelId="{646B1BE4-EF41-45EE-A1F4-93BDF895B094}">
+      <dgm:prSet/>
+      <dgm:spPr/>
+      <dgm:t>
+        <a:bodyPr/>
+        <a:lstStyle/>
+        <a:p>
+          <a:r>
+            <a:rPr lang="en-US" b="0" i="0" dirty="0"/>
+            <a:t>Build hypotheses when facing opposing opinions.</a:t>
+          </a:r>
+          <a:endParaRPr lang="fr-FR" dirty="0"/>
+        </a:p>
+      </dgm:t>
+    </dgm:pt>
+    <dgm:pt modelId="{2EFD0CD0-74F9-4634-9644-A5EBAC64B78D}" type="parTrans" cxnId="{600275B8-F3AF-4E3F-BA33-6A75DD368805}">
+      <dgm:prSet/>
+      <dgm:spPr/>
+      <dgm:t>
+        <a:bodyPr/>
+        <a:lstStyle/>
+        <a:p>
+          <a:endParaRPr lang="fr-FR"/>
+        </a:p>
+      </dgm:t>
+    </dgm:pt>
+    <dgm:pt modelId="{21CB2165-72A2-418E-81BD-350D0EBA2E54}" type="sibTrans" cxnId="{600275B8-F3AF-4E3F-BA33-6A75DD368805}">
+      <dgm:prSet/>
+      <dgm:spPr/>
+      <dgm:t>
+        <a:bodyPr/>
+        <a:lstStyle/>
+        <a:p>
+          <a:endParaRPr lang="fr-FR"/>
+        </a:p>
+      </dgm:t>
+    </dgm:pt>
+    <dgm:pt modelId="{C7DA0983-D9C6-4CAE-9C25-E4C0C99DDAE6}">
+      <dgm:prSet/>
+      <dgm:spPr/>
+      <dgm:t>
+        <a:bodyPr/>
+        <a:lstStyle/>
+        <a:p>
+          <a:r>
+            <a:rPr lang="en-US" b="0" i="0" dirty="0"/>
+            <a:t>Focus on a functional perspective over subjective one.</a:t>
+          </a:r>
+          <a:endParaRPr lang="fr-FR" dirty="0"/>
+        </a:p>
+      </dgm:t>
+    </dgm:pt>
+    <dgm:pt modelId="{F88F10C7-2074-4C3F-91E7-01D713B73DAD}" type="parTrans" cxnId="{2BA2622A-30EF-4216-A4D1-4B3839BCA451}">
+      <dgm:prSet/>
+      <dgm:spPr/>
+      <dgm:t>
+        <a:bodyPr/>
+        <a:lstStyle/>
+        <a:p>
+          <a:endParaRPr lang="fr-FR"/>
+        </a:p>
+      </dgm:t>
+    </dgm:pt>
+    <dgm:pt modelId="{89B4C7B3-EEB6-4755-B6F4-DB414555DC2E}" type="sibTrans" cxnId="{2BA2622A-30EF-4216-A4D1-4B3839BCA451}">
+      <dgm:prSet/>
+      <dgm:spPr/>
+      <dgm:t>
+        <a:bodyPr/>
+        <a:lstStyle/>
+        <a:p>
+          <a:endParaRPr lang="fr-FR"/>
+        </a:p>
+      </dgm:t>
+    </dgm:pt>
+    <dgm:pt modelId="{75CF5BFC-2F3B-46E1-9EB3-BC68EE352D58}">
+      <dgm:prSet/>
+      <dgm:spPr/>
+      <dgm:t>
+        <a:bodyPr/>
+        <a:lstStyle/>
+        <a:p>
+          <a:r>
+            <a:rPr lang="en-US" b="0" i="0" dirty="0"/>
+            <a:t>Effective design articulation:</a:t>
+          </a:r>
+          <a:endParaRPr lang="fr-FR" dirty="0"/>
+        </a:p>
+      </dgm:t>
+    </dgm:pt>
+    <dgm:pt modelId="{55248A4A-30CA-4B74-ACB0-2E9557E99BE2}" type="parTrans" cxnId="{745993FF-8AEB-4C2C-A020-F6745C913DCD}">
+      <dgm:prSet/>
+      <dgm:spPr/>
+      <dgm:t>
+        <a:bodyPr/>
+        <a:lstStyle/>
+        <a:p>
+          <a:endParaRPr lang="fr-FR"/>
+        </a:p>
+      </dgm:t>
+    </dgm:pt>
+    <dgm:pt modelId="{F44B9DCD-89D8-4E43-A9A8-B705601ABDCF}" type="sibTrans" cxnId="{745993FF-8AEB-4C2C-A020-F6745C913DCD}">
+      <dgm:prSet/>
+      <dgm:spPr/>
+      <dgm:t>
+        <a:bodyPr/>
+        <a:lstStyle/>
+        <a:p>
+          <a:endParaRPr lang="fr-FR"/>
+        </a:p>
+      </dgm:t>
+    </dgm:pt>
+    <dgm:pt modelId="{E419E3C7-AE80-4210-9C43-1C3B124D7444}">
+      <dgm:prSet/>
+      <dgm:spPr/>
+      <dgm:t>
+        <a:bodyPr/>
+        <a:lstStyle/>
+        <a:p>
+          <a:r>
+            <a:rPr lang="en-US" b="0" i="0" dirty="0"/>
+            <a:t>a. Appeal to shared goals. </a:t>
+          </a:r>
+          <a:endParaRPr lang="fr-FR" dirty="0"/>
+        </a:p>
+      </dgm:t>
+    </dgm:pt>
+    <dgm:pt modelId="{E2A3CFE6-8375-4AE6-B4F6-72D720AAB319}" type="parTrans" cxnId="{994CF692-3BA1-472E-B5BA-E8C9678DF251}">
+      <dgm:prSet/>
+      <dgm:spPr/>
+      <dgm:t>
+        <a:bodyPr/>
+        <a:lstStyle/>
+        <a:p>
+          <a:endParaRPr lang="fr-FR"/>
+        </a:p>
+      </dgm:t>
+    </dgm:pt>
+    <dgm:pt modelId="{A6099DE8-ED5A-4F75-8D50-968E2922736C}" type="sibTrans" cxnId="{994CF692-3BA1-472E-B5BA-E8C9678DF251}">
+      <dgm:prSet/>
+      <dgm:spPr/>
+      <dgm:t>
+        <a:bodyPr/>
+        <a:lstStyle/>
+        <a:p>
+          <a:endParaRPr lang="fr-FR"/>
+        </a:p>
+      </dgm:t>
+    </dgm:pt>
+    <dgm:pt modelId="{4D866E72-F539-4315-9932-34CEF658FEB3}">
+      <dgm:prSet/>
+      <dgm:spPr/>
+      <dgm:t>
+        <a:bodyPr/>
+        <a:lstStyle/>
+        <a:p>
+          <a:r>
+            <a:rPr lang="en-US" b="0" i="0" dirty="0"/>
+            <a:t>c. Maintain a design decision log.</a:t>
+          </a:r>
+          <a:endParaRPr lang="fr-FR" dirty="0"/>
+        </a:p>
+      </dgm:t>
+    </dgm:pt>
+    <dgm:pt modelId="{F4FBF640-CEBE-4913-A9F1-473E18D03801}" type="parTrans" cxnId="{F345A084-C450-49D0-9C36-A8C03EB9E22D}">
+      <dgm:prSet/>
+      <dgm:spPr/>
+      <dgm:t>
+        <a:bodyPr/>
+        <a:lstStyle/>
+        <a:p>
+          <a:endParaRPr lang="fr-FR"/>
+        </a:p>
+      </dgm:t>
+    </dgm:pt>
+    <dgm:pt modelId="{5E329395-E05C-49EC-958D-625CEA8E7B38}" type="sibTrans" cxnId="{F345A084-C450-49D0-9C36-A8C03EB9E22D}">
+      <dgm:prSet/>
+      <dgm:spPr/>
+      <dgm:t>
+        <a:bodyPr/>
+        <a:lstStyle/>
+        <a:p>
+          <a:endParaRPr lang="fr-FR"/>
+        </a:p>
+      </dgm:t>
+    </dgm:pt>
+    <dgm:pt modelId="{5E302358-97C4-4561-8064-B6736A56A12A}">
+      <dgm:prSet/>
+      <dgm:spPr/>
+      <dgm:t>
+        <a:bodyPr/>
+        <a:lstStyle/>
+        <a:p>
+          <a:r>
+            <a:rPr lang="en-US" b="0" i="0" dirty="0"/>
+            <a:t>d. Practice presentations for confidence. </a:t>
+          </a:r>
+          <a:endParaRPr lang="fr-FR" dirty="0"/>
+        </a:p>
+      </dgm:t>
+    </dgm:pt>
+    <dgm:pt modelId="{B54D5A41-880F-41DB-989A-C54F1EC9E632}" type="parTrans" cxnId="{AAB0D1A8-C7DA-4F98-9CBF-3C128B606CCE}">
+      <dgm:prSet/>
+      <dgm:spPr/>
+      <dgm:t>
+        <a:bodyPr/>
+        <a:lstStyle/>
+        <a:p>
+          <a:endParaRPr lang="fr-FR"/>
+        </a:p>
+      </dgm:t>
+    </dgm:pt>
+    <dgm:pt modelId="{B66C8CB3-B272-4586-8937-07728B92DFAE}" type="sibTrans" cxnId="{AAB0D1A8-C7DA-4F98-9CBF-3C128B606CCE}">
+      <dgm:prSet/>
+      <dgm:spPr/>
+      <dgm:t>
+        <a:bodyPr/>
+        <a:lstStyle/>
+        <a:p>
+          <a:endParaRPr lang="fr-FR"/>
+        </a:p>
+      </dgm:t>
+    </dgm:pt>
+    <dgm:pt modelId="{C19E1F5A-9D54-48AF-B679-3545C1D0F3D8}">
+      <dgm:prSet/>
+      <dgm:spPr/>
+      <dgm:t>
+        <a:bodyPr/>
+        <a:lstStyle/>
+        <a:p>
+          <a:r>
+            <a:rPr lang="en-US" b="0" i="0" dirty="0"/>
+            <a:t>e. Bring a supporter to meetings for backup if possible.</a:t>
+          </a:r>
+          <a:endParaRPr lang="fr-FR" dirty="0"/>
+        </a:p>
+      </dgm:t>
+    </dgm:pt>
+    <dgm:pt modelId="{994B8A43-C131-4C05-8FA3-59ABCF497B6C}" type="parTrans" cxnId="{38FF67B9-A52D-4449-8867-6735775172E4}">
+      <dgm:prSet/>
+      <dgm:spPr/>
+      <dgm:t>
+        <a:bodyPr/>
+        <a:lstStyle/>
+        <a:p>
+          <a:endParaRPr lang="fr-FR"/>
+        </a:p>
+      </dgm:t>
+    </dgm:pt>
+    <dgm:pt modelId="{9BB1CA64-A207-4164-81B4-2BDB720A6F82}" type="sibTrans" cxnId="{38FF67B9-A52D-4449-8867-6735775172E4}">
+      <dgm:prSet/>
+      <dgm:spPr/>
+      <dgm:t>
+        <a:bodyPr/>
+        <a:lstStyle/>
+        <a:p>
+          <a:endParaRPr lang="fr-FR"/>
+        </a:p>
+      </dgm:t>
+    </dgm:pt>
+    <dgm:pt modelId="{66C6DD92-FE84-44D1-ADBA-B46F3C4BC596}">
+      <dgm:prSet/>
+      <dgm:spPr/>
+      <dgm:t>
+        <a:bodyPr/>
+        <a:lstStyle/>
+        <a:p>
+          <a:r>
+            <a:rPr lang="en-US" b="0" i="0" dirty="0"/>
+            <a:t>b. Adopt a facilitator mindset. </a:t>
+          </a:r>
+          <a:endParaRPr lang="fr-FR" dirty="0"/>
+        </a:p>
+      </dgm:t>
+    </dgm:pt>
+    <dgm:pt modelId="{6B744595-9E1B-4EEE-9C57-CED1D2B9D5BF}" type="parTrans" cxnId="{6D2ADF7F-611F-43CA-9B2A-36670757D54F}">
+      <dgm:prSet/>
+      <dgm:spPr/>
+      <dgm:t>
+        <a:bodyPr/>
+        <a:lstStyle/>
+        <a:p>
+          <a:endParaRPr lang="fr-FR"/>
+        </a:p>
+      </dgm:t>
+    </dgm:pt>
+    <dgm:pt modelId="{EF3B24AA-7878-429C-A531-DF2697ED6DBF}" type="sibTrans" cxnId="{6D2ADF7F-611F-43CA-9B2A-36670757D54F}">
+      <dgm:prSet/>
+      <dgm:spPr/>
+      <dgm:t>
+        <a:bodyPr/>
+        <a:lstStyle/>
+        <a:p>
+          <a:endParaRPr lang="fr-FR"/>
+        </a:p>
+      </dgm:t>
+    </dgm:pt>
+    <dgm:pt modelId="{16EB8221-122D-4EE4-A509-0D63E13C2277}" type="pres">
+      <dgm:prSet presAssocID="{325BDC0C-FE05-4392-AD25-3696CD22A463}" presName="linear" presStyleCnt="0">
+        <dgm:presLayoutVars>
+          <dgm:animLvl val="lvl"/>
+          <dgm:resizeHandles val="exact"/>
+        </dgm:presLayoutVars>
+      </dgm:prSet>
+      <dgm:spPr/>
+    </dgm:pt>
+    <dgm:pt modelId="{C27C0779-8E18-4A17-A08D-61D72675C243}" type="pres">
+      <dgm:prSet presAssocID="{08D3C557-C12C-437E-BCBE-C9B5185C7112}" presName="parentText" presStyleLbl="node1" presStyleIdx="0" presStyleCnt="5">
+        <dgm:presLayoutVars>
+          <dgm:chMax val="0"/>
+          <dgm:bulletEnabled val="1"/>
+        </dgm:presLayoutVars>
+      </dgm:prSet>
+      <dgm:spPr/>
+    </dgm:pt>
+    <dgm:pt modelId="{7603F56E-51EE-4744-B028-F3382E6588E2}" type="pres">
+      <dgm:prSet presAssocID="{F7D83ECC-6198-47FD-B6D1-3CE07FBA2D34}" presName="spacer" presStyleCnt="0"/>
+      <dgm:spPr/>
+    </dgm:pt>
+    <dgm:pt modelId="{ACD0716D-5791-4016-ABB6-ABB33AE10B23}" type="pres">
+      <dgm:prSet presAssocID="{495B3206-7A01-44FE-8564-8B7606AB0B3D}" presName="parentText" presStyleLbl="node1" presStyleIdx="1" presStyleCnt="5">
+        <dgm:presLayoutVars>
+          <dgm:chMax val="0"/>
+          <dgm:bulletEnabled val="1"/>
+        </dgm:presLayoutVars>
+      </dgm:prSet>
+      <dgm:spPr/>
+    </dgm:pt>
+    <dgm:pt modelId="{03458DE0-0A07-495B-9C73-C54D8B73F77F}" type="pres">
+      <dgm:prSet presAssocID="{47AC4A0D-8D9A-4844-AA36-B07B87489F43}" presName="spacer" presStyleCnt="0"/>
+      <dgm:spPr/>
+    </dgm:pt>
+    <dgm:pt modelId="{77242E60-C0FC-4B02-8E11-A94506BAF6DF}" type="pres">
+      <dgm:prSet presAssocID="{646B1BE4-EF41-45EE-A1F4-93BDF895B094}" presName="parentText" presStyleLbl="node1" presStyleIdx="2" presStyleCnt="5">
+        <dgm:presLayoutVars>
+          <dgm:chMax val="0"/>
+          <dgm:bulletEnabled val="1"/>
+        </dgm:presLayoutVars>
+      </dgm:prSet>
+      <dgm:spPr/>
+    </dgm:pt>
+    <dgm:pt modelId="{16876D3F-C15E-471B-A473-85BE02DD7ED3}" type="pres">
+      <dgm:prSet presAssocID="{21CB2165-72A2-418E-81BD-350D0EBA2E54}" presName="spacer" presStyleCnt="0"/>
+      <dgm:spPr/>
+    </dgm:pt>
+    <dgm:pt modelId="{062FF60B-FDB9-487D-A808-2D187B05EB9D}" type="pres">
+      <dgm:prSet presAssocID="{C7DA0983-D9C6-4CAE-9C25-E4C0C99DDAE6}" presName="parentText" presStyleLbl="node1" presStyleIdx="3" presStyleCnt="5">
+        <dgm:presLayoutVars>
+          <dgm:chMax val="0"/>
+          <dgm:bulletEnabled val="1"/>
+        </dgm:presLayoutVars>
+      </dgm:prSet>
+      <dgm:spPr/>
+    </dgm:pt>
+    <dgm:pt modelId="{1098261C-E4A8-465A-A47D-FD9C3F1C7EAA}" type="pres">
+      <dgm:prSet presAssocID="{89B4C7B3-EEB6-4755-B6F4-DB414555DC2E}" presName="spacer" presStyleCnt="0"/>
+      <dgm:spPr/>
+    </dgm:pt>
+    <dgm:pt modelId="{CB6A87C3-1533-48BB-8D09-8479E5F3F13C}" type="pres">
+      <dgm:prSet presAssocID="{75CF5BFC-2F3B-46E1-9EB3-BC68EE352D58}" presName="parentText" presStyleLbl="node1" presStyleIdx="4" presStyleCnt="5" custLinFactNeighborX="0">
+        <dgm:presLayoutVars>
+          <dgm:chMax val="0"/>
+          <dgm:bulletEnabled val="1"/>
+        </dgm:presLayoutVars>
+      </dgm:prSet>
+      <dgm:spPr/>
+    </dgm:pt>
+    <dgm:pt modelId="{0C0B4FEA-5F61-4CE6-BA8D-1A855EE3F421}" type="pres">
+      <dgm:prSet presAssocID="{75CF5BFC-2F3B-46E1-9EB3-BC68EE352D58}" presName="childText" presStyleLbl="revTx" presStyleIdx="0" presStyleCnt="1">
+        <dgm:presLayoutVars>
+          <dgm:bulletEnabled val="1"/>
+        </dgm:presLayoutVars>
+      </dgm:prSet>
+      <dgm:spPr/>
+    </dgm:pt>
+  </dgm:ptLst>
+  <dgm:cxnLst>
+    <dgm:cxn modelId="{2BA2622A-30EF-4216-A4D1-4B3839BCA451}" srcId="{325BDC0C-FE05-4392-AD25-3696CD22A463}" destId="{C7DA0983-D9C6-4CAE-9C25-E4C0C99DDAE6}" srcOrd="3" destOrd="0" parTransId="{F88F10C7-2074-4C3F-91E7-01D713B73DAD}" sibTransId="{89B4C7B3-EEB6-4755-B6F4-DB414555DC2E}"/>
+    <dgm:cxn modelId="{5F9C0166-471D-428D-8FCC-26BD3ADB2DB2}" type="presOf" srcId="{75CF5BFC-2F3B-46E1-9EB3-BC68EE352D58}" destId="{CB6A87C3-1533-48BB-8D09-8479E5F3F13C}" srcOrd="0" destOrd="0" presId="urn:microsoft.com/office/officeart/2005/8/layout/vList2"/>
+    <dgm:cxn modelId="{9ECE8569-EA03-42A4-87D5-FC24420DD97A}" type="presOf" srcId="{646B1BE4-EF41-45EE-A1F4-93BDF895B094}" destId="{77242E60-C0FC-4B02-8E11-A94506BAF6DF}" srcOrd="0" destOrd="0" presId="urn:microsoft.com/office/officeart/2005/8/layout/vList2"/>
+    <dgm:cxn modelId="{FA34CD73-8095-4A91-ACCF-CB1B84574A57}" type="presOf" srcId="{325BDC0C-FE05-4392-AD25-3696CD22A463}" destId="{16EB8221-122D-4EE4-A509-0D63E13C2277}" srcOrd="0" destOrd="0" presId="urn:microsoft.com/office/officeart/2005/8/layout/vList2"/>
+    <dgm:cxn modelId="{9090F856-DF21-48CA-9AEA-D109E94CF3EB}" srcId="{325BDC0C-FE05-4392-AD25-3696CD22A463}" destId="{08D3C557-C12C-437E-BCBE-C9B5185C7112}" srcOrd="0" destOrd="0" parTransId="{5BCE18B1-9104-48C8-A214-D9BB3D71286B}" sibTransId="{F7D83ECC-6198-47FD-B6D1-3CE07FBA2D34}"/>
+    <dgm:cxn modelId="{6D2ADF7F-611F-43CA-9B2A-36670757D54F}" srcId="{75CF5BFC-2F3B-46E1-9EB3-BC68EE352D58}" destId="{66C6DD92-FE84-44D1-ADBA-B46F3C4BC596}" srcOrd="1" destOrd="0" parTransId="{6B744595-9E1B-4EEE-9C57-CED1D2B9D5BF}" sibTransId="{EF3B24AA-7878-429C-A531-DF2697ED6DBF}"/>
+    <dgm:cxn modelId="{F345A084-C450-49D0-9C36-A8C03EB9E22D}" srcId="{75CF5BFC-2F3B-46E1-9EB3-BC68EE352D58}" destId="{4D866E72-F539-4315-9932-34CEF658FEB3}" srcOrd="2" destOrd="0" parTransId="{F4FBF640-CEBE-4913-A9F1-473E18D03801}" sibTransId="{5E329395-E05C-49EC-958D-625CEA8E7B38}"/>
+    <dgm:cxn modelId="{B38C3F90-0459-448F-A4AE-E0F22AE11DAB}" srcId="{325BDC0C-FE05-4392-AD25-3696CD22A463}" destId="{495B3206-7A01-44FE-8564-8B7606AB0B3D}" srcOrd="1" destOrd="0" parTransId="{0A455B05-0415-4CE7-B870-9ABA05D92706}" sibTransId="{47AC4A0D-8D9A-4844-AA36-B07B87489F43}"/>
+    <dgm:cxn modelId="{994CF692-3BA1-472E-B5BA-E8C9678DF251}" srcId="{75CF5BFC-2F3B-46E1-9EB3-BC68EE352D58}" destId="{E419E3C7-AE80-4210-9C43-1C3B124D7444}" srcOrd="0" destOrd="0" parTransId="{E2A3CFE6-8375-4AE6-B4F6-72D720AAB319}" sibTransId="{A6099DE8-ED5A-4F75-8D50-968E2922736C}"/>
+    <dgm:cxn modelId="{86552E96-8DBB-418B-9249-E34EF0D650D3}" type="presOf" srcId="{E419E3C7-AE80-4210-9C43-1C3B124D7444}" destId="{0C0B4FEA-5F61-4CE6-BA8D-1A855EE3F421}" srcOrd="0" destOrd="0" presId="urn:microsoft.com/office/officeart/2005/8/layout/vList2"/>
+    <dgm:cxn modelId="{16AFBE9D-F0F3-4ED8-8EE4-01B3F9D7C79C}" type="presOf" srcId="{08D3C557-C12C-437E-BCBE-C9B5185C7112}" destId="{C27C0779-8E18-4A17-A08D-61D72675C243}" srcOrd="0" destOrd="0" presId="urn:microsoft.com/office/officeart/2005/8/layout/vList2"/>
+    <dgm:cxn modelId="{AAB0D1A8-C7DA-4F98-9CBF-3C128B606CCE}" srcId="{75CF5BFC-2F3B-46E1-9EB3-BC68EE352D58}" destId="{5E302358-97C4-4561-8064-B6736A56A12A}" srcOrd="3" destOrd="0" parTransId="{B54D5A41-880F-41DB-989A-C54F1EC9E632}" sibTransId="{B66C8CB3-B272-4586-8937-07728B92DFAE}"/>
+    <dgm:cxn modelId="{BA19FBB1-737E-4200-A472-6AC06F6ED1F6}" type="presOf" srcId="{66C6DD92-FE84-44D1-ADBA-B46F3C4BC596}" destId="{0C0B4FEA-5F61-4CE6-BA8D-1A855EE3F421}" srcOrd="0" destOrd="1" presId="urn:microsoft.com/office/officeart/2005/8/layout/vList2"/>
+    <dgm:cxn modelId="{600275B8-F3AF-4E3F-BA33-6A75DD368805}" srcId="{325BDC0C-FE05-4392-AD25-3696CD22A463}" destId="{646B1BE4-EF41-45EE-A1F4-93BDF895B094}" srcOrd="2" destOrd="0" parTransId="{2EFD0CD0-74F9-4634-9644-A5EBAC64B78D}" sibTransId="{21CB2165-72A2-418E-81BD-350D0EBA2E54}"/>
+    <dgm:cxn modelId="{38FF67B9-A52D-4449-8867-6735775172E4}" srcId="{75CF5BFC-2F3B-46E1-9EB3-BC68EE352D58}" destId="{C19E1F5A-9D54-48AF-B679-3545C1D0F3D8}" srcOrd="4" destOrd="0" parTransId="{994B8A43-C131-4C05-8FA3-59ABCF497B6C}" sibTransId="{9BB1CA64-A207-4164-81B4-2BDB720A6F82}"/>
+    <dgm:cxn modelId="{462F27DC-583B-4739-A0D3-31745464E1DC}" type="presOf" srcId="{C19E1F5A-9D54-48AF-B679-3545C1D0F3D8}" destId="{0C0B4FEA-5F61-4CE6-BA8D-1A855EE3F421}" srcOrd="0" destOrd="4" presId="urn:microsoft.com/office/officeart/2005/8/layout/vList2"/>
+    <dgm:cxn modelId="{802E12F5-F341-4763-A02A-93FB4B20137C}" type="presOf" srcId="{495B3206-7A01-44FE-8564-8B7606AB0B3D}" destId="{ACD0716D-5791-4016-ABB6-ABB33AE10B23}" srcOrd="0" destOrd="0" presId="urn:microsoft.com/office/officeart/2005/8/layout/vList2"/>
+    <dgm:cxn modelId="{034BB7FC-B42A-4A67-85B5-1A6099A65BDC}" type="presOf" srcId="{4D866E72-F539-4315-9932-34CEF658FEB3}" destId="{0C0B4FEA-5F61-4CE6-BA8D-1A855EE3F421}" srcOrd="0" destOrd="2" presId="urn:microsoft.com/office/officeart/2005/8/layout/vList2"/>
+    <dgm:cxn modelId="{E071CBFD-A79C-4E0D-A81B-7F32DD0306F5}" type="presOf" srcId="{5E302358-97C4-4561-8064-B6736A56A12A}" destId="{0C0B4FEA-5F61-4CE6-BA8D-1A855EE3F421}" srcOrd="0" destOrd="3" presId="urn:microsoft.com/office/officeart/2005/8/layout/vList2"/>
+    <dgm:cxn modelId="{D4EF36FF-B729-4C8E-8DBA-31C27260FEA4}" type="presOf" srcId="{C7DA0983-D9C6-4CAE-9C25-E4C0C99DDAE6}" destId="{062FF60B-FDB9-487D-A808-2D187B05EB9D}" srcOrd="0" destOrd="0" presId="urn:microsoft.com/office/officeart/2005/8/layout/vList2"/>
+    <dgm:cxn modelId="{745993FF-8AEB-4C2C-A020-F6745C913DCD}" srcId="{325BDC0C-FE05-4392-AD25-3696CD22A463}" destId="{75CF5BFC-2F3B-46E1-9EB3-BC68EE352D58}" srcOrd="4" destOrd="0" parTransId="{55248A4A-30CA-4B74-ACB0-2E9557E99BE2}" sibTransId="{F44B9DCD-89D8-4E43-A9A8-B705601ABDCF}"/>
+    <dgm:cxn modelId="{0B4E1877-319B-4087-BB07-6E387C8D7E58}" type="presParOf" srcId="{16EB8221-122D-4EE4-A509-0D63E13C2277}" destId="{C27C0779-8E18-4A17-A08D-61D72675C243}" srcOrd="0" destOrd="0" presId="urn:microsoft.com/office/officeart/2005/8/layout/vList2"/>
+    <dgm:cxn modelId="{9BFE8F7F-962C-426D-9D13-A26A4B61AED0}" type="presParOf" srcId="{16EB8221-122D-4EE4-A509-0D63E13C2277}" destId="{7603F56E-51EE-4744-B028-F3382E6588E2}" srcOrd="1" destOrd="0" presId="urn:microsoft.com/office/officeart/2005/8/layout/vList2"/>
+    <dgm:cxn modelId="{8BDB2287-B7B6-42F2-993D-5CBA17B7CD67}" type="presParOf" srcId="{16EB8221-122D-4EE4-A509-0D63E13C2277}" destId="{ACD0716D-5791-4016-ABB6-ABB33AE10B23}" srcOrd="2" destOrd="0" presId="urn:microsoft.com/office/officeart/2005/8/layout/vList2"/>
+    <dgm:cxn modelId="{3DCB3151-5E65-4D13-B6EE-10156EC1938F}" type="presParOf" srcId="{16EB8221-122D-4EE4-A509-0D63E13C2277}" destId="{03458DE0-0A07-495B-9C73-C54D8B73F77F}" srcOrd="3" destOrd="0" presId="urn:microsoft.com/office/officeart/2005/8/layout/vList2"/>
+    <dgm:cxn modelId="{4867D76C-5F66-46FF-9A31-12442B45C7FF}" type="presParOf" srcId="{16EB8221-122D-4EE4-A509-0D63E13C2277}" destId="{77242E60-C0FC-4B02-8E11-A94506BAF6DF}" srcOrd="4" destOrd="0" presId="urn:microsoft.com/office/officeart/2005/8/layout/vList2"/>
+    <dgm:cxn modelId="{4F491993-3CC0-434B-99F0-8C781118516E}" type="presParOf" srcId="{16EB8221-122D-4EE4-A509-0D63E13C2277}" destId="{16876D3F-C15E-471B-A473-85BE02DD7ED3}" srcOrd="5" destOrd="0" presId="urn:microsoft.com/office/officeart/2005/8/layout/vList2"/>
+    <dgm:cxn modelId="{BE097622-1AE3-425F-B981-AB2A3C8782FF}" type="presParOf" srcId="{16EB8221-122D-4EE4-A509-0D63E13C2277}" destId="{062FF60B-FDB9-487D-A808-2D187B05EB9D}" srcOrd="6" destOrd="0" presId="urn:microsoft.com/office/officeart/2005/8/layout/vList2"/>
+    <dgm:cxn modelId="{048ACB71-37B3-4BC8-B4B8-199F1962B8A7}" type="presParOf" srcId="{16EB8221-122D-4EE4-A509-0D63E13C2277}" destId="{1098261C-E4A8-465A-A47D-FD9C3F1C7EAA}" srcOrd="7" destOrd="0" presId="urn:microsoft.com/office/officeart/2005/8/layout/vList2"/>
+    <dgm:cxn modelId="{DAA84F90-92E1-4574-B6ED-BBE8F96E9862}" type="presParOf" srcId="{16EB8221-122D-4EE4-A509-0D63E13C2277}" destId="{CB6A87C3-1533-48BB-8D09-8479E5F3F13C}" srcOrd="8" destOrd="0" presId="urn:microsoft.com/office/officeart/2005/8/layout/vList2"/>
+    <dgm:cxn modelId="{53C9BECB-B5F4-49C8-B52B-570333C90672}" type="presParOf" srcId="{16EB8221-122D-4EE4-A509-0D63E13C2277}" destId="{0C0B4FEA-5F61-4CE6-BA8D-1A855EE3F421}" srcOrd="9" destOrd="0" presId="urn:microsoft.com/office/officeart/2005/8/layout/vList2"/>
+  </dgm:cxnLst>
+  <dgm:bg/>
+  <dgm:whole/>
+  <dgm:extLst>
+    <a:ext uri="http://schemas.microsoft.com/office/drawing/2008/diagram">
+      <dsp:dataModelExt xmlns:dsp="http://schemas.microsoft.com/office/drawing/2008/diagram" relId="rId6" minVer="http://schemas.openxmlformats.org/drawingml/2006/diagram"/>
+    </a:ext>
+  </dgm:extLst>
+</dgm:dataModel>
+</file>
+
+<file path=ppt/diagrams/data5.xml><?xml version="1.0" encoding="utf-8"?>
+<dgm:dataModel xmlns:dgm="http://schemas.openxmlformats.org/drawingml/2006/diagram" xmlns:a="http://schemas.openxmlformats.org/drawingml/2006/main">
+  <dgm:ptLst>
+    <dgm:pt modelId="{325BDC0C-FE05-4392-AD25-3696CD22A463}" type="doc">
+      <dgm:prSet loTypeId="urn:microsoft.com/office/officeart/2005/8/layout/vList2" loCatId="list" qsTypeId="urn:microsoft.com/office/officeart/2005/8/quickstyle/simple1" qsCatId="simple" csTypeId="urn:microsoft.com/office/officeart/2005/8/colors/accent1_2" csCatId="accent1" phldr="1"/>
+      <dgm:spPr/>
+      <dgm:t>
+        <a:bodyPr/>
+        <a:lstStyle/>
+        <a:p>
+          <a:endParaRPr lang="fr-FR"/>
+        </a:p>
+      </dgm:t>
+    </dgm:pt>
+    <dgm:pt modelId="{08D3C557-C12C-437E-BCBE-C9B5185C7112}">
+      <dgm:prSet/>
+      <dgm:spPr/>
+      <dgm:t>
+        <a:bodyPr/>
+        <a:lstStyle/>
+        <a:p>
+          <a:r>
+            <a:rPr lang="en-US" b="1" i="0" dirty="0"/>
+            <a:t>Design Brief</a:t>
+          </a:r>
+          <a:endParaRPr lang="fr-FR" dirty="0"/>
+        </a:p>
+      </dgm:t>
+    </dgm:pt>
+    <dgm:pt modelId="{5BCE18B1-9104-48C8-A214-D9BB3D71286B}" type="parTrans" cxnId="{9090F856-DF21-48CA-9AEA-D109E94CF3EB}">
+      <dgm:prSet/>
+      <dgm:spPr/>
+      <dgm:t>
+        <a:bodyPr/>
+        <a:lstStyle/>
+        <a:p>
+          <a:endParaRPr lang="fr-FR"/>
+        </a:p>
+      </dgm:t>
+    </dgm:pt>
+    <dgm:pt modelId="{F7D83ECC-6198-47FD-B6D1-3CE07FBA2D34}" type="sibTrans" cxnId="{9090F856-DF21-48CA-9AEA-D109E94CF3EB}">
+      <dgm:prSet/>
+      <dgm:spPr/>
+      <dgm:t>
+        <a:bodyPr/>
+        <a:lstStyle/>
+        <a:p>
+          <a:endParaRPr lang="fr-FR"/>
+        </a:p>
+      </dgm:t>
+    </dgm:pt>
+    <dgm:pt modelId="{A7A21794-AB43-4378-90F9-41A37D4A9692}">
+      <dgm:prSet/>
+      <dgm:spPr/>
+      <dgm:t>
+        <a:bodyPr/>
+        <a:lstStyle/>
+        <a:p>
+          <a:pPr>
+            <a:buFont typeface="+mj-lt"/>
+            <a:buAutoNum type="arabicPeriod"/>
+          </a:pPr>
+          <a:r>
+            <a:rPr lang="en-US" b="1" i="0" dirty="0"/>
+            <a:t>Task Flows</a:t>
+          </a:r>
+          <a:endParaRPr lang="en-US" b="0" i="0" dirty="0"/>
+        </a:p>
+      </dgm:t>
+    </dgm:pt>
+    <dgm:pt modelId="{0512E6ED-1ED4-4F1A-B0BE-C29F8A74920C}" type="parTrans" cxnId="{3A66DC5D-D562-4501-8B24-132841B468D7}">
+      <dgm:prSet/>
+      <dgm:spPr/>
+      <dgm:t>
+        <a:bodyPr/>
+        <a:lstStyle/>
+        <a:p>
+          <a:endParaRPr lang="fr-FR"/>
+        </a:p>
+      </dgm:t>
+    </dgm:pt>
+    <dgm:pt modelId="{C96A0482-961E-4E68-8D0C-11EE9A1C91CA}" type="sibTrans" cxnId="{3A66DC5D-D562-4501-8B24-132841B468D7}">
+      <dgm:prSet/>
+      <dgm:spPr/>
+      <dgm:t>
+        <a:bodyPr/>
+        <a:lstStyle/>
+        <a:p>
+          <a:endParaRPr lang="fr-FR"/>
+        </a:p>
+      </dgm:t>
+    </dgm:pt>
+    <dgm:pt modelId="{F112E4D3-0349-4251-8DA3-2DDF71B892E9}">
+      <dgm:prSet/>
+      <dgm:spPr/>
+      <dgm:t>
+        <a:bodyPr/>
+        <a:lstStyle/>
+        <a:p>
+          <a:pPr>
+            <a:buFont typeface="+mj-lt"/>
+            <a:buAutoNum type="arabicPeriod"/>
+          </a:pPr>
+          <a:r>
+            <a:rPr lang="en-US" b="1" i="0" dirty="0"/>
+            <a:t>Heuristic Markup</a:t>
+          </a:r>
+          <a:endParaRPr lang="en-US" b="0" i="0" dirty="0"/>
+        </a:p>
+      </dgm:t>
+    </dgm:pt>
+    <dgm:pt modelId="{FA271E5B-1958-472C-8809-578F03841F49}" type="parTrans" cxnId="{66D0A569-188B-43B2-91F1-904701CBFC99}">
+      <dgm:prSet/>
+      <dgm:spPr/>
+      <dgm:t>
+        <a:bodyPr/>
+        <a:lstStyle/>
+        <a:p>
+          <a:endParaRPr lang="fr-FR"/>
+        </a:p>
+      </dgm:t>
+    </dgm:pt>
+    <dgm:pt modelId="{155A6EDB-967B-4463-B848-A3E7973E2C1B}" type="sibTrans" cxnId="{66D0A569-188B-43B2-91F1-904701CBFC99}">
+      <dgm:prSet/>
+      <dgm:spPr/>
+      <dgm:t>
+        <a:bodyPr/>
+        <a:lstStyle/>
+        <a:p>
+          <a:endParaRPr lang="fr-FR"/>
+        </a:p>
+      </dgm:t>
+    </dgm:pt>
+    <dgm:pt modelId="{E0603DDB-DC43-4AE3-BC22-A602C739EC8B}">
+      <dgm:prSet/>
+      <dgm:spPr/>
+      <dgm:t>
+        <a:bodyPr/>
+        <a:lstStyle/>
+        <a:p>
+          <a:pPr>
+            <a:buFont typeface="+mj-lt"/>
+            <a:buAutoNum type="arabicPeriod"/>
+          </a:pPr>
+          <a:r>
+            <a:rPr lang="en-US" b="1" i="0" dirty="0"/>
+            <a:t>5 Second Tests</a:t>
+          </a:r>
+          <a:endParaRPr lang="en-US" b="0" i="0" dirty="0"/>
+        </a:p>
+      </dgm:t>
+    </dgm:pt>
+    <dgm:pt modelId="{945E4A53-5FFE-4BD1-9C01-A984B841516E}" type="parTrans" cxnId="{A85E5288-9324-4498-96AC-5E9F8C135B62}">
+      <dgm:prSet/>
+      <dgm:spPr/>
+      <dgm:t>
+        <a:bodyPr/>
+        <a:lstStyle/>
+        <a:p>
+          <a:endParaRPr lang="fr-FR"/>
+        </a:p>
+      </dgm:t>
+    </dgm:pt>
+    <dgm:pt modelId="{017B7F3C-B962-421F-A5FE-94A45367EB0F}" type="sibTrans" cxnId="{A85E5288-9324-4498-96AC-5E9F8C135B62}">
+      <dgm:prSet/>
+      <dgm:spPr/>
+      <dgm:t>
+        <a:bodyPr/>
+        <a:lstStyle/>
+        <a:p>
+          <a:endParaRPr lang="fr-FR"/>
+        </a:p>
+      </dgm:t>
+    </dgm:pt>
+    <dgm:pt modelId="{8A5776E0-C188-41D8-9612-D3D14D326D23}">
+      <dgm:prSet/>
+      <dgm:spPr/>
+      <dgm:t>
+        <a:bodyPr/>
+        <a:lstStyle/>
+        <a:p>
+          <a:pPr>
+            <a:buFont typeface="+mj-lt"/>
+            <a:buAutoNum type="arabicPeriod"/>
+          </a:pPr>
+          <a:r>
+            <a:rPr lang="en-US" b="1" i="0" dirty="0"/>
+            <a:t>Comparative Assessment</a:t>
+          </a:r>
+          <a:endParaRPr lang="en-US" b="0" i="0" dirty="0"/>
+        </a:p>
+      </dgm:t>
+    </dgm:pt>
+    <dgm:pt modelId="{7F9BFD25-A8A7-4AB4-93C3-68D8BF38C3E8}" type="parTrans" cxnId="{AFBDCD07-189B-43B6-AC5B-01BC424943B0}">
+      <dgm:prSet/>
+      <dgm:spPr/>
+      <dgm:t>
+        <a:bodyPr/>
+        <a:lstStyle/>
+        <a:p>
+          <a:endParaRPr lang="fr-FR"/>
+        </a:p>
+      </dgm:t>
+    </dgm:pt>
+    <dgm:pt modelId="{C3A9C6AE-D75F-4488-AE19-B68A566E98D2}" type="sibTrans" cxnId="{AFBDCD07-189B-43B6-AC5B-01BC424943B0}">
+      <dgm:prSet/>
+      <dgm:spPr/>
+      <dgm:t>
+        <a:bodyPr/>
+        <a:lstStyle/>
+        <a:p>
+          <a:endParaRPr lang="fr-FR"/>
+        </a:p>
+      </dgm:t>
+    </dgm:pt>
+    <dgm:pt modelId="{7630698C-08AB-4976-8AAE-C87487510B1C}">
+      <dgm:prSet/>
+      <dgm:spPr/>
+      <dgm:t>
+        <a:bodyPr/>
+        <a:lstStyle/>
+        <a:p>
+          <a:r>
+            <a:rPr lang="en-US" b="0" i="0" dirty="0"/>
+            <a:t>Define the collective design goal by engaging with design teams</a:t>
+          </a:r>
+          <a:endParaRPr lang="fr-FR" dirty="0"/>
+        </a:p>
+      </dgm:t>
+    </dgm:pt>
+    <dgm:pt modelId="{FB89493B-FB53-48AE-9F44-BCA8B543D022}" type="parTrans" cxnId="{2E6A51AD-FF3F-449B-9BF6-B35CE2D26D87}">
+      <dgm:prSet/>
+      <dgm:spPr/>
+      <dgm:t>
+        <a:bodyPr/>
+        <a:lstStyle/>
+        <a:p>
+          <a:endParaRPr lang="fr-FR"/>
+        </a:p>
+      </dgm:t>
+    </dgm:pt>
+    <dgm:pt modelId="{C79F9802-85CE-4636-AE95-DEBFCE9572B7}" type="sibTrans" cxnId="{2E6A51AD-FF3F-449B-9BF6-B35CE2D26D87}">
+      <dgm:prSet/>
+      <dgm:spPr/>
+      <dgm:t>
+        <a:bodyPr/>
+        <a:lstStyle/>
+        <a:p>
+          <a:endParaRPr lang="fr-FR"/>
+        </a:p>
+      </dgm:t>
+    </dgm:pt>
+    <dgm:pt modelId="{1AD59F2A-FFB7-4BD4-9E29-4542360B404D}">
+      <dgm:prSet/>
+      <dgm:spPr/>
+      <dgm:t>
+        <a:bodyPr/>
+        <a:lstStyle/>
+        <a:p>
+          <a:r>
+            <a:rPr lang="en-US" b="0" i="0"/>
+            <a:t>establishing </a:t>
+          </a:r>
+          <a:r>
+            <a:rPr lang="en-US" b="0" i="0" dirty="0"/>
+            <a:t>the who, what, and why regarding main features, focus, and target audience.</a:t>
+          </a:r>
+          <a:endParaRPr lang="fr-FR" dirty="0"/>
+        </a:p>
+      </dgm:t>
+    </dgm:pt>
+    <dgm:pt modelId="{A0642D47-40C4-4436-B295-F0D3DFEFB9AD}" type="parTrans" cxnId="{E17090DE-B53D-43D9-B62A-94A59F53D26C}">
+      <dgm:prSet/>
+      <dgm:spPr/>
+      <dgm:t>
+        <a:bodyPr/>
+        <a:lstStyle/>
+        <a:p>
+          <a:endParaRPr lang="fr-FR"/>
+        </a:p>
+      </dgm:t>
+    </dgm:pt>
+    <dgm:pt modelId="{30C4459B-30D3-4679-8207-5D4990C646EE}" type="sibTrans" cxnId="{E17090DE-B53D-43D9-B62A-94A59F53D26C}">
+      <dgm:prSet/>
+      <dgm:spPr/>
+      <dgm:t>
+        <a:bodyPr/>
+        <a:lstStyle/>
+        <a:p>
+          <a:endParaRPr lang="fr-FR"/>
+        </a:p>
+      </dgm:t>
+    </dgm:pt>
+    <dgm:pt modelId="{9E8F5227-01A4-46E7-A4CC-4568815D5434}">
+      <dgm:prSet/>
+      <dgm:spPr/>
+      <dgm:t>
+        <a:bodyPr/>
+        <a:lstStyle/>
+        <a:p>
+          <a:pPr>
+            <a:buFont typeface="+mj-lt"/>
+            <a:buAutoNum type="arabicPeriod"/>
+          </a:pPr>
+          <a:r>
+            <a:rPr lang="en-US" b="0" i="0" dirty="0"/>
+            <a:t> Collaborate with designers to create low-fidelity sketches of the user flow on paper,</a:t>
+          </a:r>
+        </a:p>
+      </dgm:t>
+    </dgm:pt>
+    <dgm:pt modelId="{82572FF8-E7AC-46CC-BF59-026DE36FF5D9}" type="parTrans" cxnId="{A90134B0-4BA7-49CE-AD51-CDDEF8EA686B}">
+      <dgm:prSet/>
+      <dgm:spPr/>
+      <dgm:t>
+        <a:bodyPr/>
+        <a:lstStyle/>
+        <a:p>
+          <a:endParaRPr lang="fr-FR"/>
+        </a:p>
+      </dgm:t>
+    </dgm:pt>
+    <dgm:pt modelId="{CC682A5F-E235-4152-AADA-3745C08C676D}" type="sibTrans" cxnId="{A90134B0-4BA7-49CE-AD51-CDDEF8EA686B}">
+      <dgm:prSet/>
+      <dgm:spPr/>
+      <dgm:t>
+        <a:bodyPr/>
+        <a:lstStyle/>
+        <a:p>
+          <a:endParaRPr lang="fr-FR"/>
+        </a:p>
+      </dgm:t>
+    </dgm:pt>
+    <dgm:pt modelId="{3E0E6FB1-64D6-49B3-ABA8-943052A6C1F3}">
+      <dgm:prSet/>
+      <dgm:spPr/>
+      <dgm:t>
+        <a:bodyPr/>
+        <a:lstStyle/>
+        <a:p>
+          <a:pPr>
+            <a:buFont typeface="+mj-lt"/>
+            <a:buAutoNum type="arabicPeriod"/>
+          </a:pPr>
+          <a:r>
+            <a:rPr lang="en-US" b="0" i="0" dirty="0"/>
+            <a:t> allowing early identification of potential development roadblocks and edge cases.</a:t>
+          </a:r>
+        </a:p>
+      </dgm:t>
+    </dgm:pt>
+    <dgm:pt modelId="{65A9EA4F-1E55-4E83-A4D1-DDDB560B95B8}" type="parTrans" cxnId="{BBFED8F3-C785-4BE4-A2DC-58671CD13E59}">
+      <dgm:prSet/>
+      <dgm:spPr/>
+      <dgm:t>
+        <a:bodyPr/>
+        <a:lstStyle/>
+        <a:p>
+          <a:endParaRPr lang="fr-FR"/>
+        </a:p>
+      </dgm:t>
+    </dgm:pt>
+    <dgm:pt modelId="{667D1EB3-8AAF-4253-ACC2-6786598FEA21}" type="sibTrans" cxnId="{BBFED8F3-C785-4BE4-A2DC-58671CD13E59}">
+      <dgm:prSet/>
+      <dgm:spPr/>
+      <dgm:t>
+        <a:bodyPr/>
+        <a:lstStyle/>
+        <a:p>
+          <a:endParaRPr lang="fr-FR"/>
+        </a:p>
+      </dgm:t>
+    </dgm:pt>
+    <dgm:pt modelId="{A4D59E0D-A7EF-4E7E-8AE1-F9CDF9D196C8}">
+      <dgm:prSet/>
+      <dgm:spPr/>
+      <dgm:t>
+        <a:bodyPr/>
+        <a:lstStyle/>
+        <a:p>
+          <a:pPr>
+            <a:buFont typeface="+mj-lt"/>
+            <a:buAutoNum type="arabicPeriod"/>
+          </a:pPr>
+          <a:r>
+            <a:rPr lang="en-US" b="0" i="0" dirty="0"/>
+            <a:t> Evaluate the quality of your product's user flow from start to finish,</a:t>
+          </a:r>
+        </a:p>
+      </dgm:t>
+    </dgm:pt>
+    <dgm:pt modelId="{947BBB6A-2FBC-4CD1-8C27-5B3731635BF1}" type="parTrans" cxnId="{BEFD7FA1-9B69-4A16-B9F3-5C4D19460938}">
+      <dgm:prSet/>
+      <dgm:spPr/>
+      <dgm:t>
+        <a:bodyPr/>
+        <a:lstStyle/>
+        <a:p>
+          <a:endParaRPr lang="fr-FR"/>
+        </a:p>
+      </dgm:t>
+    </dgm:pt>
+    <dgm:pt modelId="{30C40314-EF91-4C5D-9C81-C79E6B0B6FC3}" type="sibTrans" cxnId="{BEFD7FA1-9B69-4A16-B9F3-5C4D19460938}">
+      <dgm:prSet/>
+      <dgm:spPr/>
+      <dgm:t>
+        <a:bodyPr/>
+        <a:lstStyle/>
+        <a:p>
+          <a:endParaRPr lang="fr-FR"/>
+        </a:p>
+      </dgm:t>
+    </dgm:pt>
+    <dgm:pt modelId="{047E3EF3-7471-42FB-AA1D-92626D0F1EC4}">
+      <dgm:prSet/>
+      <dgm:spPr/>
+      <dgm:t>
+        <a:bodyPr/>
+        <a:lstStyle/>
+        <a:p>
+          <a:pPr>
+            <a:buFont typeface="+mj-lt"/>
+            <a:buAutoNum type="arabicPeriod"/>
+          </a:pPr>
+          <a:r>
+            <a:rPr lang="en-US" b="0" i="0" dirty="0"/>
+            <a:t> like a report card, identifying areas for improvement or removal within the flow.</a:t>
+          </a:r>
+        </a:p>
+      </dgm:t>
+    </dgm:pt>
+    <dgm:pt modelId="{32562D1A-BB27-4773-A286-C2D4D773EFC4}" type="parTrans" cxnId="{4FBC8325-B44A-4709-BBA0-C45E48F9E8FA}">
+      <dgm:prSet/>
+      <dgm:spPr/>
+      <dgm:t>
+        <a:bodyPr/>
+        <a:lstStyle/>
+        <a:p>
+          <a:endParaRPr lang="fr-FR"/>
+        </a:p>
+      </dgm:t>
+    </dgm:pt>
+    <dgm:pt modelId="{E983EB69-A57C-4D16-84F2-58C7602FCE16}" type="sibTrans" cxnId="{4FBC8325-B44A-4709-BBA0-C45E48F9E8FA}">
+      <dgm:prSet/>
+      <dgm:spPr/>
+      <dgm:t>
+        <a:bodyPr/>
+        <a:lstStyle/>
+        <a:p>
+          <a:endParaRPr lang="fr-FR"/>
+        </a:p>
+      </dgm:t>
+    </dgm:pt>
+    <dgm:pt modelId="{5D0822B5-D7BA-4C9B-A98F-2471A2EDCD43}">
+      <dgm:prSet/>
+      <dgm:spPr/>
+      <dgm:t>
+        <a:bodyPr/>
+        <a:lstStyle/>
+        <a:p>
+          <a:pPr>
+            <a:buFont typeface="+mj-lt"/>
+            <a:buAutoNum type="arabicPeriod"/>
+          </a:pPr>
+          <a:r>
+            <a:rPr lang="en-US" b="0" i="0" dirty="0"/>
+            <a:t>- Assess user impressions by showing a screen for 5 seconds to gauge what the user remembers.</a:t>
+          </a:r>
+        </a:p>
+      </dgm:t>
+    </dgm:pt>
+    <dgm:pt modelId="{9B0186A5-8B2D-4AD6-A187-F5D87215F7C5}" type="parTrans" cxnId="{E2D6C4F6-FC6C-4A56-A998-A3F43D8A3AEF}">
+      <dgm:prSet/>
+      <dgm:spPr/>
+      <dgm:t>
+        <a:bodyPr/>
+        <a:lstStyle/>
+        <a:p>
+          <a:endParaRPr lang="fr-FR"/>
+        </a:p>
+      </dgm:t>
+    </dgm:pt>
+    <dgm:pt modelId="{0B894A88-4257-4873-9E31-F2E847F79882}" type="sibTrans" cxnId="{E2D6C4F6-FC6C-4A56-A998-A3F43D8A3AEF}">
+      <dgm:prSet/>
+      <dgm:spPr/>
+      <dgm:t>
+        <a:bodyPr/>
+        <a:lstStyle/>
+        <a:p>
+          <a:endParaRPr lang="fr-FR"/>
+        </a:p>
+      </dgm:t>
+    </dgm:pt>
+    <dgm:pt modelId="{F671C43F-6D97-44CA-A3E8-863AD2B33AC3}">
+      <dgm:prSet/>
+      <dgm:spPr/>
+      <dgm:t>
+        <a:bodyPr/>
+        <a:lstStyle/>
+        <a:p>
+          <a:pPr>
+            <a:buFont typeface="+mj-lt"/>
+            <a:buAutoNum type="arabicPeriod"/>
+          </a:pPr>
+          <a:r>
+            <a:rPr lang="en-US" b="0" i="0" dirty="0"/>
+            <a:t> Analyze UX patterns from popular websites and apps like Amazon and Facebook to align with your users' expectations</a:t>
+          </a:r>
+        </a:p>
+      </dgm:t>
+    </dgm:pt>
+    <dgm:pt modelId="{F1BDC805-AAAF-43D4-88B1-532B7E54B87D}" type="parTrans" cxnId="{ABA2AE90-3FD2-4C9F-B578-C3432562562C}">
+      <dgm:prSet/>
+      <dgm:spPr/>
+      <dgm:t>
+        <a:bodyPr/>
+        <a:lstStyle/>
+        <a:p>
+          <a:endParaRPr lang="fr-FR"/>
+        </a:p>
+      </dgm:t>
+    </dgm:pt>
+    <dgm:pt modelId="{E1C01AFD-C43B-467A-A0A6-3BC89178D1B6}" type="sibTrans" cxnId="{ABA2AE90-3FD2-4C9F-B578-C3432562562C}">
+      <dgm:prSet/>
+      <dgm:spPr/>
+      <dgm:t>
+        <a:bodyPr/>
+        <a:lstStyle/>
+        <a:p>
+          <a:endParaRPr lang="fr-FR"/>
+        </a:p>
+      </dgm:t>
+    </dgm:pt>
+    <dgm:pt modelId="{09F1F5B3-E1BA-414C-BC53-C76ABE947669}">
+      <dgm:prSet/>
+      <dgm:spPr/>
+      <dgm:t>
+        <a:bodyPr/>
+        <a:lstStyle/>
+        <a:p>
+          <a:pPr>
+            <a:buFont typeface="+mj-lt"/>
+            <a:buAutoNum type="arabicPeriod"/>
+          </a:pPr>
+          <a:r>
+            <a:rPr lang="en-US" b="0" i="0" dirty="0"/>
+            <a:t> to improve your own product's user experience.</a:t>
+          </a:r>
+        </a:p>
+      </dgm:t>
+    </dgm:pt>
+    <dgm:pt modelId="{C3FF80AF-473F-4A32-B480-4841D1A1F9FD}" type="parTrans" cxnId="{2ADABC09-F8C6-4AEF-A8E6-EFD0E79104C4}">
+      <dgm:prSet/>
+      <dgm:spPr/>
+      <dgm:t>
+        <a:bodyPr/>
+        <a:lstStyle/>
+        <a:p>
+          <a:endParaRPr lang="fr-FR"/>
+        </a:p>
+      </dgm:t>
+    </dgm:pt>
+    <dgm:pt modelId="{CC48E63C-88BB-43A0-A0D6-EB976877DDD6}" type="sibTrans" cxnId="{2ADABC09-F8C6-4AEF-A8E6-EFD0E79104C4}">
+      <dgm:prSet/>
+      <dgm:spPr/>
+      <dgm:t>
+        <a:bodyPr/>
+        <a:lstStyle/>
+        <a:p>
+          <a:endParaRPr lang="fr-FR"/>
+        </a:p>
+      </dgm:t>
+    </dgm:pt>
+    <dgm:pt modelId="{16EB8221-122D-4EE4-A509-0D63E13C2277}" type="pres">
+      <dgm:prSet presAssocID="{325BDC0C-FE05-4392-AD25-3696CD22A463}" presName="linear" presStyleCnt="0">
+        <dgm:presLayoutVars>
+          <dgm:animLvl val="lvl"/>
+          <dgm:resizeHandles val="exact"/>
+        </dgm:presLayoutVars>
+      </dgm:prSet>
+      <dgm:spPr/>
+    </dgm:pt>
+    <dgm:pt modelId="{C27C0779-8E18-4A17-A08D-61D72675C243}" type="pres">
+      <dgm:prSet presAssocID="{08D3C557-C12C-437E-BCBE-C9B5185C7112}" presName="parentText" presStyleLbl="node1" presStyleIdx="0" presStyleCnt="5">
+        <dgm:presLayoutVars>
+          <dgm:chMax val="0"/>
+          <dgm:bulletEnabled val="1"/>
+        </dgm:presLayoutVars>
+      </dgm:prSet>
+      <dgm:spPr/>
+    </dgm:pt>
+    <dgm:pt modelId="{7424A7D6-58E3-432E-B8E9-A31729EA7798}" type="pres">
+      <dgm:prSet presAssocID="{08D3C557-C12C-437E-BCBE-C9B5185C7112}" presName="childText" presStyleLbl="revTx" presStyleIdx="0" presStyleCnt="5">
+        <dgm:presLayoutVars>
+          <dgm:bulletEnabled val="1"/>
+        </dgm:presLayoutVars>
+      </dgm:prSet>
+      <dgm:spPr/>
+    </dgm:pt>
+    <dgm:pt modelId="{158B785A-6638-4A4B-B3AB-C76CDC76DBE3}" type="pres">
+      <dgm:prSet presAssocID="{A7A21794-AB43-4378-90F9-41A37D4A9692}" presName="parentText" presStyleLbl="node1" presStyleIdx="1" presStyleCnt="5">
+        <dgm:presLayoutVars>
+          <dgm:chMax val="0"/>
+          <dgm:bulletEnabled val="1"/>
+        </dgm:presLayoutVars>
+      </dgm:prSet>
+      <dgm:spPr/>
+    </dgm:pt>
+    <dgm:pt modelId="{C687737F-7909-4BC9-BD32-0B608FC9D606}" type="pres">
+      <dgm:prSet presAssocID="{A7A21794-AB43-4378-90F9-41A37D4A9692}" presName="childText" presStyleLbl="revTx" presStyleIdx="1" presStyleCnt="5">
+        <dgm:presLayoutVars>
+          <dgm:bulletEnabled val="1"/>
+        </dgm:presLayoutVars>
+      </dgm:prSet>
+      <dgm:spPr/>
+    </dgm:pt>
+    <dgm:pt modelId="{B9E3346D-A58D-4C42-AF5F-E06F0F7B9FCB}" type="pres">
+      <dgm:prSet presAssocID="{F112E4D3-0349-4251-8DA3-2DDF71B892E9}" presName="parentText" presStyleLbl="node1" presStyleIdx="2" presStyleCnt="5">
+        <dgm:presLayoutVars>
+          <dgm:chMax val="0"/>
+          <dgm:bulletEnabled val="1"/>
+        </dgm:presLayoutVars>
+      </dgm:prSet>
+      <dgm:spPr/>
+    </dgm:pt>
+    <dgm:pt modelId="{0DA1B8A3-9567-48FD-98C5-CDC01C11D9AD}" type="pres">
+      <dgm:prSet presAssocID="{F112E4D3-0349-4251-8DA3-2DDF71B892E9}" presName="childText" presStyleLbl="revTx" presStyleIdx="2" presStyleCnt="5">
+        <dgm:presLayoutVars>
+          <dgm:bulletEnabled val="1"/>
+        </dgm:presLayoutVars>
+      </dgm:prSet>
+      <dgm:spPr/>
+    </dgm:pt>
+    <dgm:pt modelId="{CA8195D3-6893-4CF0-8B84-C56963C1168C}" type="pres">
+      <dgm:prSet presAssocID="{E0603DDB-DC43-4AE3-BC22-A602C739EC8B}" presName="parentText" presStyleLbl="node1" presStyleIdx="3" presStyleCnt="5">
+        <dgm:presLayoutVars>
+          <dgm:chMax val="0"/>
+          <dgm:bulletEnabled val="1"/>
+        </dgm:presLayoutVars>
+      </dgm:prSet>
+      <dgm:spPr/>
+    </dgm:pt>
+    <dgm:pt modelId="{B25E68AB-39CF-4E67-A7D3-10C5C2C4C0BD}" type="pres">
+      <dgm:prSet presAssocID="{E0603DDB-DC43-4AE3-BC22-A602C739EC8B}" presName="childText" presStyleLbl="revTx" presStyleIdx="3" presStyleCnt="5">
+        <dgm:presLayoutVars>
+          <dgm:bulletEnabled val="1"/>
+        </dgm:presLayoutVars>
+      </dgm:prSet>
+      <dgm:spPr/>
+    </dgm:pt>
+    <dgm:pt modelId="{156AEAE3-FB7C-446A-826F-A25D14682E78}" type="pres">
+      <dgm:prSet presAssocID="{8A5776E0-C188-41D8-9612-D3D14D326D23}" presName="parentText" presStyleLbl="node1" presStyleIdx="4" presStyleCnt="5">
+        <dgm:presLayoutVars>
+          <dgm:chMax val="0"/>
+          <dgm:bulletEnabled val="1"/>
+        </dgm:presLayoutVars>
+      </dgm:prSet>
+      <dgm:spPr/>
+    </dgm:pt>
+    <dgm:pt modelId="{D64C531E-C591-48DA-B0F9-5289FE4DF08E}" type="pres">
+      <dgm:prSet presAssocID="{8A5776E0-C188-41D8-9612-D3D14D326D23}" presName="childText" presStyleLbl="revTx" presStyleIdx="4" presStyleCnt="5">
+        <dgm:presLayoutVars>
+          <dgm:bulletEnabled val="1"/>
+        </dgm:presLayoutVars>
+      </dgm:prSet>
+      <dgm:spPr/>
+    </dgm:pt>
+  </dgm:ptLst>
+  <dgm:cxnLst>
+    <dgm:cxn modelId="{E64D9401-FB04-44EE-804A-F412D4EB5172}" type="presOf" srcId="{A4D59E0D-A7EF-4E7E-8AE1-F9CDF9D196C8}" destId="{0DA1B8A3-9567-48FD-98C5-CDC01C11D9AD}" srcOrd="0" destOrd="0" presId="urn:microsoft.com/office/officeart/2005/8/layout/vList2"/>
+    <dgm:cxn modelId="{AFBDCD07-189B-43B6-AC5B-01BC424943B0}" srcId="{325BDC0C-FE05-4392-AD25-3696CD22A463}" destId="{8A5776E0-C188-41D8-9612-D3D14D326D23}" srcOrd="4" destOrd="0" parTransId="{7F9BFD25-A8A7-4AB4-93C3-68D8BF38C3E8}" sibTransId="{C3A9C6AE-D75F-4488-AE19-B68A566E98D2}"/>
+    <dgm:cxn modelId="{2ADABC09-F8C6-4AEF-A8E6-EFD0E79104C4}" srcId="{8A5776E0-C188-41D8-9612-D3D14D326D23}" destId="{09F1F5B3-E1BA-414C-BC53-C76ABE947669}" srcOrd="1" destOrd="0" parTransId="{C3FF80AF-473F-4A32-B480-4841D1A1F9FD}" sibTransId="{CC48E63C-88BB-43A0-A0D6-EB976877DDD6}"/>
+    <dgm:cxn modelId="{4FBC8325-B44A-4709-BBA0-C45E48F9E8FA}" srcId="{F112E4D3-0349-4251-8DA3-2DDF71B892E9}" destId="{047E3EF3-7471-42FB-AA1D-92626D0F1EC4}" srcOrd="1" destOrd="0" parTransId="{32562D1A-BB27-4773-A286-C2D4D773EFC4}" sibTransId="{E983EB69-A57C-4D16-84F2-58C7602FCE16}"/>
+    <dgm:cxn modelId="{6B6AB839-470D-4987-9F03-3C8DF669D5BD}" type="presOf" srcId="{E0603DDB-DC43-4AE3-BC22-A602C739EC8B}" destId="{CA8195D3-6893-4CF0-8B84-C56963C1168C}" srcOrd="0" destOrd="0" presId="urn:microsoft.com/office/officeart/2005/8/layout/vList2"/>
+    <dgm:cxn modelId="{3A66DC5D-D562-4501-8B24-132841B468D7}" srcId="{325BDC0C-FE05-4392-AD25-3696CD22A463}" destId="{A7A21794-AB43-4378-90F9-41A37D4A9692}" srcOrd="1" destOrd="0" parTransId="{0512E6ED-1ED4-4F1A-B0BE-C29F8A74920C}" sibTransId="{C96A0482-961E-4E68-8D0C-11EE9A1C91CA}"/>
+    <dgm:cxn modelId="{CC57AA47-C323-421C-AB47-4F7159251F48}" type="presOf" srcId="{7630698C-08AB-4976-8AAE-C87487510B1C}" destId="{7424A7D6-58E3-432E-B8E9-A31729EA7798}" srcOrd="0" destOrd="0" presId="urn:microsoft.com/office/officeart/2005/8/layout/vList2"/>
+    <dgm:cxn modelId="{66D0A569-188B-43B2-91F1-904701CBFC99}" srcId="{325BDC0C-FE05-4392-AD25-3696CD22A463}" destId="{F112E4D3-0349-4251-8DA3-2DDF71B892E9}" srcOrd="2" destOrd="0" parTransId="{FA271E5B-1958-472C-8809-578F03841F49}" sibTransId="{155A6EDB-967B-4463-B848-A3E7973E2C1B}"/>
+    <dgm:cxn modelId="{FA34CD73-8095-4A91-ACCF-CB1B84574A57}" type="presOf" srcId="{325BDC0C-FE05-4392-AD25-3696CD22A463}" destId="{16EB8221-122D-4EE4-A509-0D63E13C2277}" srcOrd="0" destOrd="0" presId="urn:microsoft.com/office/officeart/2005/8/layout/vList2"/>
+    <dgm:cxn modelId="{9090F856-DF21-48CA-9AEA-D109E94CF3EB}" srcId="{325BDC0C-FE05-4392-AD25-3696CD22A463}" destId="{08D3C557-C12C-437E-BCBE-C9B5185C7112}" srcOrd="0" destOrd="0" parTransId="{5BCE18B1-9104-48C8-A214-D9BB3D71286B}" sibTransId="{F7D83ECC-6198-47FD-B6D1-3CE07FBA2D34}"/>
+    <dgm:cxn modelId="{07F70B77-C0D8-4657-A871-165EF49B20D5}" type="presOf" srcId="{3E0E6FB1-64D6-49B3-ABA8-943052A6C1F3}" destId="{C687737F-7909-4BC9-BD32-0B608FC9D606}" srcOrd="0" destOrd="1" presId="urn:microsoft.com/office/officeart/2005/8/layout/vList2"/>
+    <dgm:cxn modelId="{A85E5288-9324-4498-96AC-5E9F8C135B62}" srcId="{325BDC0C-FE05-4392-AD25-3696CD22A463}" destId="{E0603DDB-DC43-4AE3-BC22-A602C739EC8B}" srcOrd="3" destOrd="0" parTransId="{945E4A53-5FFE-4BD1-9C01-A984B841516E}" sibTransId="{017B7F3C-B962-421F-A5FE-94A45367EB0F}"/>
+    <dgm:cxn modelId="{ABA2AE90-3FD2-4C9F-B578-C3432562562C}" srcId="{8A5776E0-C188-41D8-9612-D3D14D326D23}" destId="{F671C43F-6D97-44CA-A3E8-863AD2B33AC3}" srcOrd="0" destOrd="0" parTransId="{F1BDC805-AAAF-43D4-88B1-532B7E54B87D}" sibTransId="{E1C01AFD-C43B-467A-A0A6-3BC89178D1B6}"/>
+    <dgm:cxn modelId="{16AFBE9D-F0F3-4ED8-8EE4-01B3F9D7C79C}" type="presOf" srcId="{08D3C557-C12C-437E-BCBE-C9B5185C7112}" destId="{C27C0779-8E18-4A17-A08D-61D72675C243}" srcOrd="0" destOrd="0" presId="urn:microsoft.com/office/officeart/2005/8/layout/vList2"/>
+    <dgm:cxn modelId="{BEFD7FA1-9B69-4A16-B9F3-5C4D19460938}" srcId="{F112E4D3-0349-4251-8DA3-2DDF71B892E9}" destId="{A4D59E0D-A7EF-4E7E-8AE1-F9CDF9D196C8}" srcOrd="0" destOrd="0" parTransId="{947BBB6A-2FBC-4CD1-8C27-5B3731635BF1}" sibTransId="{30C40314-EF91-4C5D-9C81-C79E6B0B6FC3}"/>
+    <dgm:cxn modelId="{4AA72AA4-F231-489A-B52C-422C1A0B6DF8}" type="presOf" srcId="{A7A21794-AB43-4378-90F9-41A37D4A9692}" destId="{158B785A-6638-4A4B-B3AB-C76CDC76DBE3}" srcOrd="0" destOrd="0" presId="urn:microsoft.com/office/officeart/2005/8/layout/vList2"/>
+    <dgm:cxn modelId="{F51BC8A7-A78F-44D5-BA61-DA1200B1461C}" type="presOf" srcId="{09F1F5B3-E1BA-414C-BC53-C76ABE947669}" destId="{D64C531E-C591-48DA-B0F9-5289FE4DF08E}" srcOrd="0" destOrd="1" presId="urn:microsoft.com/office/officeart/2005/8/layout/vList2"/>
+    <dgm:cxn modelId="{2E6A51AD-FF3F-449B-9BF6-B35CE2D26D87}" srcId="{08D3C557-C12C-437E-BCBE-C9B5185C7112}" destId="{7630698C-08AB-4976-8AAE-C87487510B1C}" srcOrd="0" destOrd="0" parTransId="{FB89493B-FB53-48AE-9F44-BCA8B543D022}" sibTransId="{C79F9802-85CE-4636-AE95-DEBFCE9572B7}"/>
+    <dgm:cxn modelId="{A90134B0-4BA7-49CE-AD51-CDDEF8EA686B}" srcId="{A7A21794-AB43-4378-90F9-41A37D4A9692}" destId="{9E8F5227-01A4-46E7-A4CC-4568815D5434}" srcOrd="0" destOrd="0" parTransId="{82572FF8-E7AC-46CC-BF59-026DE36FF5D9}" sibTransId="{CC682A5F-E235-4152-AADA-3745C08C676D}"/>
+    <dgm:cxn modelId="{401689D1-55D5-45A2-A6A3-C75D86F1CB0D}" type="presOf" srcId="{F671C43F-6D97-44CA-A3E8-863AD2B33AC3}" destId="{D64C531E-C591-48DA-B0F9-5289FE4DF08E}" srcOrd="0" destOrd="0" presId="urn:microsoft.com/office/officeart/2005/8/layout/vList2"/>
+    <dgm:cxn modelId="{93D5F9D6-A31E-406F-8B78-52498C3D5891}" type="presOf" srcId="{1AD59F2A-FFB7-4BD4-9E29-4542360B404D}" destId="{7424A7D6-58E3-432E-B8E9-A31729EA7798}" srcOrd="0" destOrd="1" presId="urn:microsoft.com/office/officeart/2005/8/layout/vList2"/>
+    <dgm:cxn modelId="{E17090DE-B53D-43D9-B62A-94A59F53D26C}" srcId="{08D3C557-C12C-437E-BCBE-C9B5185C7112}" destId="{1AD59F2A-FFB7-4BD4-9E29-4542360B404D}" srcOrd="1" destOrd="0" parTransId="{A0642D47-40C4-4436-B295-F0D3DFEFB9AD}" sibTransId="{30C4459B-30D3-4679-8207-5D4990C646EE}"/>
+    <dgm:cxn modelId="{9BD55FDF-64DD-43CA-A254-B83A272CB1A1}" type="presOf" srcId="{9E8F5227-01A4-46E7-A4CC-4568815D5434}" destId="{C687737F-7909-4BC9-BD32-0B608FC9D606}" srcOrd="0" destOrd="0" presId="urn:microsoft.com/office/officeart/2005/8/layout/vList2"/>
+    <dgm:cxn modelId="{350914E0-B8F2-41C4-86C3-316C296DFC82}" type="presOf" srcId="{F112E4D3-0349-4251-8DA3-2DDF71B892E9}" destId="{B9E3346D-A58D-4C42-AF5F-E06F0F7B9FCB}" srcOrd="0" destOrd="0" presId="urn:microsoft.com/office/officeart/2005/8/layout/vList2"/>
+    <dgm:cxn modelId="{4BD838E5-52CA-48DE-B2F8-E52768D0B77B}" type="presOf" srcId="{8A5776E0-C188-41D8-9612-D3D14D326D23}" destId="{156AEAE3-FB7C-446A-826F-A25D14682E78}" srcOrd="0" destOrd="0" presId="urn:microsoft.com/office/officeart/2005/8/layout/vList2"/>
+    <dgm:cxn modelId="{E97184F3-38BD-4568-AD6B-7F9BD2930860}" type="presOf" srcId="{047E3EF3-7471-42FB-AA1D-92626D0F1EC4}" destId="{0DA1B8A3-9567-48FD-98C5-CDC01C11D9AD}" srcOrd="0" destOrd="1" presId="urn:microsoft.com/office/officeart/2005/8/layout/vList2"/>
+    <dgm:cxn modelId="{BBFED8F3-C785-4BE4-A2DC-58671CD13E59}" srcId="{A7A21794-AB43-4378-90F9-41A37D4A9692}" destId="{3E0E6FB1-64D6-49B3-ABA8-943052A6C1F3}" srcOrd="1" destOrd="0" parTransId="{65A9EA4F-1E55-4E83-A4D1-DDDB560B95B8}" sibTransId="{667D1EB3-8AAF-4253-ACC2-6786598FEA21}"/>
+    <dgm:cxn modelId="{E2D6C4F6-FC6C-4A56-A998-A3F43D8A3AEF}" srcId="{E0603DDB-DC43-4AE3-BC22-A602C739EC8B}" destId="{5D0822B5-D7BA-4C9B-A98F-2471A2EDCD43}" srcOrd="0" destOrd="0" parTransId="{9B0186A5-8B2D-4AD6-A187-F5D87215F7C5}" sibTransId="{0B894A88-4257-4873-9E31-F2E847F79882}"/>
+    <dgm:cxn modelId="{B8E311FF-C0C1-434E-BEDD-15490EAF4CC8}" type="presOf" srcId="{5D0822B5-D7BA-4C9B-A98F-2471A2EDCD43}" destId="{B25E68AB-39CF-4E67-A7D3-10C5C2C4C0BD}" srcOrd="0" destOrd="0" presId="urn:microsoft.com/office/officeart/2005/8/layout/vList2"/>
+    <dgm:cxn modelId="{0B4E1877-319B-4087-BB07-6E387C8D7E58}" type="presParOf" srcId="{16EB8221-122D-4EE4-A509-0D63E13C2277}" destId="{C27C0779-8E18-4A17-A08D-61D72675C243}" srcOrd="0" destOrd="0" presId="urn:microsoft.com/office/officeart/2005/8/layout/vList2"/>
+    <dgm:cxn modelId="{65222F79-A2E5-4D4A-BB3F-D0F7782B3623}" type="presParOf" srcId="{16EB8221-122D-4EE4-A509-0D63E13C2277}" destId="{7424A7D6-58E3-432E-B8E9-A31729EA7798}" srcOrd="1" destOrd="0" presId="urn:microsoft.com/office/officeart/2005/8/layout/vList2"/>
+    <dgm:cxn modelId="{D6B5C9DC-8073-4666-847B-2DAF12765C45}" type="presParOf" srcId="{16EB8221-122D-4EE4-A509-0D63E13C2277}" destId="{158B785A-6638-4A4B-B3AB-C76CDC76DBE3}" srcOrd="2" destOrd="0" presId="urn:microsoft.com/office/officeart/2005/8/layout/vList2"/>
+    <dgm:cxn modelId="{DAD6FD54-EABA-4B39-8AB6-1ECD841DB968}" type="presParOf" srcId="{16EB8221-122D-4EE4-A509-0D63E13C2277}" destId="{C687737F-7909-4BC9-BD32-0B608FC9D606}" srcOrd="3" destOrd="0" presId="urn:microsoft.com/office/officeart/2005/8/layout/vList2"/>
+    <dgm:cxn modelId="{719F526D-C35A-4F53-BCC5-9E38A62C5F43}" type="presParOf" srcId="{16EB8221-122D-4EE4-A509-0D63E13C2277}" destId="{B9E3346D-A58D-4C42-AF5F-E06F0F7B9FCB}" srcOrd="4" destOrd="0" presId="urn:microsoft.com/office/officeart/2005/8/layout/vList2"/>
+    <dgm:cxn modelId="{29C704A3-122B-41AA-9501-CF1B12D30AF2}" type="presParOf" srcId="{16EB8221-122D-4EE4-A509-0D63E13C2277}" destId="{0DA1B8A3-9567-48FD-98C5-CDC01C11D9AD}" srcOrd="5" destOrd="0" presId="urn:microsoft.com/office/officeart/2005/8/layout/vList2"/>
+    <dgm:cxn modelId="{B12DF7D0-874C-4944-9C95-A98996FD4CCE}" type="presParOf" srcId="{16EB8221-122D-4EE4-A509-0D63E13C2277}" destId="{CA8195D3-6893-4CF0-8B84-C56963C1168C}" srcOrd="6" destOrd="0" presId="urn:microsoft.com/office/officeart/2005/8/layout/vList2"/>
+    <dgm:cxn modelId="{B4C143BB-BEDA-4036-BD6D-523B706BE121}" type="presParOf" srcId="{16EB8221-122D-4EE4-A509-0D63E13C2277}" destId="{B25E68AB-39CF-4E67-A7D3-10C5C2C4C0BD}" srcOrd="7" destOrd="0" presId="urn:microsoft.com/office/officeart/2005/8/layout/vList2"/>
+    <dgm:cxn modelId="{220AA0DB-8EE3-490A-874B-E1B4230789BC}" type="presParOf" srcId="{16EB8221-122D-4EE4-A509-0D63E13C2277}" destId="{156AEAE3-FB7C-446A-826F-A25D14682E78}" srcOrd="8" destOrd="0" presId="urn:microsoft.com/office/officeart/2005/8/layout/vList2"/>
+    <dgm:cxn modelId="{A8385B66-7CEF-424B-A62F-4C87D46FBA0B}" type="presParOf" srcId="{16EB8221-122D-4EE4-A509-0D63E13C2277}" destId="{D64C531E-C591-48DA-B0F9-5289FE4DF08E}" srcOrd="9" destOrd="0" presId="urn:microsoft.com/office/officeart/2005/8/layout/vList2"/>
   </dgm:cxnLst>
   <dgm:bg/>
   <dgm:whole/>
@@ -6350,6 +9072,1336 @@
       <dsp:txXfrm>
         <a:off x="0" y="4320353"/>
         <a:ext cx="10058399" cy="231840"/>
+      </dsp:txXfrm>
+    </dsp:sp>
+  </dsp:spTree>
+</dsp:drawing>
+</file>
+
+<file path=ppt/diagrams/drawing4.xml><?xml version="1.0" encoding="utf-8"?>
+<dsp:drawing xmlns:dgm="http://schemas.openxmlformats.org/drawingml/2006/diagram" xmlns:dsp="http://schemas.microsoft.com/office/drawing/2008/diagram" xmlns:a="http://schemas.openxmlformats.org/drawingml/2006/main">
+  <dsp:spTree>
+    <dsp:nvGrpSpPr>
+      <dsp:cNvPr id="0" name=""/>
+      <dsp:cNvGrpSpPr/>
+    </dsp:nvGrpSpPr>
+    <dsp:grpSpPr/>
+    <dsp:sp modelId="{C27C0779-8E18-4A17-A08D-61D72675C243}">
+      <dsp:nvSpPr>
+        <dsp:cNvPr id="0" name=""/>
+        <dsp:cNvSpPr/>
+      </dsp:nvSpPr>
+      <dsp:spPr>
+        <a:xfrm>
+          <a:off x="0" y="14129"/>
+          <a:ext cx="10058399" cy="479700"/>
+        </a:xfrm>
+        <a:prstGeom prst="roundRect">
+          <a:avLst/>
+        </a:prstGeom>
+        <a:solidFill>
+          <a:schemeClr val="accent1">
+            <a:hueOff val="0"/>
+            <a:satOff val="0"/>
+            <a:lumOff val="0"/>
+            <a:alphaOff val="0"/>
+          </a:schemeClr>
+        </a:solidFill>
+        <a:ln w="15875" cap="flat" cmpd="sng" algn="ctr">
+          <a:solidFill>
+            <a:schemeClr val="lt1">
+              <a:hueOff val="0"/>
+              <a:satOff val="0"/>
+              <a:lumOff val="0"/>
+              <a:alphaOff val="0"/>
+            </a:schemeClr>
+          </a:solidFill>
+          <a:prstDash val="solid"/>
+        </a:ln>
+        <a:effectLst/>
+      </dsp:spPr>
+      <dsp:style>
+        <a:lnRef idx="2">
+          <a:scrgbClr r="0" g="0" b="0"/>
+        </a:lnRef>
+        <a:fillRef idx="1">
+          <a:scrgbClr r="0" g="0" b="0"/>
+        </a:fillRef>
+        <a:effectRef idx="0">
+          <a:scrgbClr r="0" g="0" b="0"/>
+        </a:effectRef>
+        <a:fontRef idx="minor">
+          <a:schemeClr val="lt1"/>
+        </a:fontRef>
+      </dsp:style>
+      <dsp:txBody>
+        <a:bodyPr spcFirstLastPara="0" vert="horz" wrap="square" lIns="76200" tIns="76200" rIns="76200" bIns="76200" numCol="1" spcCol="1270" anchor="ctr" anchorCtr="0">
+          <a:noAutofit/>
+        </a:bodyPr>
+        <a:lstStyle/>
+        <a:p>
+          <a:pPr marL="0" lvl="0" indent="0" algn="l" defTabSz="889000">
+            <a:lnSpc>
+              <a:spcPct val="90000"/>
+            </a:lnSpc>
+            <a:spcBef>
+              <a:spcPct val="0"/>
+            </a:spcBef>
+            <a:spcAft>
+              <a:spcPct val="35000"/>
+            </a:spcAft>
+            <a:buNone/>
+          </a:pPr>
+          <a:r>
+            <a:rPr lang="en-US" sz="2000" b="0" i="0" kern="1200"/>
+            <a:t>Begin with a "yes" to show understanding and unity, even if you disagree.</a:t>
+          </a:r>
+          <a:endParaRPr lang="fr-FR" sz="2000" kern="1200"/>
+        </a:p>
+      </dsp:txBody>
+      <dsp:txXfrm>
+        <a:off x="23417" y="37546"/>
+        <a:ext cx="10011565" cy="432866"/>
+      </dsp:txXfrm>
+    </dsp:sp>
+    <dsp:sp modelId="{ACD0716D-5791-4016-ABB6-ABB33AE10B23}">
+      <dsp:nvSpPr>
+        <dsp:cNvPr id="0" name=""/>
+        <dsp:cNvSpPr/>
+      </dsp:nvSpPr>
+      <dsp:spPr>
+        <a:xfrm>
+          <a:off x="0" y="551429"/>
+          <a:ext cx="10058399" cy="479700"/>
+        </a:xfrm>
+        <a:prstGeom prst="roundRect">
+          <a:avLst/>
+        </a:prstGeom>
+        <a:solidFill>
+          <a:schemeClr val="accent1">
+            <a:hueOff val="0"/>
+            <a:satOff val="0"/>
+            <a:lumOff val="0"/>
+            <a:alphaOff val="0"/>
+          </a:schemeClr>
+        </a:solidFill>
+        <a:ln w="15875" cap="flat" cmpd="sng" algn="ctr">
+          <a:solidFill>
+            <a:schemeClr val="lt1">
+              <a:hueOff val="0"/>
+              <a:satOff val="0"/>
+              <a:lumOff val="0"/>
+              <a:alphaOff val="0"/>
+            </a:schemeClr>
+          </a:solidFill>
+          <a:prstDash val="solid"/>
+        </a:ln>
+        <a:effectLst/>
+      </dsp:spPr>
+      <dsp:style>
+        <a:lnRef idx="2">
+          <a:scrgbClr r="0" g="0" b="0"/>
+        </a:lnRef>
+        <a:fillRef idx="1">
+          <a:scrgbClr r="0" g="0" b="0"/>
+        </a:fillRef>
+        <a:effectRef idx="0">
+          <a:scrgbClr r="0" g="0" b="0"/>
+        </a:effectRef>
+        <a:fontRef idx="minor">
+          <a:schemeClr val="lt1"/>
+        </a:fontRef>
+      </dsp:style>
+      <dsp:txBody>
+        <a:bodyPr spcFirstLastPara="0" vert="horz" wrap="square" lIns="76200" tIns="76200" rIns="76200" bIns="76200" numCol="1" spcCol="1270" anchor="ctr" anchorCtr="0">
+          <a:noAutofit/>
+        </a:bodyPr>
+        <a:lstStyle/>
+        <a:p>
+          <a:pPr marL="0" lvl="0" indent="0" algn="l" defTabSz="889000">
+            <a:lnSpc>
+              <a:spcPct val="90000"/>
+            </a:lnSpc>
+            <a:spcBef>
+              <a:spcPct val="0"/>
+            </a:spcBef>
+            <a:spcAft>
+              <a:spcPct val="35000"/>
+            </a:spcAft>
+            <a:buNone/>
+          </a:pPr>
+          <a:r>
+            <a:rPr lang="en-US" sz="2000" b="0" i="0" kern="1200" dirty="0"/>
+            <a:t>Gracefully address CEO's concerns in presentations.</a:t>
+          </a:r>
+          <a:endParaRPr lang="fr-FR" sz="2000" kern="1200" dirty="0"/>
+        </a:p>
+      </dsp:txBody>
+      <dsp:txXfrm>
+        <a:off x="23417" y="574846"/>
+        <a:ext cx="10011565" cy="432866"/>
+      </dsp:txXfrm>
+    </dsp:sp>
+    <dsp:sp modelId="{77242E60-C0FC-4B02-8E11-A94506BAF6DF}">
+      <dsp:nvSpPr>
+        <dsp:cNvPr id="0" name=""/>
+        <dsp:cNvSpPr/>
+      </dsp:nvSpPr>
+      <dsp:spPr>
+        <a:xfrm>
+          <a:off x="0" y="1088730"/>
+          <a:ext cx="10058399" cy="479700"/>
+        </a:xfrm>
+        <a:prstGeom prst="roundRect">
+          <a:avLst/>
+        </a:prstGeom>
+        <a:solidFill>
+          <a:schemeClr val="accent1">
+            <a:hueOff val="0"/>
+            <a:satOff val="0"/>
+            <a:lumOff val="0"/>
+            <a:alphaOff val="0"/>
+          </a:schemeClr>
+        </a:solidFill>
+        <a:ln w="15875" cap="flat" cmpd="sng" algn="ctr">
+          <a:solidFill>
+            <a:schemeClr val="lt1">
+              <a:hueOff val="0"/>
+              <a:satOff val="0"/>
+              <a:lumOff val="0"/>
+              <a:alphaOff val="0"/>
+            </a:schemeClr>
+          </a:solidFill>
+          <a:prstDash val="solid"/>
+        </a:ln>
+        <a:effectLst/>
+      </dsp:spPr>
+      <dsp:style>
+        <a:lnRef idx="2">
+          <a:scrgbClr r="0" g="0" b="0"/>
+        </a:lnRef>
+        <a:fillRef idx="1">
+          <a:scrgbClr r="0" g="0" b="0"/>
+        </a:fillRef>
+        <a:effectRef idx="0">
+          <a:scrgbClr r="0" g="0" b="0"/>
+        </a:effectRef>
+        <a:fontRef idx="minor">
+          <a:schemeClr val="lt1"/>
+        </a:fontRef>
+      </dsp:style>
+      <dsp:txBody>
+        <a:bodyPr spcFirstLastPara="0" vert="horz" wrap="square" lIns="76200" tIns="76200" rIns="76200" bIns="76200" numCol="1" spcCol="1270" anchor="ctr" anchorCtr="0">
+          <a:noAutofit/>
+        </a:bodyPr>
+        <a:lstStyle/>
+        <a:p>
+          <a:pPr marL="0" lvl="0" indent="0" algn="l" defTabSz="889000">
+            <a:lnSpc>
+              <a:spcPct val="90000"/>
+            </a:lnSpc>
+            <a:spcBef>
+              <a:spcPct val="0"/>
+            </a:spcBef>
+            <a:spcAft>
+              <a:spcPct val="35000"/>
+            </a:spcAft>
+            <a:buNone/>
+          </a:pPr>
+          <a:r>
+            <a:rPr lang="en-US" sz="2000" b="0" i="0" kern="1200" dirty="0"/>
+            <a:t>Build hypotheses when facing opposing opinions.</a:t>
+          </a:r>
+          <a:endParaRPr lang="fr-FR" sz="2000" kern="1200" dirty="0"/>
+        </a:p>
+      </dsp:txBody>
+      <dsp:txXfrm>
+        <a:off x="23417" y="1112147"/>
+        <a:ext cx="10011565" cy="432866"/>
+      </dsp:txXfrm>
+    </dsp:sp>
+    <dsp:sp modelId="{062FF60B-FDB9-487D-A808-2D187B05EB9D}">
+      <dsp:nvSpPr>
+        <dsp:cNvPr id="0" name=""/>
+        <dsp:cNvSpPr/>
+      </dsp:nvSpPr>
+      <dsp:spPr>
+        <a:xfrm>
+          <a:off x="0" y="1626030"/>
+          <a:ext cx="10058399" cy="479700"/>
+        </a:xfrm>
+        <a:prstGeom prst="roundRect">
+          <a:avLst/>
+        </a:prstGeom>
+        <a:solidFill>
+          <a:schemeClr val="accent1">
+            <a:hueOff val="0"/>
+            <a:satOff val="0"/>
+            <a:lumOff val="0"/>
+            <a:alphaOff val="0"/>
+          </a:schemeClr>
+        </a:solidFill>
+        <a:ln w="15875" cap="flat" cmpd="sng" algn="ctr">
+          <a:solidFill>
+            <a:schemeClr val="lt1">
+              <a:hueOff val="0"/>
+              <a:satOff val="0"/>
+              <a:lumOff val="0"/>
+              <a:alphaOff val="0"/>
+            </a:schemeClr>
+          </a:solidFill>
+          <a:prstDash val="solid"/>
+        </a:ln>
+        <a:effectLst/>
+      </dsp:spPr>
+      <dsp:style>
+        <a:lnRef idx="2">
+          <a:scrgbClr r="0" g="0" b="0"/>
+        </a:lnRef>
+        <a:fillRef idx="1">
+          <a:scrgbClr r="0" g="0" b="0"/>
+        </a:fillRef>
+        <a:effectRef idx="0">
+          <a:scrgbClr r="0" g="0" b="0"/>
+        </a:effectRef>
+        <a:fontRef idx="minor">
+          <a:schemeClr val="lt1"/>
+        </a:fontRef>
+      </dsp:style>
+      <dsp:txBody>
+        <a:bodyPr spcFirstLastPara="0" vert="horz" wrap="square" lIns="76200" tIns="76200" rIns="76200" bIns="76200" numCol="1" spcCol="1270" anchor="ctr" anchorCtr="0">
+          <a:noAutofit/>
+        </a:bodyPr>
+        <a:lstStyle/>
+        <a:p>
+          <a:pPr marL="0" lvl="0" indent="0" algn="l" defTabSz="889000">
+            <a:lnSpc>
+              <a:spcPct val="90000"/>
+            </a:lnSpc>
+            <a:spcBef>
+              <a:spcPct val="0"/>
+            </a:spcBef>
+            <a:spcAft>
+              <a:spcPct val="35000"/>
+            </a:spcAft>
+            <a:buNone/>
+          </a:pPr>
+          <a:r>
+            <a:rPr lang="en-US" sz="2000" b="0" i="0" kern="1200" dirty="0"/>
+            <a:t>Focus on a functional perspective over subjective one.</a:t>
+          </a:r>
+          <a:endParaRPr lang="fr-FR" sz="2000" kern="1200" dirty="0"/>
+        </a:p>
+      </dsp:txBody>
+      <dsp:txXfrm>
+        <a:off x="23417" y="1649447"/>
+        <a:ext cx="10011565" cy="432866"/>
+      </dsp:txXfrm>
+    </dsp:sp>
+    <dsp:sp modelId="{CB6A87C3-1533-48BB-8D09-8479E5F3F13C}">
+      <dsp:nvSpPr>
+        <dsp:cNvPr id="0" name=""/>
+        <dsp:cNvSpPr/>
+      </dsp:nvSpPr>
+      <dsp:spPr>
+        <a:xfrm>
+          <a:off x="0" y="2163330"/>
+          <a:ext cx="10058399" cy="479700"/>
+        </a:xfrm>
+        <a:prstGeom prst="roundRect">
+          <a:avLst/>
+        </a:prstGeom>
+        <a:solidFill>
+          <a:schemeClr val="accent1">
+            <a:hueOff val="0"/>
+            <a:satOff val="0"/>
+            <a:lumOff val="0"/>
+            <a:alphaOff val="0"/>
+          </a:schemeClr>
+        </a:solidFill>
+        <a:ln w="15875" cap="flat" cmpd="sng" algn="ctr">
+          <a:solidFill>
+            <a:schemeClr val="lt1">
+              <a:hueOff val="0"/>
+              <a:satOff val="0"/>
+              <a:lumOff val="0"/>
+              <a:alphaOff val="0"/>
+            </a:schemeClr>
+          </a:solidFill>
+          <a:prstDash val="solid"/>
+        </a:ln>
+        <a:effectLst/>
+      </dsp:spPr>
+      <dsp:style>
+        <a:lnRef idx="2">
+          <a:scrgbClr r="0" g="0" b="0"/>
+        </a:lnRef>
+        <a:fillRef idx="1">
+          <a:scrgbClr r="0" g="0" b="0"/>
+        </a:fillRef>
+        <a:effectRef idx="0">
+          <a:scrgbClr r="0" g="0" b="0"/>
+        </a:effectRef>
+        <a:fontRef idx="minor">
+          <a:schemeClr val="lt1"/>
+        </a:fontRef>
+      </dsp:style>
+      <dsp:txBody>
+        <a:bodyPr spcFirstLastPara="0" vert="horz" wrap="square" lIns="76200" tIns="76200" rIns="76200" bIns="76200" numCol="1" spcCol="1270" anchor="ctr" anchorCtr="0">
+          <a:noAutofit/>
+        </a:bodyPr>
+        <a:lstStyle/>
+        <a:p>
+          <a:pPr marL="0" lvl="0" indent="0" algn="l" defTabSz="889000">
+            <a:lnSpc>
+              <a:spcPct val="90000"/>
+            </a:lnSpc>
+            <a:spcBef>
+              <a:spcPct val="0"/>
+            </a:spcBef>
+            <a:spcAft>
+              <a:spcPct val="35000"/>
+            </a:spcAft>
+            <a:buNone/>
+          </a:pPr>
+          <a:r>
+            <a:rPr lang="en-US" sz="2000" b="0" i="0" kern="1200" dirty="0"/>
+            <a:t>Effective design articulation:</a:t>
+          </a:r>
+          <a:endParaRPr lang="fr-FR" sz="2000" kern="1200" dirty="0"/>
+        </a:p>
+      </dsp:txBody>
+      <dsp:txXfrm>
+        <a:off x="23417" y="2186747"/>
+        <a:ext cx="10011565" cy="432866"/>
+      </dsp:txXfrm>
+    </dsp:sp>
+    <dsp:sp modelId="{0C0B4FEA-5F61-4CE6-BA8D-1A855EE3F421}">
+      <dsp:nvSpPr>
+        <dsp:cNvPr id="0" name=""/>
+        <dsp:cNvSpPr/>
+      </dsp:nvSpPr>
+      <dsp:spPr>
+        <a:xfrm>
+          <a:off x="0" y="2643030"/>
+          <a:ext cx="10058399" cy="1366200"/>
+        </a:xfrm>
+        <a:prstGeom prst="rect">
+          <a:avLst/>
+        </a:prstGeom>
+        <a:noFill/>
+        <a:ln>
+          <a:noFill/>
+        </a:ln>
+        <a:effectLst/>
+      </dsp:spPr>
+      <dsp:style>
+        <a:lnRef idx="0">
+          <a:scrgbClr r="0" g="0" b="0"/>
+        </a:lnRef>
+        <a:fillRef idx="0">
+          <a:scrgbClr r="0" g="0" b="0"/>
+        </a:fillRef>
+        <a:effectRef idx="0">
+          <a:scrgbClr r="0" g="0" b="0"/>
+        </a:effectRef>
+        <a:fontRef idx="minor"/>
+      </dsp:style>
+      <dsp:txBody>
+        <a:bodyPr spcFirstLastPara="0" vert="horz" wrap="square" lIns="319354" tIns="25400" rIns="142240" bIns="25400" numCol="1" spcCol="1270" anchor="t" anchorCtr="0">
+          <a:noAutofit/>
+        </a:bodyPr>
+        <a:lstStyle/>
+        <a:p>
+          <a:pPr marL="171450" lvl="1" indent="-171450" algn="l" defTabSz="711200">
+            <a:lnSpc>
+              <a:spcPct val="90000"/>
+            </a:lnSpc>
+            <a:spcBef>
+              <a:spcPct val="0"/>
+            </a:spcBef>
+            <a:spcAft>
+              <a:spcPct val="20000"/>
+            </a:spcAft>
+            <a:buChar char="•"/>
+          </a:pPr>
+          <a:r>
+            <a:rPr lang="en-US" sz="1600" b="0" i="0" kern="1200" dirty="0"/>
+            <a:t>a. Appeal to shared goals. </a:t>
+          </a:r>
+          <a:endParaRPr lang="fr-FR" sz="1600" kern="1200" dirty="0"/>
+        </a:p>
+        <a:p>
+          <a:pPr marL="171450" lvl="1" indent="-171450" algn="l" defTabSz="711200">
+            <a:lnSpc>
+              <a:spcPct val="90000"/>
+            </a:lnSpc>
+            <a:spcBef>
+              <a:spcPct val="0"/>
+            </a:spcBef>
+            <a:spcAft>
+              <a:spcPct val="20000"/>
+            </a:spcAft>
+            <a:buChar char="•"/>
+          </a:pPr>
+          <a:r>
+            <a:rPr lang="en-US" sz="1600" b="0" i="0" kern="1200" dirty="0"/>
+            <a:t>b. Adopt a facilitator mindset. </a:t>
+          </a:r>
+          <a:endParaRPr lang="fr-FR" sz="1600" kern="1200" dirty="0"/>
+        </a:p>
+        <a:p>
+          <a:pPr marL="171450" lvl="1" indent="-171450" algn="l" defTabSz="711200">
+            <a:lnSpc>
+              <a:spcPct val="90000"/>
+            </a:lnSpc>
+            <a:spcBef>
+              <a:spcPct val="0"/>
+            </a:spcBef>
+            <a:spcAft>
+              <a:spcPct val="20000"/>
+            </a:spcAft>
+            <a:buChar char="•"/>
+          </a:pPr>
+          <a:r>
+            <a:rPr lang="en-US" sz="1600" b="0" i="0" kern="1200" dirty="0"/>
+            <a:t>c. Maintain a design decision log.</a:t>
+          </a:r>
+          <a:endParaRPr lang="fr-FR" sz="1600" kern="1200" dirty="0"/>
+        </a:p>
+        <a:p>
+          <a:pPr marL="171450" lvl="1" indent="-171450" algn="l" defTabSz="711200">
+            <a:lnSpc>
+              <a:spcPct val="90000"/>
+            </a:lnSpc>
+            <a:spcBef>
+              <a:spcPct val="0"/>
+            </a:spcBef>
+            <a:spcAft>
+              <a:spcPct val="20000"/>
+            </a:spcAft>
+            <a:buChar char="•"/>
+          </a:pPr>
+          <a:r>
+            <a:rPr lang="en-US" sz="1600" b="0" i="0" kern="1200" dirty="0"/>
+            <a:t>d. Practice presentations for confidence. </a:t>
+          </a:r>
+          <a:endParaRPr lang="fr-FR" sz="1600" kern="1200" dirty="0"/>
+        </a:p>
+        <a:p>
+          <a:pPr marL="171450" lvl="1" indent="-171450" algn="l" defTabSz="711200">
+            <a:lnSpc>
+              <a:spcPct val="90000"/>
+            </a:lnSpc>
+            <a:spcBef>
+              <a:spcPct val="0"/>
+            </a:spcBef>
+            <a:spcAft>
+              <a:spcPct val="20000"/>
+            </a:spcAft>
+            <a:buChar char="•"/>
+          </a:pPr>
+          <a:r>
+            <a:rPr lang="en-US" sz="1600" b="0" i="0" kern="1200" dirty="0"/>
+            <a:t>e. Bring a supporter to meetings for backup if possible.</a:t>
+          </a:r>
+          <a:endParaRPr lang="fr-FR" sz="1600" kern="1200" dirty="0"/>
+        </a:p>
+      </dsp:txBody>
+      <dsp:txXfrm>
+        <a:off x="0" y="2643030"/>
+        <a:ext cx="10058399" cy="1366200"/>
+      </dsp:txXfrm>
+    </dsp:sp>
+  </dsp:spTree>
+</dsp:drawing>
+</file>
+
+<file path=ppt/diagrams/drawing5.xml><?xml version="1.0" encoding="utf-8"?>
+<dsp:drawing xmlns:dgm="http://schemas.openxmlformats.org/drawingml/2006/diagram" xmlns:dsp="http://schemas.microsoft.com/office/drawing/2008/diagram" xmlns:a="http://schemas.openxmlformats.org/drawingml/2006/main">
+  <dsp:spTree>
+    <dsp:nvGrpSpPr>
+      <dsp:cNvPr id="0" name=""/>
+      <dsp:cNvGrpSpPr/>
+    </dsp:nvGrpSpPr>
+    <dsp:grpSpPr/>
+    <dsp:sp modelId="{C27C0779-8E18-4A17-A08D-61D72675C243}">
+      <dsp:nvSpPr>
+        <dsp:cNvPr id="0" name=""/>
+        <dsp:cNvSpPr/>
+      </dsp:nvSpPr>
+      <dsp:spPr>
+        <a:xfrm>
+          <a:off x="0" y="91799"/>
+          <a:ext cx="10058399" cy="383760"/>
+        </a:xfrm>
+        <a:prstGeom prst="roundRect">
+          <a:avLst/>
+        </a:prstGeom>
+        <a:solidFill>
+          <a:schemeClr val="accent1">
+            <a:hueOff val="0"/>
+            <a:satOff val="0"/>
+            <a:lumOff val="0"/>
+            <a:alphaOff val="0"/>
+          </a:schemeClr>
+        </a:solidFill>
+        <a:ln w="15875" cap="flat" cmpd="sng" algn="ctr">
+          <a:solidFill>
+            <a:schemeClr val="lt1">
+              <a:hueOff val="0"/>
+              <a:satOff val="0"/>
+              <a:lumOff val="0"/>
+              <a:alphaOff val="0"/>
+            </a:schemeClr>
+          </a:solidFill>
+          <a:prstDash val="solid"/>
+        </a:ln>
+        <a:effectLst/>
+      </dsp:spPr>
+      <dsp:style>
+        <a:lnRef idx="2">
+          <a:scrgbClr r="0" g="0" b="0"/>
+        </a:lnRef>
+        <a:fillRef idx="1">
+          <a:scrgbClr r="0" g="0" b="0"/>
+        </a:fillRef>
+        <a:effectRef idx="0">
+          <a:scrgbClr r="0" g="0" b="0"/>
+        </a:effectRef>
+        <a:fontRef idx="minor">
+          <a:schemeClr val="lt1"/>
+        </a:fontRef>
+      </dsp:style>
+      <dsp:txBody>
+        <a:bodyPr spcFirstLastPara="0" vert="horz" wrap="square" lIns="60960" tIns="60960" rIns="60960" bIns="60960" numCol="1" spcCol="1270" anchor="ctr" anchorCtr="0">
+          <a:noAutofit/>
+        </a:bodyPr>
+        <a:lstStyle/>
+        <a:p>
+          <a:pPr marL="0" lvl="0" indent="0" algn="l" defTabSz="711200">
+            <a:lnSpc>
+              <a:spcPct val="90000"/>
+            </a:lnSpc>
+            <a:spcBef>
+              <a:spcPct val="0"/>
+            </a:spcBef>
+            <a:spcAft>
+              <a:spcPct val="35000"/>
+            </a:spcAft>
+            <a:buNone/>
+          </a:pPr>
+          <a:r>
+            <a:rPr lang="en-US" sz="1600" b="1" i="0" kern="1200" dirty="0"/>
+            <a:t>Design Brief</a:t>
+          </a:r>
+          <a:endParaRPr lang="fr-FR" sz="1600" kern="1200" dirty="0"/>
+        </a:p>
+      </dsp:txBody>
+      <dsp:txXfrm>
+        <a:off x="18734" y="110533"/>
+        <a:ext cx="10020931" cy="346292"/>
+      </dsp:txXfrm>
+    </dsp:sp>
+    <dsp:sp modelId="{7424A7D6-58E3-432E-B8E9-A31729EA7798}">
+      <dsp:nvSpPr>
+        <dsp:cNvPr id="0" name=""/>
+        <dsp:cNvSpPr/>
+      </dsp:nvSpPr>
+      <dsp:spPr>
+        <a:xfrm>
+          <a:off x="0" y="475560"/>
+          <a:ext cx="10058399" cy="414000"/>
+        </a:xfrm>
+        <a:prstGeom prst="rect">
+          <a:avLst/>
+        </a:prstGeom>
+        <a:noFill/>
+        <a:ln>
+          <a:noFill/>
+        </a:ln>
+        <a:effectLst/>
+      </dsp:spPr>
+      <dsp:style>
+        <a:lnRef idx="0">
+          <a:scrgbClr r="0" g="0" b="0"/>
+        </a:lnRef>
+        <a:fillRef idx="0">
+          <a:scrgbClr r="0" g="0" b="0"/>
+        </a:fillRef>
+        <a:effectRef idx="0">
+          <a:scrgbClr r="0" g="0" b="0"/>
+        </a:effectRef>
+        <a:fontRef idx="minor"/>
+      </dsp:style>
+      <dsp:txBody>
+        <a:bodyPr spcFirstLastPara="0" vert="horz" wrap="square" lIns="319354" tIns="20320" rIns="113792" bIns="20320" numCol="1" spcCol="1270" anchor="t" anchorCtr="0">
+          <a:noAutofit/>
+        </a:bodyPr>
+        <a:lstStyle/>
+        <a:p>
+          <a:pPr marL="114300" lvl="1" indent="-114300" algn="l" defTabSz="533400">
+            <a:lnSpc>
+              <a:spcPct val="90000"/>
+            </a:lnSpc>
+            <a:spcBef>
+              <a:spcPct val="0"/>
+            </a:spcBef>
+            <a:spcAft>
+              <a:spcPct val="20000"/>
+            </a:spcAft>
+            <a:buChar char="•"/>
+          </a:pPr>
+          <a:r>
+            <a:rPr lang="en-US" sz="1200" b="0" i="0" kern="1200" dirty="0"/>
+            <a:t>Define the collective design goal by engaging with design teams</a:t>
+          </a:r>
+          <a:endParaRPr lang="fr-FR" sz="1200" kern="1200" dirty="0"/>
+        </a:p>
+        <a:p>
+          <a:pPr marL="114300" lvl="1" indent="-114300" algn="l" defTabSz="533400">
+            <a:lnSpc>
+              <a:spcPct val="90000"/>
+            </a:lnSpc>
+            <a:spcBef>
+              <a:spcPct val="0"/>
+            </a:spcBef>
+            <a:spcAft>
+              <a:spcPct val="20000"/>
+            </a:spcAft>
+            <a:buChar char="•"/>
+          </a:pPr>
+          <a:r>
+            <a:rPr lang="en-US" sz="1200" b="0" i="0" kern="1200"/>
+            <a:t>establishing </a:t>
+          </a:r>
+          <a:r>
+            <a:rPr lang="en-US" sz="1200" b="0" i="0" kern="1200" dirty="0"/>
+            <a:t>the who, what, and why regarding main features, focus, and target audience.</a:t>
+          </a:r>
+          <a:endParaRPr lang="fr-FR" sz="1200" kern="1200" dirty="0"/>
+        </a:p>
+      </dsp:txBody>
+      <dsp:txXfrm>
+        <a:off x="0" y="475560"/>
+        <a:ext cx="10058399" cy="414000"/>
+      </dsp:txXfrm>
+    </dsp:sp>
+    <dsp:sp modelId="{158B785A-6638-4A4B-B3AB-C76CDC76DBE3}">
+      <dsp:nvSpPr>
+        <dsp:cNvPr id="0" name=""/>
+        <dsp:cNvSpPr/>
+      </dsp:nvSpPr>
+      <dsp:spPr>
+        <a:xfrm>
+          <a:off x="0" y="889560"/>
+          <a:ext cx="10058399" cy="383760"/>
+        </a:xfrm>
+        <a:prstGeom prst="roundRect">
+          <a:avLst/>
+        </a:prstGeom>
+        <a:solidFill>
+          <a:schemeClr val="accent1">
+            <a:hueOff val="0"/>
+            <a:satOff val="0"/>
+            <a:lumOff val="0"/>
+            <a:alphaOff val="0"/>
+          </a:schemeClr>
+        </a:solidFill>
+        <a:ln w="15875" cap="flat" cmpd="sng" algn="ctr">
+          <a:solidFill>
+            <a:schemeClr val="lt1">
+              <a:hueOff val="0"/>
+              <a:satOff val="0"/>
+              <a:lumOff val="0"/>
+              <a:alphaOff val="0"/>
+            </a:schemeClr>
+          </a:solidFill>
+          <a:prstDash val="solid"/>
+        </a:ln>
+        <a:effectLst/>
+      </dsp:spPr>
+      <dsp:style>
+        <a:lnRef idx="2">
+          <a:scrgbClr r="0" g="0" b="0"/>
+        </a:lnRef>
+        <a:fillRef idx="1">
+          <a:scrgbClr r="0" g="0" b="0"/>
+        </a:fillRef>
+        <a:effectRef idx="0">
+          <a:scrgbClr r="0" g="0" b="0"/>
+        </a:effectRef>
+        <a:fontRef idx="minor">
+          <a:schemeClr val="lt1"/>
+        </a:fontRef>
+      </dsp:style>
+      <dsp:txBody>
+        <a:bodyPr spcFirstLastPara="0" vert="horz" wrap="square" lIns="60960" tIns="60960" rIns="60960" bIns="60960" numCol="1" spcCol="1270" anchor="ctr" anchorCtr="0">
+          <a:noAutofit/>
+        </a:bodyPr>
+        <a:lstStyle/>
+        <a:p>
+          <a:pPr marL="0" lvl="0" indent="0" algn="l" defTabSz="711200">
+            <a:lnSpc>
+              <a:spcPct val="90000"/>
+            </a:lnSpc>
+            <a:spcBef>
+              <a:spcPct val="0"/>
+            </a:spcBef>
+            <a:spcAft>
+              <a:spcPct val="35000"/>
+            </a:spcAft>
+            <a:buFont typeface="+mj-lt"/>
+            <a:buNone/>
+          </a:pPr>
+          <a:r>
+            <a:rPr lang="en-US" sz="1600" b="1" i="0" kern="1200" dirty="0"/>
+            <a:t>Task Flows</a:t>
+          </a:r>
+          <a:endParaRPr lang="en-US" sz="1600" b="0" i="0" kern="1200" dirty="0"/>
+        </a:p>
+      </dsp:txBody>
+      <dsp:txXfrm>
+        <a:off x="18734" y="908294"/>
+        <a:ext cx="10020931" cy="346292"/>
+      </dsp:txXfrm>
+    </dsp:sp>
+    <dsp:sp modelId="{C687737F-7909-4BC9-BD32-0B608FC9D606}">
+      <dsp:nvSpPr>
+        <dsp:cNvPr id="0" name=""/>
+        <dsp:cNvSpPr/>
+      </dsp:nvSpPr>
+      <dsp:spPr>
+        <a:xfrm>
+          <a:off x="0" y="1273320"/>
+          <a:ext cx="10058399" cy="414000"/>
+        </a:xfrm>
+        <a:prstGeom prst="rect">
+          <a:avLst/>
+        </a:prstGeom>
+        <a:noFill/>
+        <a:ln>
+          <a:noFill/>
+        </a:ln>
+        <a:effectLst/>
+      </dsp:spPr>
+      <dsp:style>
+        <a:lnRef idx="0">
+          <a:scrgbClr r="0" g="0" b="0"/>
+        </a:lnRef>
+        <a:fillRef idx="0">
+          <a:scrgbClr r="0" g="0" b="0"/>
+        </a:fillRef>
+        <a:effectRef idx="0">
+          <a:scrgbClr r="0" g="0" b="0"/>
+        </a:effectRef>
+        <a:fontRef idx="minor"/>
+      </dsp:style>
+      <dsp:txBody>
+        <a:bodyPr spcFirstLastPara="0" vert="horz" wrap="square" lIns="319354" tIns="20320" rIns="113792" bIns="20320" numCol="1" spcCol="1270" anchor="t" anchorCtr="0">
+          <a:noAutofit/>
+        </a:bodyPr>
+        <a:lstStyle/>
+        <a:p>
+          <a:pPr marL="114300" lvl="1" indent="-114300" algn="l" defTabSz="533400">
+            <a:lnSpc>
+              <a:spcPct val="90000"/>
+            </a:lnSpc>
+            <a:spcBef>
+              <a:spcPct val="0"/>
+            </a:spcBef>
+            <a:spcAft>
+              <a:spcPct val="20000"/>
+            </a:spcAft>
+            <a:buFont typeface="+mj-lt"/>
+            <a:buAutoNum type="arabicPeriod"/>
+          </a:pPr>
+          <a:r>
+            <a:rPr lang="en-US" sz="1200" b="0" i="0" kern="1200" dirty="0"/>
+            <a:t> Collaborate with designers to create low-fidelity sketches of the user flow on paper,</a:t>
+          </a:r>
+        </a:p>
+        <a:p>
+          <a:pPr marL="114300" lvl="1" indent="-114300" algn="l" defTabSz="533400">
+            <a:lnSpc>
+              <a:spcPct val="90000"/>
+            </a:lnSpc>
+            <a:spcBef>
+              <a:spcPct val="0"/>
+            </a:spcBef>
+            <a:spcAft>
+              <a:spcPct val="20000"/>
+            </a:spcAft>
+            <a:buFont typeface="+mj-lt"/>
+            <a:buAutoNum type="arabicPeriod"/>
+          </a:pPr>
+          <a:r>
+            <a:rPr lang="en-US" sz="1200" b="0" i="0" kern="1200" dirty="0"/>
+            <a:t> allowing early identification of potential development roadblocks and edge cases.</a:t>
+          </a:r>
+        </a:p>
+      </dsp:txBody>
+      <dsp:txXfrm>
+        <a:off x="0" y="1273320"/>
+        <a:ext cx="10058399" cy="414000"/>
+      </dsp:txXfrm>
+    </dsp:sp>
+    <dsp:sp modelId="{B9E3346D-A58D-4C42-AF5F-E06F0F7B9FCB}">
+      <dsp:nvSpPr>
+        <dsp:cNvPr id="0" name=""/>
+        <dsp:cNvSpPr/>
+      </dsp:nvSpPr>
+      <dsp:spPr>
+        <a:xfrm>
+          <a:off x="0" y="1687320"/>
+          <a:ext cx="10058399" cy="383760"/>
+        </a:xfrm>
+        <a:prstGeom prst="roundRect">
+          <a:avLst/>
+        </a:prstGeom>
+        <a:solidFill>
+          <a:schemeClr val="accent1">
+            <a:hueOff val="0"/>
+            <a:satOff val="0"/>
+            <a:lumOff val="0"/>
+            <a:alphaOff val="0"/>
+          </a:schemeClr>
+        </a:solidFill>
+        <a:ln w="15875" cap="flat" cmpd="sng" algn="ctr">
+          <a:solidFill>
+            <a:schemeClr val="lt1">
+              <a:hueOff val="0"/>
+              <a:satOff val="0"/>
+              <a:lumOff val="0"/>
+              <a:alphaOff val="0"/>
+            </a:schemeClr>
+          </a:solidFill>
+          <a:prstDash val="solid"/>
+        </a:ln>
+        <a:effectLst/>
+      </dsp:spPr>
+      <dsp:style>
+        <a:lnRef idx="2">
+          <a:scrgbClr r="0" g="0" b="0"/>
+        </a:lnRef>
+        <a:fillRef idx="1">
+          <a:scrgbClr r="0" g="0" b="0"/>
+        </a:fillRef>
+        <a:effectRef idx="0">
+          <a:scrgbClr r="0" g="0" b="0"/>
+        </a:effectRef>
+        <a:fontRef idx="minor">
+          <a:schemeClr val="lt1"/>
+        </a:fontRef>
+      </dsp:style>
+      <dsp:txBody>
+        <a:bodyPr spcFirstLastPara="0" vert="horz" wrap="square" lIns="60960" tIns="60960" rIns="60960" bIns="60960" numCol="1" spcCol="1270" anchor="ctr" anchorCtr="0">
+          <a:noAutofit/>
+        </a:bodyPr>
+        <a:lstStyle/>
+        <a:p>
+          <a:pPr marL="0" lvl="0" indent="0" algn="l" defTabSz="711200">
+            <a:lnSpc>
+              <a:spcPct val="90000"/>
+            </a:lnSpc>
+            <a:spcBef>
+              <a:spcPct val="0"/>
+            </a:spcBef>
+            <a:spcAft>
+              <a:spcPct val="35000"/>
+            </a:spcAft>
+            <a:buFont typeface="+mj-lt"/>
+            <a:buNone/>
+          </a:pPr>
+          <a:r>
+            <a:rPr lang="en-US" sz="1600" b="1" i="0" kern="1200" dirty="0"/>
+            <a:t>Heuristic Markup</a:t>
+          </a:r>
+          <a:endParaRPr lang="en-US" sz="1600" b="0" i="0" kern="1200" dirty="0"/>
+        </a:p>
+      </dsp:txBody>
+      <dsp:txXfrm>
+        <a:off x="18734" y="1706054"/>
+        <a:ext cx="10020931" cy="346292"/>
+      </dsp:txXfrm>
+    </dsp:sp>
+    <dsp:sp modelId="{0DA1B8A3-9567-48FD-98C5-CDC01C11D9AD}">
+      <dsp:nvSpPr>
+        <dsp:cNvPr id="0" name=""/>
+        <dsp:cNvSpPr/>
+      </dsp:nvSpPr>
+      <dsp:spPr>
+        <a:xfrm>
+          <a:off x="0" y="2071080"/>
+          <a:ext cx="10058399" cy="414000"/>
+        </a:xfrm>
+        <a:prstGeom prst="rect">
+          <a:avLst/>
+        </a:prstGeom>
+        <a:noFill/>
+        <a:ln>
+          <a:noFill/>
+        </a:ln>
+        <a:effectLst/>
+      </dsp:spPr>
+      <dsp:style>
+        <a:lnRef idx="0">
+          <a:scrgbClr r="0" g="0" b="0"/>
+        </a:lnRef>
+        <a:fillRef idx="0">
+          <a:scrgbClr r="0" g="0" b="0"/>
+        </a:fillRef>
+        <a:effectRef idx="0">
+          <a:scrgbClr r="0" g="0" b="0"/>
+        </a:effectRef>
+        <a:fontRef idx="minor"/>
+      </dsp:style>
+      <dsp:txBody>
+        <a:bodyPr spcFirstLastPara="0" vert="horz" wrap="square" lIns="319354" tIns="20320" rIns="113792" bIns="20320" numCol="1" spcCol="1270" anchor="t" anchorCtr="0">
+          <a:noAutofit/>
+        </a:bodyPr>
+        <a:lstStyle/>
+        <a:p>
+          <a:pPr marL="114300" lvl="1" indent="-114300" algn="l" defTabSz="533400">
+            <a:lnSpc>
+              <a:spcPct val="90000"/>
+            </a:lnSpc>
+            <a:spcBef>
+              <a:spcPct val="0"/>
+            </a:spcBef>
+            <a:spcAft>
+              <a:spcPct val="20000"/>
+            </a:spcAft>
+            <a:buFont typeface="+mj-lt"/>
+            <a:buAutoNum type="arabicPeriod"/>
+          </a:pPr>
+          <a:r>
+            <a:rPr lang="en-US" sz="1200" b="0" i="0" kern="1200" dirty="0"/>
+            <a:t> Evaluate the quality of your product's user flow from start to finish,</a:t>
+          </a:r>
+        </a:p>
+        <a:p>
+          <a:pPr marL="114300" lvl="1" indent="-114300" algn="l" defTabSz="533400">
+            <a:lnSpc>
+              <a:spcPct val="90000"/>
+            </a:lnSpc>
+            <a:spcBef>
+              <a:spcPct val="0"/>
+            </a:spcBef>
+            <a:spcAft>
+              <a:spcPct val="20000"/>
+            </a:spcAft>
+            <a:buFont typeface="+mj-lt"/>
+            <a:buAutoNum type="arabicPeriod"/>
+          </a:pPr>
+          <a:r>
+            <a:rPr lang="en-US" sz="1200" b="0" i="0" kern="1200" dirty="0"/>
+            <a:t> like a report card, identifying areas for improvement or removal within the flow.</a:t>
+          </a:r>
+        </a:p>
+      </dsp:txBody>
+      <dsp:txXfrm>
+        <a:off x="0" y="2071080"/>
+        <a:ext cx="10058399" cy="414000"/>
+      </dsp:txXfrm>
+    </dsp:sp>
+    <dsp:sp modelId="{CA8195D3-6893-4CF0-8B84-C56963C1168C}">
+      <dsp:nvSpPr>
+        <dsp:cNvPr id="0" name=""/>
+        <dsp:cNvSpPr/>
+      </dsp:nvSpPr>
+      <dsp:spPr>
+        <a:xfrm>
+          <a:off x="0" y="2485080"/>
+          <a:ext cx="10058399" cy="383760"/>
+        </a:xfrm>
+        <a:prstGeom prst="roundRect">
+          <a:avLst/>
+        </a:prstGeom>
+        <a:solidFill>
+          <a:schemeClr val="accent1">
+            <a:hueOff val="0"/>
+            <a:satOff val="0"/>
+            <a:lumOff val="0"/>
+            <a:alphaOff val="0"/>
+          </a:schemeClr>
+        </a:solidFill>
+        <a:ln w="15875" cap="flat" cmpd="sng" algn="ctr">
+          <a:solidFill>
+            <a:schemeClr val="lt1">
+              <a:hueOff val="0"/>
+              <a:satOff val="0"/>
+              <a:lumOff val="0"/>
+              <a:alphaOff val="0"/>
+            </a:schemeClr>
+          </a:solidFill>
+          <a:prstDash val="solid"/>
+        </a:ln>
+        <a:effectLst/>
+      </dsp:spPr>
+      <dsp:style>
+        <a:lnRef idx="2">
+          <a:scrgbClr r="0" g="0" b="0"/>
+        </a:lnRef>
+        <a:fillRef idx="1">
+          <a:scrgbClr r="0" g="0" b="0"/>
+        </a:fillRef>
+        <a:effectRef idx="0">
+          <a:scrgbClr r="0" g="0" b="0"/>
+        </a:effectRef>
+        <a:fontRef idx="minor">
+          <a:schemeClr val="lt1"/>
+        </a:fontRef>
+      </dsp:style>
+      <dsp:txBody>
+        <a:bodyPr spcFirstLastPara="0" vert="horz" wrap="square" lIns="60960" tIns="60960" rIns="60960" bIns="60960" numCol="1" spcCol="1270" anchor="ctr" anchorCtr="0">
+          <a:noAutofit/>
+        </a:bodyPr>
+        <a:lstStyle/>
+        <a:p>
+          <a:pPr marL="0" lvl="0" indent="0" algn="l" defTabSz="711200">
+            <a:lnSpc>
+              <a:spcPct val="90000"/>
+            </a:lnSpc>
+            <a:spcBef>
+              <a:spcPct val="0"/>
+            </a:spcBef>
+            <a:spcAft>
+              <a:spcPct val="35000"/>
+            </a:spcAft>
+            <a:buFont typeface="+mj-lt"/>
+            <a:buNone/>
+          </a:pPr>
+          <a:r>
+            <a:rPr lang="en-US" sz="1600" b="1" i="0" kern="1200" dirty="0"/>
+            <a:t>5 Second Tests</a:t>
+          </a:r>
+          <a:endParaRPr lang="en-US" sz="1600" b="0" i="0" kern="1200" dirty="0"/>
+        </a:p>
+      </dsp:txBody>
+      <dsp:txXfrm>
+        <a:off x="18734" y="2503814"/>
+        <a:ext cx="10020931" cy="346292"/>
+      </dsp:txXfrm>
+    </dsp:sp>
+    <dsp:sp modelId="{B25E68AB-39CF-4E67-A7D3-10C5C2C4C0BD}">
+      <dsp:nvSpPr>
+        <dsp:cNvPr id="0" name=""/>
+        <dsp:cNvSpPr/>
+      </dsp:nvSpPr>
+      <dsp:spPr>
+        <a:xfrm>
+          <a:off x="0" y="2868840"/>
+          <a:ext cx="10058399" cy="264960"/>
+        </a:xfrm>
+        <a:prstGeom prst="rect">
+          <a:avLst/>
+        </a:prstGeom>
+        <a:noFill/>
+        <a:ln>
+          <a:noFill/>
+        </a:ln>
+        <a:effectLst/>
+      </dsp:spPr>
+      <dsp:style>
+        <a:lnRef idx="0">
+          <a:scrgbClr r="0" g="0" b="0"/>
+        </a:lnRef>
+        <a:fillRef idx="0">
+          <a:scrgbClr r="0" g="0" b="0"/>
+        </a:fillRef>
+        <a:effectRef idx="0">
+          <a:scrgbClr r="0" g="0" b="0"/>
+        </a:effectRef>
+        <a:fontRef idx="minor"/>
+      </dsp:style>
+      <dsp:txBody>
+        <a:bodyPr spcFirstLastPara="0" vert="horz" wrap="square" lIns="319354" tIns="20320" rIns="113792" bIns="20320" numCol="1" spcCol="1270" anchor="t" anchorCtr="0">
+          <a:noAutofit/>
+        </a:bodyPr>
+        <a:lstStyle/>
+        <a:p>
+          <a:pPr marL="114300" lvl="1" indent="-114300" algn="l" defTabSz="533400">
+            <a:lnSpc>
+              <a:spcPct val="90000"/>
+            </a:lnSpc>
+            <a:spcBef>
+              <a:spcPct val="0"/>
+            </a:spcBef>
+            <a:spcAft>
+              <a:spcPct val="20000"/>
+            </a:spcAft>
+            <a:buFont typeface="+mj-lt"/>
+            <a:buAutoNum type="arabicPeriod"/>
+          </a:pPr>
+          <a:r>
+            <a:rPr lang="en-US" sz="1200" b="0" i="0" kern="1200" dirty="0"/>
+            <a:t>- Assess user impressions by showing a screen for 5 seconds to gauge what the user remembers.</a:t>
+          </a:r>
+        </a:p>
+      </dsp:txBody>
+      <dsp:txXfrm>
+        <a:off x="0" y="2868840"/>
+        <a:ext cx="10058399" cy="264960"/>
+      </dsp:txXfrm>
+    </dsp:sp>
+    <dsp:sp modelId="{156AEAE3-FB7C-446A-826F-A25D14682E78}">
+      <dsp:nvSpPr>
+        <dsp:cNvPr id="0" name=""/>
+        <dsp:cNvSpPr/>
+      </dsp:nvSpPr>
+      <dsp:spPr>
+        <a:xfrm>
+          <a:off x="0" y="3133800"/>
+          <a:ext cx="10058399" cy="383760"/>
+        </a:xfrm>
+        <a:prstGeom prst="roundRect">
+          <a:avLst/>
+        </a:prstGeom>
+        <a:solidFill>
+          <a:schemeClr val="accent1">
+            <a:hueOff val="0"/>
+            <a:satOff val="0"/>
+            <a:lumOff val="0"/>
+            <a:alphaOff val="0"/>
+          </a:schemeClr>
+        </a:solidFill>
+        <a:ln w="15875" cap="flat" cmpd="sng" algn="ctr">
+          <a:solidFill>
+            <a:schemeClr val="lt1">
+              <a:hueOff val="0"/>
+              <a:satOff val="0"/>
+              <a:lumOff val="0"/>
+              <a:alphaOff val="0"/>
+            </a:schemeClr>
+          </a:solidFill>
+          <a:prstDash val="solid"/>
+        </a:ln>
+        <a:effectLst/>
+      </dsp:spPr>
+      <dsp:style>
+        <a:lnRef idx="2">
+          <a:scrgbClr r="0" g="0" b="0"/>
+        </a:lnRef>
+        <a:fillRef idx="1">
+          <a:scrgbClr r="0" g="0" b="0"/>
+        </a:fillRef>
+        <a:effectRef idx="0">
+          <a:scrgbClr r="0" g="0" b="0"/>
+        </a:effectRef>
+        <a:fontRef idx="minor">
+          <a:schemeClr val="lt1"/>
+        </a:fontRef>
+      </dsp:style>
+      <dsp:txBody>
+        <a:bodyPr spcFirstLastPara="0" vert="horz" wrap="square" lIns="60960" tIns="60960" rIns="60960" bIns="60960" numCol="1" spcCol="1270" anchor="ctr" anchorCtr="0">
+          <a:noAutofit/>
+        </a:bodyPr>
+        <a:lstStyle/>
+        <a:p>
+          <a:pPr marL="0" lvl="0" indent="0" algn="l" defTabSz="711200">
+            <a:lnSpc>
+              <a:spcPct val="90000"/>
+            </a:lnSpc>
+            <a:spcBef>
+              <a:spcPct val="0"/>
+            </a:spcBef>
+            <a:spcAft>
+              <a:spcPct val="35000"/>
+            </a:spcAft>
+            <a:buFont typeface="+mj-lt"/>
+            <a:buNone/>
+          </a:pPr>
+          <a:r>
+            <a:rPr lang="en-US" sz="1600" b="1" i="0" kern="1200" dirty="0"/>
+            <a:t>Comparative Assessment</a:t>
+          </a:r>
+          <a:endParaRPr lang="en-US" sz="1600" b="0" i="0" kern="1200" dirty="0"/>
+        </a:p>
+      </dsp:txBody>
+      <dsp:txXfrm>
+        <a:off x="18734" y="3152534"/>
+        <a:ext cx="10020931" cy="346292"/>
+      </dsp:txXfrm>
+    </dsp:sp>
+    <dsp:sp modelId="{D64C531E-C591-48DA-B0F9-5289FE4DF08E}">
+      <dsp:nvSpPr>
+        <dsp:cNvPr id="0" name=""/>
+        <dsp:cNvSpPr/>
+      </dsp:nvSpPr>
+      <dsp:spPr>
+        <a:xfrm>
+          <a:off x="0" y="3517560"/>
+          <a:ext cx="10058399" cy="414000"/>
+        </a:xfrm>
+        <a:prstGeom prst="rect">
+          <a:avLst/>
+        </a:prstGeom>
+        <a:noFill/>
+        <a:ln>
+          <a:noFill/>
+        </a:ln>
+        <a:effectLst/>
+      </dsp:spPr>
+      <dsp:style>
+        <a:lnRef idx="0">
+          <a:scrgbClr r="0" g="0" b="0"/>
+        </a:lnRef>
+        <a:fillRef idx="0">
+          <a:scrgbClr r="0" g="0" b="0"/>
+        </a:fillRef>
+        <a:effectRef idx="0">
+          <a:scrgbClr r="0" g="0" b="0"/>
+        </a:effectRef>
+        <a:fontRef idx="minor"/>
+      </dsp:style>
+      <dsp:txBody>
+        <a:bodyPr spcFirstLastPara="0" vert="horz" wrap="square" lIns="319354" tIns="20320" rIns="113792" bIns="20320" numCol="1" spcCol="1270" anchor="t" anchorCtr="0">
+          <a:noAutofit/>
+        </a:bodyPr>
+        <a:lstStyle/>
+        <a:p>
+          <a:pPr marL="114300" lvl="1" indent="-114300" algn="l" defTabSz="533400">
+            <a:lnSpc>
+              <a:spcPct val="90000"/>
+            </a:lnSpc>
+            <a:spcBef>
+              <a:spcPct val="0"/>
+            </a:spcBef>
+            <a:spcAft>
+              <a:spcPct val="20000"/>
+            </a:spcAft>
+            <a:buFont typeface="+mj-lt"/>
+            <a:buAutoNum type="arabicPeriod"/>
+          </a:pPr>
+          <a:r>
+            <a:rPr lang="en-US" sz="1200" b="0" i="0" kern="1200" dirty="0"/>
+            <a:t> Analyze UX patterns from popular websites and apps like Amazon and Facebook to align with your users' expectations</a:t>
+          </a:r>
+        </a:p>
+        <a:p>
+          <a:pPr marL="114300" lvl="1" indent="-114300" algn="l" defTabSz="533400">
+            <a:lnSpc>
+              <a:spcPct val="90000"/>
+            </a:lnSpc>
+            <a:spcBef>
+              <a:spcPct val="0"/>
+            </a:spcBef>
+            <a:spcAft>
+              <a:spcPct val="20000"/>
+            </a:spcAft>
+            <a:buFont typeface="+mj-lt"/>
+            <a:buAutoNum type="arabicPeriod"/>
+          </a:pPr>
+          <a:r>
+            <a:rPr lang="en-US" sz="1200" b="0" i="0" kern="1200" dirty="0"/>
+            <a:t> to improve your own product's user experience.</a:t>
+          </a:r>
+        </a:p>
+      </dsp:txBody>
+      <dsp:txXfrm>
+        <a:off x="0" y="3517560"/>
+        <a:ext cx="10058399" cy="414000"/>
       </dsp:txXfrm>
     </dsp:sp>
   </dsp:spTree>
@@ -6857,6 +10909,340 @@
 </dgm:layoutDef>
 </file>
 
+<file path=ppt/diagrams/layout4.xml><?xml version="1.0" encoding="utf-8"?>
+<dgm:layoutDef xmlns:dgm="http://schemas.openxmlformats.org/drawingml/2006/diagram" xmlns:a="http://schemas.openxmlformats.org/drawingml/2006/main" uniqueId="urn:microsoft.com/office/officeart/2005/8/layout/vList2">
+  <dgm:title val=""/>
+  <dgm:desc val=""/>
+  <dgm:catLst>
+    <dgm:cat type="list" pri="3000"/>
+    <dgm:cat type="convert" pri="1000"/>
+  </dgm:catLst>
+  <dgm:sampData>
+    <dgm:dataModel>
+      <dgm:ptLst>
+        <dgm:pt modelId="0" type="doc"/>
+        <dgm:pt modelId="1">
+          <dgm:prSet phldr="1"/>
+        </dgm:pt>
+        <dgm:pt modelId="11">
+          <dgm:prSet phldr="1"/>
+        </dgm:pt>
+        <dgm:pt modelId="2">
+          <dgm:prSet phldr="1"/>
+        </dgm:pt>
+        <dgm:pt modelId="21">
+          <dgm:prSet phldr="1"/>
+        </dgm:pt>
+      </dgm:ptLst>
+      <dgm:cxnLst>
+        <dgm:cxn modelId="4" srcId="0" destId="1" srcOrd="0" destOrd="0"/>
+        <dgm:cxn modelId="5" srcId="0" destId="2" srcOrd="1" destOrd="0"/>
+        <dgm:cxn modelId="12" srcId="1" destId="11" srcOrd="0" destOrd="0"/>
+        <dgm:cxn modelId="23" srcId="2" destId="21" srcOrd="0" destOrd="0"/>
+      </dgm:cxnLst>
+      <dgm:bg/>
+      <dgm:whole/>
+    </dgm:dataModel>
+  </dgm:sampData>
+  <dgm:styleData>
+    <dgm:dataModel>
+      <dgm:ptLst>
+        <dgm:pt modelId="0" type="doc"/>
+        <dgm:pt modelId="1"/>
+        <dgm:pt modelId="2"/>
+      </dgm:ptLst>
+      <dgm:cxnLst>
+        <dgm:cxn modelId="3" srcId="0" destId="1" srcOrd="0" destOrd="0"/>
+        <dgm:cxn modelId="4" srcId="0" destId="2" srcOrd="1" destOrd="0"/>
+      </dgm:cxnLst>
+      <dgm:bg/>
+      <dgm:whole/>
+    </dgm:dataModel>
+  </dgm:styleData>
+  <dgm:clrData>
+    <dgm:dataModel>
+      <dgm:ptLst>
+        <dgm:pt modelId="0" type="doc"/>
+        <dgm:pt modelId="1"/>
+        <dgm:pt modelId="2"/>
+        <dgm:pt modelId="3"/>
+        <dgm:pt modelId="4"/>
+      </dgm:ptLst>
+      <dgm:cxnLst>
+        <dgm:cxn modelId="5" srcId="0" destId="1" srcOrd="0" destOrd="0"/>
+        <dgm:cxn modelId="6" srcId="0" destId="2" srcOrd="1" destOrd="0"/>
+        <dgm:cxn modelId="7" srcId="0" destId="3" srcOrd="2" destOrd="0"/>
+        <dgm:cxn modelId="8" srcId="0" destId="4" srcOrd="3" destOrd="0"/>
+      </dgm:cxnLst>
+      <dgm:bg/>
+      <dgm:whole/>
+    </dgm:dataModel>
+  </dgm:clrData>
+  <dgm:layoutNode name="linear">
+    <dgm:varLst>
+      <dgm:animLvl val="lvl"/>
+      <dgm:resizeHandles val="exact"/>
+    </dgm:varLst>
+    <dgm:alg type="lin">
+      <dgm:param type="linDir" val="fromT"/>
+      <dgm:param type="vertAlign" val="mid"/>
+    </dgm:alg>
+    <dgm:shape xmlns:r="http://schemas.openxmlformats.org/officeDocument/2006/relationships" r:blip="">
+      <dgm:adjLst/>
+    </dgm:shape>
+    <dgm:presOf/>
+    <dgm:constrLst>
+      <dgm:constr type="w" for="ch" forName="parentText" refType="w"/>
+      <dgm:constr type="h" for="ch" forName="parentText" refType="primFontSz" refFor="ch" refForName="parentText" fact="0.52"/>
+      <dgm:constr type="w" for="ch" forName="childText" refType="w"/>
+      <dgm:constr type="h" for="ch" forName="childText" refType="primFontSz" refFor="ch" refForName="parentText" fact="0.46"/>
+      <dgm:constr type="h" for="ch" forName="parentText" op="equ"/>
+      <dgm:constr type="primFontSz" for="ch" forName="parentText" op="equ" val="65"/>
+      <dgm:constr type="primFontSz" for="ch" forName="childText" refType="primFontSz" refFor="ch" refForName="parentText" op="equ"/>
+      <dgm:constr type="h" for="ch" forName="spacer" refType="primFontSz" refFor="ch" refForName="parentText" fact="0.08"/>
+    </dgm:constrLst>
+    <dgm:ruleLst>
+      <dgm:rule type="primFontSz" for="ch" forName="parentText" val="5" fact="NaN" max="NaN"/>
+    </dgm:ruleLst>
+    <dgm:forEach name="Name0" axis="ch" ptType="node">
+      <dgm:layoutNode name="parentText" styleLbl="node1">
+        <dgm:varLst>
+          <dgm:chMax val="0"/>
+          <dgm:bulletEnabled val="1"/>
+        </dgm:varLst>
+        <dgm:alg type="tx">
+          <dgm:param type="parTxLTRAlign" val="l"/>
+          <dgm:param type="parTxRTLAlign" val="r"/>
+        </dgm:alg>
+        <dgm:shape xmlns:r="http://schemas.openxmlformats.org/officeDocument/2006/relationships" type="roundRect" r:blip="">
+          <dgm:adjLst/>
+        </dgm:shape>
+        <dgm:presOf axis="self"/>
+        <dgm:constrLst>
+          <dgm:constr type="tMarg" refType="primFontSz" fact="0.3"/>
+          <dgm:constr type="bMarg" refType="primFontSz" fact="0.3"/>
+          <dgm:constr type="lMarg" refType="primFontSz" fact="0.3"/>
+          <dgm:constr type="rMarg" refType="primFontSz" fact="0.3"/>
+        </dgm:constrLst>
+        <dgm:ruleLst>
+          <dgm:rule type="h" val="INF" fact="NaN" max="NaN"/>
+        </dgm:ruleLst>
+      </dgm:layoutNode>
+      <dgm:choose name="Name1">
+        <dgm:if name="Name2" axis="ch" ptType="node" func="cnt" op="gte" val="1">
+          <dgm:layoutNode name="childText" styleLbl="revTx">
+            <dgm:varLst>
+              <dgm:bulletEnabled val="1"/>
+            </dgm:varLst>
+            <dgm:alg type="tx">
+              <dgm:param type="stBulletLvl" val="1"/>
+              <dgm:param type="lnSpAfChP" val="20"/>
+            </dgm:alg>
+            <dgm:shape xmlns:r="http://schemas.openxmlformats.org/officeDocument/2006/relationships" type="rect" r:blip="">
+              <dgm:adjLst/>
+            </dgm:shape>
+            <dgm:presOf axis="des" ptType="node"/>
+            <dgm:constrLst>
+              <dgm:constr type="tMarg" refType="primFontSz" fact="0.1"/>
+              <dgm:constr type="bMarg" refType="primFontSz" fact="0.1"/>
+              <dgm:constr type="lMarg" refType="w" fact="0.09"/>
+            </dgm:constrLst>
+            <dgm:ruleLst>
+              <dgm:rule type="h" val="INF" fact="NaN" max="NaN"/>
+            </dgm:ruleLst>
+          </dgm:layoutNode>
+        </dgm:if>
+        <dgm:else name="Name3">
+          <dgm:choose name="Name4">
+            <dgm:if name="Name5" axis="par ch" ptType="doc node" func="cnt" op="gte" val="2">
+              <dgm:forEach name="Name6" axis="followSib" ptType="sibTrans" cnt="1">
+                <dgm:layoutNode name="spacer">
+                  <dgm:alg type="sp"/>
+                  <dgm:shape xmlns:r="http://schemas.openxmlformats.org/officeDocument/2006/relationships" r:blip="">
+                    <dgm:adjLst/>
+                  </dgm:shape>
+                  <dgm:presOf/>
+                  <dgm:constrLst/>
+                  <dgm:ruleLst/>
+                </dgm:layoutNode>
+              </dgm:forEach>
+            </dgm:if>
+            <dgm:else name="Name7"/>
+          </dgm:choose>
+        </dgm:else>
+      </dgm:choose>
+    </dgm:forEach>
+  </dgm:layoutNode>
+</dgm:layoutDef>
+</file>
+
+<file path=ppt/diagrams/layout5.xml><?xml version="1.0" encoding="utf-8"?>
+<dgm:layoutDef xmlns:dgm="http://schemas.openxmlformats.org/drawingml/2006/diagram" xmlns:a="http://schemas.openxmlformats.org/drawingml/2006/main" uniqueId="urn:microsoft.com/office/officeart/2005/8/layout/vList2">
+  <dgm:title val=""/>
+  <dgm:desc val=""/>
+  <dgm:catLst>
+    <dgm:cat type="list" pri="3000"/>
+    <dgm:cat type="convert" pri="1000"/>
+  </dgm:catLst>
+  <dgm:sampData>
+    <dgm:dataModel>
+      <dgm:ptLst>
+        <dgm:pt modelId="0" type="doc"/>
+        <dgm:pt modelId="1">
+          <dgm:prSet phldr="1"/>
+        </dgm:pt>
+        <dgm:pt modelId="11">
+          <dgm:prSet phldr="1"/>
+        </dgm:pt>
+        <dgm:pt modelId="2">
+          <dgm:prSet phldr="1"/>
+        </dgm:pt>
+        <dgm:pt modelId="21">
+          <dgm:prSet phldr="1"/>
+        </dgm:pt>
+      </dgm:ptLst>
+      <dgm:cxnLst>
+        <dgm:cxn modelId="4" srcId="0" destId="1" srcOrd="0" destOrd="0"/>
+        <dgm:cxn modelId="5" srcId="0" destId="2" srcOrd="1" destOrd="0"/>
+        <dgm:cxn modelId="12" srcId="1" destId="11" srcOrd="0" destOrd="0"/>
+        <dgm:cxn modelId="23" srcId="2" destId="21" srcOrd="0" destOrd="0"/>
+      </dgm:cxnLst>
+      <dgm:bg/>
+      <dgm:whole/>
+    </dgm:dataModel>
+  </dgm:sampData>
+  <dgm:styleData>
+    <dgm:dataModel>
+      <dgm:ptLst>
+        <dgm:pt modelId="0" type="doc"/>
+        <dgm:pt modelId="1"/>
+        <dgm:pt modelId="2"/>
+      </dgm:ptLst>
+      <dgm:cxnLst>
+        <dgm:cxn modelId="3" srcId="0" destId="1" srcOrd="0" destOrd="0"/>
+        <dgm:cxn modelId="4" srcId="0" destId="2" srcOrd="1" destOrd="0"/>
+      </dgm:cxnLst>
+      <dgm:bg/>
+      <dgm:whole/>
+    </dgm:dataModel>
+  </dgm:styleData>
+  <dgm:clrData>
+    <dgm:dataModel>
+      <dgm:ptLst>
+        <dgm:pt modelId="0" type="doc"/>
+        <dgm:pt modelId="1"/>
+        <dgm:pt modelId="2"/>
+        <dgm:pt modelId="3"/>
+        <dgm:pt modelId="4"/>
+      </dgm:ptLst>
+      <dgm:cxnLst>
+        <dgm:cxn modelId="5" srcId="0" destId="1" srcOrd="0" destOrd="0"/>
+        <dgm:cxn modelId="6" srcId="0" destId="2" srcOrd="1" destOrd="0"/>
+        <dgm:cxn modelId="7" srcId="0" destId="3" srcOrd="2" destOrd="0"/>
+        <dgm:cxn modelId="8" srcId="0" destId="4" srcOrd="3" destOrd="0"/>
+      </dgm:cxnLst>
+      <dgm:bg/>
+      <dgm:whole/>
+    </dgm:dataModel>
+  </dgm:clrData>
+  <dgm:layoutNode name="linear">
+    <dgm:varLst>
+      <dgm:animLvl val="lvl"/>
+      <dgm:resizeHandles val="exact"/>
+    </dgm:varLst>
+    <dgm:alg type="lin">
+      <dgm:param type="linDir" val="fromT"/>
+      <dgm:param type="vertAlign" val="mid"/>
+    </dgm:alg>
+    <dgm:shape xmlns:r="http://schemas.openxmlformats.org/officeDocument/2006/relationships" r:blip="">
+      <dgm:adjLst/>
+    </dgm:shape>
+    <dgm:presOf/>
+    <dgm:constrLst>
+      <dgm:constr type="w" for="ch" forName="parentText" refType="w"/>
+      <dgm:constr type="h" for="ch" forName="parentText" refType="primFontSz" refFor="ch" refForName="parentText" fact="0.52"/>
+      <dgm:constr type="w" for="ch" forName="childText" refType="w"/>
+      <dgm:constr type="h" for="ch" forName="childText" refType="primFontSz" refFor="ch" refForName="parentText" fact="0.46"/>
+      <dgm:constr type="h" for="ch" forName="parentText" op="equ"/>
+      <dgm:constr type="primFontSz" for="ch" forName="parentText" op="equ" val="65"/>
+      <dgm:constr type="primFontSz" for="ch" forName="childText" refType="primFontSz" refFor="ch" refForName="parentText" op="equ"/>
+      <dgm:constr type="h" for="ch" forName="spacer" refType="primFontSz" refFor="ch" refForName="parentText" fact="0.08"/>
+    </dgm:constrLst>
+    <dgm:ruleLst>
+      <dgm:rule type="primFontSz" for="ch" forName="parentText" val="5" fact="NaN" max="NaN"/>
+    </dgm:ruleLst>
+    <dgm:forEach name="Name0" axis="ch" ptType="node">
+      <dgm:layoutNode name="parentText" styleLbl="node1">
+        <dgm:varLst>
+          <dgm:chMax val="0"/>
+          <dgm:bulletEnabled val="1"/>
+        </dgm:varLst>
+        <dgm:alg type="tx">
+          <dgm:param type="parTxLTRAlign" val="l"/>
+          <dgm:param type="parTxRTLAlign" val="r"/>
+        </dgm:alg>
+        <dgm:shape xmlns:r="http://schemas.openxmlformats.org/officeDocument/2006/relationships" type="roundRect" r:blip="">
+          <dgm:adjLst/>
+        </dgm:shape>
+        <dgm:presOf axis="self"/>
+        <dgm:constrLst>
+          <dgm:constr type="tMarg" refType="primFontSz" fact="0.3"/>
+          <dgm:constr type="bMarg" refType="primFontSz" fact="0.3"/>
+          <dgm:constr type="lMarg" refType="primFontSz" fact="0.3"/>
+          <dgm:constr type="rMarg" refType="primFontSz" fact="0.3"/>
+        </dgm:constrLst>
+        <dgm:ruleLst>
+          <dgm:rule type="h" val="INF" fact="NaN" max="NaN"/>
+        </dgm:ruleLst>
+      </dgm:layoutNode>
+      <dgm:choose name="Name1">
+        <dgm:if name="Name2" axis="ch" ptType="node" func="cnt" op="gte" val="1">
+          <dgm:layoutNode name="childText" styleLbl="revTx">
+            <dgm:varLst>
+              <dgm:bulletEnabled val="1"/>
+            </dgm:varLst>
+            <dgm:alg type="tx">
+              <dgm:param type="stBulletLvl" val="1"/>
+              <dgm:param type="lnSpAfChP" val="20"/>
+            </dgm:alg>
+            <dgm:shape xmlns:r="http://schemas.openxmlformats.org/officeDocument/2006/relationships" type="rect" r:blip="">
+              <dgm:adjLst/>
+            </dgm:shape>
+            <dgm:presOf axis="des" ptType="node"/>
+            <dgm:constrLst>
+              <dgm:constr type="tMarg" refType="primFontSz" fact="0.1"/>
+              <dgm:constr type="bMarg" refType="primFontSz" fact="0.1"/>
+              <dgm:constr type="lMarg" refType="w" fact="0.09"/>
+            </dgm:constrLst>
+            <dgm:ruleLst>
+              <dgm:rule type="h" val="INF" fact="NaN" max="NaN"/>
+            </dgm:ruleLst>
+          </dgm:layoutNode>
+        </dgm:if>
+        <dgm:else name="Name3">
+          <dgm:choose name="Name4">
+            <dgm:if name="Name5" axis="par ch" ptType="doc node" func="cnt" op="gte" val="2">
+              <dgm:forEach name="Name6" axis="followSib" ptType="sibTrans" cnt="1">
+                <dgm:layoutNode name="spacer">
+                  <dgm:alg type="sp"/>
+                  <dgm:shape xmlns:r="http://schemas.openxmlformats.org/officeDocument/2006/relationships" r:blip="">
+                    <dgm:adjLst/>
+                  </dgm:shape>
+                  <dgm:presOf/>
+                  <dgm:constrLst/>
+                  <dgm:ruleLst/>
+                </dgm:layoutNode>
+              </dgm:forEach>
+            </dgm:if>
+            <dgm:else name="Name7"/>
+          </dgm:choose>
+        </dgm:else>
+      </dgm:choose>
+    </dgm:forEach>
+  </dgm:layoutNode>
+</dgm:layoutDef>
+</file>
+
 <file path=ppt/diagrams/quickStyle1.xml><?xml version="1.0" encoding="utf-8"?>
 <dgm:styleDef xmlns:dgm="http://schemas.openxmlformats.org/drawingml/2006/diagram" xmlns:a="http://schemas.openxmlformats.org/drawingml/2006/main" uniqueId="urn:microsoft.com/office/officeart/2005/8/quickstyle/simple1">
   <dgm:title val=""/>
@@ -8926,6 +13312,2074 @@
 </file>
 
 <file path=ppt/diagrams/quickStyle3.xml><?xml version="1.0" encoding="utf-8"?>
+<dgm:styleDef xmlns:dgm="http://schemas.openxmlformats.org/drawingml/2006/diagram" xmlns:a="http://schemas.openxmlformats.org/drawingml/2006/main" uniqueId="urn:microsoft.com/office/officeart/2005/8/quickstyle/simple1">
+  <dgm:title val=""/>
+  <dgm:desc val=""/>
+  <dgm:catLst>
+    <dgm:cat type="simple" pri="10100"/>
+  </dgm:catLst>
+  <dgm:scene3d>
+    <a:camera prst="orthographicFront"/>
+    <a:lightRig rig="threePt" dir="t"/>
+  </dgm:scene3d>
+  <dgm:styleLbl name="node0">
+    <dgm:scene3d>
+      <a:camera prst="orthographicFront"/>
+      <a:lightRig rig="threePt" dir="t"/>
+    </dgm:scene3d>
+    <dgm:sp3d/>
+    <dgm:txPr/>
+    <dgm:style>
+      <a:lnRef idx="2">
+        <a:scrgbClr r="0" g="0" b="0"/>
+      </a:lnRef>
+      <a:fillRef idx="1">
+        <a:scrgbClr r="0" g="0" b="0"/>
+      </a:fillRef>
+      <a:effectRef idx="0">
+        <a:scrgbClr r="0" g="0" b="0"/>
+      </a:effectRef>
+      <a:fontRef idx="minor">
+        <a:schemeClr val="lt1"/>
+      </a:fontRef>
+    </dgm:style>
+  </dgm:styleLbl>
+  <dgm:styleLbl name="lnNode1">
+    <dgm:scene3d>
+      <a:camera prst="orthographicFront"/>
+      <a:lightRig rig="threePt" dir="t"/>
+    </dgm:scene3d>
+    <dgm:sp3d/>
+    <dgm:txPr/>
+    <dgm:style>
+      <a:lnRef idx="2">
+        <a:scrgbClr r="0" g="0" b="0"/>
+      </a:lnRef>
+      <a:fillRef idx="1">
+        <a:scrgbClr r="0" g="0" b="0"/>
+      </a:fillRef>
+      <a:effectRef idx="0">
+        <a:scrgbClr r="0" g="0" b="0"/>
+      </a:effectRef>
+      <a:fontRef idx="minor">
+        <a:schemeClr val="lt1"/>
+      </a:fontRef>
+    </dgm:style>
+  </dgm:styleLbl>
+  <dgm:styleLbl name="vennNode1">
+    <dgm:scene3d>
+      <a:camera prst="orthographicFront"/>
+      <a:lightRig rig="threePt" dir="t"/>
+    </dgm:scene3d>
+    <dgm:sp3d/>
+    <dgm:txPr/>
+    <dgm:style>
+      <a:lnRef idx="2">
+        <a:scrgbClr r="0" g="0" b="0"/>
+      </a:lnRef>
+      <a:fillRef idx="1">
+        <a:scrgbClr r="0" g="0" b="0"/>
+      </a:fillRef>
+      <a:effectRef idx="0">
+        <a:scrgbClr r="0" g="0" b="0"/>
+      </a:effectRef>
+      <a:fontRef idx="minor">
+        <a:schemeClr val="tx1"/>
+      </a:fontRef>
+    </dgm:style>
+  </dgm:styleLbl>
+  <dgm:styleLbl name="alignNode1">
+    <dgm:scene3d>
+      <a:camera prst="orthographicFront"/>
+      <a:lightRig rig="threePt" dir="t"/>
+    </dgm:scene3d>
+    <dgm:sp3d/>
+    <dgm:txPr/>
+    <dgm:style>
+      <a:lnRef idx="2">
+        <a:scrgbClr r="0" g="0" b="0"/>
+      </a:lnRef>
+      <a:fillRef idx="1">
+        <a:scrgbClr r="0" g="0" b="0"/>
+      </a:fillRef>
+      <a:effectRef idx="0">
+        <a:scrgbClr r="0" g="0" b="0"/>
+      </a:effectRef>
+      <a:fontRef idx="minor">
+        <a:schemeClr val="lt1"/>
+      </a:fontRef>
+    </dgm:style>
+  </dgm:styleLbl>
+  <dgm:styleLbl name="node1">
+    <dgm:scene3d>
+      <a:camera prst="orthographicFront"/>
+      <a:lightRig rig="threePt" dir="t"/>
+    </dgm:scene3d>
+    <dgm:sp3d/>
+    <dgm:txPr/>
+    <dgm:style>
+      <a:lnRef idx="2">
+        <a:scrgbClr r="0" g="0" b="0"/>
+      </a:lnRef>
+      <a:fillRef idx="1">
+        <a:scrgbClr r="0" g="0" b="0"/>
+      </a:fillRef>
+      <a:effectRef idx="0">
+        <a:scrgbClr r="0" g="0" b="0"/>
+      </a:effectRef>
+      <a:fontRef idx="minor">
+        <a:schemeClr val="lt1"/>
+      </a:fontRef>
+    </dgm:style>
+  </dgm:styleLbl>
+  <dgm:styleLbl name="node2">
+    <dgm:scene3d>
+      <a:camera prst="orthographicFront"/>
+      <a:lightRig rig="threePt" dir="t"/>
+    </dgm:scene3d>
+    <dgm:sp3d/>
+    <dgm:txPr/>
+    <dgm:style>
+      <a:lnRef idx="2">
+        <a:scrgbClr r="0" g="0" b="0"/>
+      </a:lnRef>
+      <a:fillRef idx="1">
+        <a:scrgbClr r="0" g="0" b="0"/>
+      </a:fillRef>
+      <a:effectRef idx="0">
+        <a:scrgbClr r="0" g="0" b="0"/>
+      </a:effectRef>
+      <a:fontRef idx="minor">
+        <a:schemeClr val="lt1"/>
+      </a:fontRef>
+    </dgm:style>
+  </dgm:styleLbl>
+  <dgm:styleLbl name="node3">
+    <dgm:scene3d>
+      <a:camera prst="orthographicFront"/>
+      <a:lightRig rig="threePt" dir="t"/>
+    </dgm:scene3d>
+    <dgm:sp3d/>
+    <dgm:txPr/>
+    <dgm:style>
+      <a:lnRef idx="2">
+        <a:scrgbClr r="0" g="0" b="0"/>
+      </a:lnRef>
+      <a:fillRef idx="1">
+        <a:scrgbClr r="0" g="0" b="0"/>
+      </a:fillRef>
+      <a:effectRef idx="0">
+        <a:scrgbClr r="0" g="0" b="0"/>
+      </a:effectRef>
+      <a:fontRef idx="minor">
+        <a:schemeClr val="lt1"/>
+      </a:fontRef>
+    </dgm:style>
+  </dgm:styleLbl>
+  <dgm:styleLbl name="node4">
+    <dgm:scene3d>
+      <a:camera prst="orthographicFront"/>
+      <a:lightRig rig="threePt" dir="t"/>
+    </dgm:scene3d>
+    <dgm:sp3d/>
+    <dgm:txPr/>
+    <dgm:style>
+      <a:lnRef idx="2">
+        <a:scrgbClr r="0" g="0" b="0"/>
+      </a:lnRef>
+      <a:fillRef idx="1">
+        <a:scrgbClr r="0" g="0" b="0"/>
+      </a:fillRef>
+      <a:effectRef idx="0">
+        <a:scrgbClr r="0" g="0" b="0"/>
+      </a:effectRef>
+      <a:fontRef idx="minor">
+        <a:schemeClr val="lt1"/>
+      </a:fontRef>
+    </dgm:style>
+  </dgm:styleLbl>
+  <dgm:styleLbl name="fgImgPlace1">
+    <dgm:scene3d>
+      <a:camera prst="orthographicFront"/>
+      <a:lightRig rig="threePt" dir="t"/>
+    </dgm:scene3d>
+    <dgm:sp3d/>
+    <dgm:txPr/>
+    <dgm:style>
+      <a:lnRef idx="2">
+        <a:scrgbClr r="0" g="0" b="0"/>
+      </a:lnRef>
+      <a:fillRef idx="1">
+        <a:scrgbClr r="0" g="0" b="0"/>
+      </a:fillRef>
+      <a:effectRef idx="0">
+        <a:scrgbClr r="0" g="0" b="0"/>
+      </a:effectRef>
+      <a:fontRef idx="minor"/>
+    </dgm:style>
+  </dgm:styleLbl>
+  <dgm:styleLbl name="alignImgPlace1">
+    <dgm:scene3d>
+      <a:camera prst="orthographicFront"/>
+      <a:lightRig rig="threePt" dir="t"/>
+    </dgm:scene3d>
+    <dgm:sp3d/>
+    <dgm:txPr/>
+    <dgm:style>
+      <a:lnRef idx="2">
+        <a:scrgbClr r="0" g="0" b="0"/>
+      </a:lnRef>
+      <a:fillRef idx="1">
+        <a:scrgbClr r="0" g="0" b="0"/>
+      </a:fillRef>
+      <a:effectRef idx="0">
+        <a:scrgbClr r="0" g="0" b="0"/>
+      </a:effectRef>
+      <a:fontRef idx="minor"/>
+    </dgm:style>
+  </dgm:styleLbl>
+  <dgm:styleLbl name="bgImgPlace1">
+    <dgm:scene3d>
+      <a:camera prst="orthographicFront"/>
+      <a:lightRig rig="threePt" dir="t"/>
+    </dgm:scene3d>
+    <dgm:sp3d/>
+    <dgm:txPr/>
+    <dgm:style>
+      <a:lnRef idx="2">
+        <a:scrgbClr r="0" g="0" b="0"/>
+      </a:lnRef>
+      <a:fillRef idx="1">
+        <a:scrgbClr r="0" g="0" b="0"/>
+      </a:fillRef>
+      <a:effectRef idx="0">
+        <a:scrgbClr r="0" g="0" b="0"/>
+      </a:effectRef>
+      <a:fontRef idx="minor"/>
+    </dgm:style>
+  </dgm:styleLbl>
+  <dgm:styleLbl name="sibTrans2D1">
+    <dgm:scene3d>
+      <a:camera prst="orthographicFront"/>
+      <a:lightRig rig="threePt" dir="t"/>
+    </dgm:scene3d>
+    <dgm:sp3d/>
+    <dgm:txPr/>
+    <dgm:style>
+      <a:lnRef idx="0">
+        <a:scrgbClr r="0" g="0" b="0"/>
+      </a:lnRef>
+      <a:fillRef idx="1">
+        <a:scrgbClr r="0" g="0" b="0"/>
+      </a:fillRef>
+      <a:effectRef idx="0">
+        <a:scrgbClr r="0" g="0" b="0"/>
+      </a:effectRef>
+      <a:fontRef idx="minor">
+        <a:schemeClr val="lt1"/>
+      </a:fontRef>
+    </dgm:style>
+  </dgm:styleLbl>
+  <dgm:styleLbl name="fgSibTrans2D1">
+    <dgm:scene3d>
+      <a:camera prst="orthographicFront"/>
+      <a:lightRig rig="threePt" dir="t"/>
+    </dgm:scene3d>
+    <dgm:sp3d/>
+    <dgm:txPr/>
+    <dgm:style>
+      <a:lnRef idx="0">
+        <a:scrgbClr r="0" g="0" b="0"/>
+      </a:lnRef>
+      <a:fillRef idx="1">
+        <a:scrgbClr r="0" g="0" b="0"/>
+      </a:fillRef>
+      <a:effectRef idx="0">
+        <a:scrgbClr r="0" g="0" b="0"/>
+      </a:effectRef>
+      <a:fontRef idx="minor">
+        <a:schemeClr val="lt1"/>
+      </a:fontRef>
+    </dgm:style>
+  </dgm:styleLbl>
+  <dgm:styleLbl name="bgSibTrans2D1">
+    <dgm:scene3d>
+      <a:camera prst="orthographicFront"/>
+      <a:lightRig rig="threePt" dir="t"/>
+    </dgm:scene3d>
+    <dgm:sp3d/>
+    <dgm:txPr/>
+    <dgm:style>
+      <a:lnRef idx="0">
+        <a:scrgbClr r="0" g="0" b="0"/>
+      </a:lnRef>
+      <a:fillRef idx="1">
+        <a:scrgbClr r="0" g="0" b="0"/>
+      </a:fillRef>
+      <a:effectRef idx="0">
+        <a:scrgbClr r="0" g="0" b="0"/>
+      </a:effectRef>
+      <a:fontRef idx="minor">
+        <a:schemeClr val="lt1"/>
+      </a:fontRef>
+    </dgm:style>
+  </dgm:styleLbl>
+  <dgm:styleLbl name="sibTrans1D1">
+    <dgm:scene3d>
+      <a:camera prst="orthographicFront"/>
+      <a:lightRig rig="threePt" dir="t"/>
+    </dgm:scene3d>
+    <dgm:sp3d/>
+    <dgm:txPr/>
+    <dgm:style>
+      <a:lnRef idx="1">
+        <a:scrgbClr r="0" g="0" b="0"/>
+      </a:lnRef>
+      <a:fillRef idx="0">
+        <a:scrgbClr r="0" g="0" b="0"/>
+      </a:fillRef>
+      <a:effectRef idx="0">
+        <a:scrgbClr r="0" g="0" b="0"/>
+      </a:effectRef>
+      <a:fontRef idx="minor"/>
+    </dgm:style>
+  </dgm:styleLbl>
+  <dgm:styleLbl name="callout">
+    <dgm:scene3d>
+      <a:camera prst="orthographicFront"/>
+      <a:lightRig rig="threePt" dir="t"/>
+    </dgm:scene3d>
+    <dgm:sp3d/>
+    <dgm:txPr/>
+    <dgm:style>
+      <a:lnRef idx="2">
+        <a:scrgbClr r="0" g="0" b="0"/>
+      </a:lnRef>
+      <a:fillRef idx="1">
+        <a:scrgbClr r="0" g="0" b="0"/>
+      </a:fillRef>
+      <a:effectRef idx="0">
+        <a:scrgbClr r="0" g="0" b="0"/>
+      </a:effectRef>
+      <a:fontRef idx="minor"/>
+    </dgm:style>
+  </dgm:styleLbl>
+  <dgm:styleLbl name="asst0">
+    <dgm:scene3d>
+      <a:camera prst="orthographicFront"/>
+      <a:lightRig rig="threePt" dir="t"/>
+    </dgm:scene3d>
+    <dgm:sp3d/>
+    <dgm:txPr/>
+    <dgm:style>
+      <a:lnRef idx="2">
+        <a:scrgbClr r="0" g="0" b="0"/>
+      </a:lnRef>
+      <a:fillRef idx="1">
+        <a:scrgbClr r="0" g="0" b="0"/>
+      </a:fillRef>
+      <a:effectRef idx="0">
+        <a:scrgbClr r="0" g="0" b="0"/>
+      </a:effectRef>
+      <a:fontRef idx="minor">
+        <a:schemeClr val="lt1"/>
+      </a:fontRef>
+    </dgm:style>
+  </dgm:styleLbl>
+  <dgm:styleLbl name="asst1">
+    <dgm:scene3d>
+      <a:camera prst="orthographicFront"/>
+      <a:lightRig rig="threePt" dir="t"/>
+    </dgm:scene3d>
+    <dgm:sp3d/>
+    <dgm:txPr/>
+    <dgm:style>
+      <a:lnRef idx="2">
+        <a:scrgbClr r="0" g="0" b="0"/>
+      </a:lnRef>
+      <a:fillRef idx="1">
+        <a:scrgbClr r="0" g="0" b="0"/>
+      </a:fillRef>
+      <a:effectRef idx="0">
+        <a:scrgbClr r="0" g="0" b="0"/>
+      </a:effectRef>
+      <a:fontRef idx="minor">
+        <a:schemeClr val="lt1"/>
+      </a:fontRef>
+    </dgm:style>
+  </dgm:styleLbl>
+  <dgm:styleLbl name="asst2">
+    <dgm:scene3d>
+      <a:camera prst="orthographicFront"/>
+      <a:lightRig rig="threePt" dir="t"/>
+    </dgm:scene3d>
+    <dgm:sp3d/>
+    <dgm:txPr/>
+    <dgm:style>
+      <a:lnRef idx="2">
+        <a:scrgbClr r="0" g="0" b="0"/>
+      </a:lnRef>
+      <a:fillRef idx="1">
+        <a:scrgbClr r="0" g="0" b="0"/>
+      </a:fillRef>
+      <a:effectRef idx="0">
+        <a:scrgbClr r="0" g="0" b="0"/>
+      </a:effectRef>
+      <a:fontRef idx="minor">
+        <a:schemeClr val="lt1"/>
+      </a:fontRef>
+    </dgm:style>
+  </dgm:styleLbl>
+  <dgm:styleLbl name="asst3">
+    <dgm:scene3d>
+      <a:camera prst="orthographicFront"/>
+      <a:lightRig rig="threePt" dir="t"/>
+    </dgm:scene3d>
+    <dgm:sp3d/>
+    <dgm:txPr/>
+    <dgm:style>
+      <a:lnRef idx="2">
+        <a:scrgbClr r="0" g="0" b="0"/>
+      </a:lnRef>
+      <a:fillRef idx="1">
+        <a:scrgbClr r="0" g="0" b="0"/>
+      </a:fillRef>
+      <a:effectRef idx="0">
+        <a:scrgbClr r="0" g="0" b="0"/>
+      </a:effectRef>
+      <a:fontRef idx="minor">
+        <a:schemeClr val="lt1"/>
+      </a:fontRef>
+    </dgm:style>
+  </dgm:styleLbl>
+  <dgm:styleLbl name="asst4">
+    <dgm:scene3d>
+      <a:camera prst="orthographicFront"/>
+      <a:lightRig rig="threePt" dir="t"/>
+    </dgm:scene3d>
+    <dgm:sp3d/>
+    <dgm:txPr/>
+    <dgm:style>
+      <a:lnRef idx="2">
+        <a:scrgbClr r="0" g="0" b="0"/>
+      </a:lnRef>
+      <a:fillRef idx="1">
+        <a:scrgbClr r="0" g="0" b="0"/>
+      </a:fillRef>
+      <a:effectRef idx="0">
+        <a:scrgbClr r="0" g="0" b="0"/>
+      </a:effectRef>
+      <a:fontRef idx="minor">
+        <a:schemeClr val="lt1"/>
+      </a:fontRef>
+    </dgm:style>
+  </dgm:styleLbl>
+  <dgm:styleLbl name="parChTrans2D1">
+    <dgm:scene3d>
+      <a:camera prst="orthographicFront"/>
+      <a:lightRig rig="threePt" dir="t"/>
+    </dgm:scene3d>
+    <dgm:sp3d/>
+    <dgm:txPr/>
+    <dgm:style>
+      <a:lnRef idx="2">
+        <a:scrgbClr r="0" g="0" b="0"/>
+      </a:lnRef>
+      <a:fillRef idx="1">
+        <a:scrgbClr r="0" g="0" b="0"/>
+      </a:fillRef>
+      <a:effectRef idx="0">
+        <a:scrgbClr r="0" g="0" b="0"/>
+      </a:effectRef>
+      <a:fontRef idx="minor">
+        <a:schemeClr val="lt1"/>
+      </a:fontRef>
+    </dgm:style>
+  </dgm:styleLbl>
+  <dgm:styleLbl name="parChTrans2D2">
+    <dgm:scene3d>
+      <a:camera prst="orthographicFront"/>
+      <a:lightRig rig="threePt" dir="t"/>
+    </dgm:scene3d>
+    <dgm:sp3d/>
+    <dgm:txPr/>
+    <dgm:style>
+      <a:lnRef idx="2">
+        <a:scrgbClr r="0" g="0" b="0"/>
+      </a:lnRef>
+      <a:fillRef idx="1">
+        <a:scrgbClr r="0" g="0" b="0"/>
+      </a:fillRef>
+      <a:effectRef idx="0">
+        <a:scrgbClr r="0" g="0" b="0"/>
+      </a:effectRef>
+      <a:fontRef idx="minor">
+        <a:schemeClr val="lt1"/>
+      </a:fontRef>
+    </dgm:style>
+  </dgm:styleLbl>
+  <dgm:styleLbl name="parChTrans2D3">
+    <dgm:scene3d>
+      <a:camera prst="orthographicFront"/>
+      <a:lightRig rig="threePt" dir="t"/>
+    </dgm:scene3d>
+    <dgm:sp3d/>
+    <dgm:txPr/>
+    <dgm:style>
+      <a:lnRef idx="2">
+        <a:scrgbClr r="0" g="0" b="0"/>
+      </a:lnRef>
+      <a:fillRef idx="1">
+        <a:scrgbClr r="0" g="0" b="0"/>
+      </a:fillRef>
+      <a:effectRef idx="0">
+        <a:scrgbClr r="0" g="0" b="0"/>
+      </a:effectRef>
+      <a:fontRef idx="minor">
+        <a:schemeClr val="lt1"/>
+      </a:fontRef>
+    </dgm:style>
+  </dgm:styleLbl>
+  <dgm:styleLbl name="parChTrans2D4">
+    <dgm:scene3d>
+      <a:camera prst="orthographicFront"/>
+      <a:lightRig rig="threePt" dir="t"/>
+    </dgm:scene3d>
+    <dgm:sp3d/>
+    <dgm:txPr/>
+    <dgm:style>
+      <a:lnRef idx="2">
+        <a:scrgbClr r="0" g="0" b="0"/>
+      </a:lnRef>
+      <a:fillRef idx="1">
+        <a:scrgbClr r="0" g="0" b="0"/>
+      </a:fillRef>
+      <a:effectRef idx="0">
+        <a:scrgbClr r="0" g="0" b="0"/>
+      </a:effectRef>
+      <a:fontRef idx="minor">
+        <a:schemeClr val="lt1"/>
+      </a:fontRef>
+    </dgm:style>
+  </dgm:styleLbl>
+  <dgm:styleLbl name="parChTrans1D1">
+    <dgm:scene3d>
+      <a:camera prst="orthographicFront"/>
+      <a:lightRig rig="threePt" dir="t"/>
+    </dgm:scene3d>
+    <dgm:sp3d/>
+    <dgm:txPr/>
+    <dgm:style>
+      <a:lnRef idx="2">
+        <a:scrgbClr r="0" g="0" b="0"/>
+      </a:lnRef>
+      <a:fillRef idx="0">
+        <a:scrgbClr r="0" g="0" b="0"/>
+      </a:fillRef>
+      <a:effectRef idx="0">
+        <a:scrgbClr r="0" g="0" b="0"/>
+      </a:effectRef>
+      <a:fontRef idx="minor"/>
+    </dgm:style>
+  </dgm:styleLbl>
+  <dgm:styleLbl name="parChTrans1D2">
+    <dgm:scene3d>
+      <a:camera prst="orthographicFront"/>
+      <a:lightRig rig="threePt" dir="t"/>
+    </dgm:scene3d>
+    <dgm:sp3d/>
+    <dgm:txPr/>
+    <dgm:style>
+      <a:lnRef idx="2">
+        <a:scrgbClr r="0" g="0" b="0"/>
+      </a:lnRef>
+      <a:fillRef idx="0">
+        <a:scrgbClr r="0" g="0" b="0"/>
+      </a:fillRef>
+      <a:effectRef idx="0">
+        <a:scrgbClr r="0" g="0" b="0"/>
+      </a:effectRef>
+      <a:fontRef idx="minor"/>
+    </dgm:style>
+  </dgm:styleLbl>
+  <dgm:styleLbl name="parChTrans1D3">
+    <dgm:scene3d>
+      <a:camera prst="orthographicFront"/>
+      <a:lightRig rig="threePt" dir="t"/>
+    </dgm:scene3d>
+    <dgm:sp3d/>
+    <dgm:txPr/>
+    <dgm:style>
+      <a:lnRef idx="2">
+        <a:scrgbClr r="0" g="0" b="0"/>
+      </a:lnRef>
+      <a:fillRef idx="0">
+        <a:scrgbClr r="0" g="0" b="0"/>
+      </a:fillRef>
+      <a:effectRef idx="0">
+        <a:scrgbClr r="0" g="0" b="0"/>
+      </a:effectRef>
+      <a:fontRef idx="minor"/>
+    </dgm:style>
+  </dgm:styleLbl>
+  <dgm:styleLbl name="parChTrans1D4">
+    <dgm:scene3d>
+      <a:camera prst="orthographicFront"/>
+      <a:lightRig rig="threePt" dir="t"/>
+    </dgm:scene3d>
+    <dgm:sp3d/>
+    <dgm:txPr/>
+    <dgm:style>
+      <a:lnRef idx="2">
+        <a:scrgbClr r="0" g="0" b="0"/>
+      </a:lnRef>
+      <a:fillRef idx="0">
+        <a:scrgbClr r="0" g="0" b="0"/>
+      </a:fillRef>
+      <a:effectRef idx="0">
+        <a:scrgbClr r="0" g="0" b="0"/>
+      </a:effectRef>
+      <a:fontRef idx="minor"/>
+    </dgm:style>
+  </dgm:styleLbl>
+  <dgm:styleLbl name="fgAcc1">
+    <dgm:scene3d>
+      <a:camera prst="orthographicFront"/>
+      <a:lightRig rig="threePt" dir="t"/>
+    </dgm:scene3d>
+    <dgm:sp3d/>
+    <dgm:txPr/>
+    <dgm:style>
+      <a:lnRef idx="2">
+        <a:scrgbClr r="0" g="0" b="0"/>
+      </a:lnRef>
+      <a:fillRef idx="1">
+        <a:scrgbClr r="0" g="0" b="0"/>
+      </a:fillRef>
+      <a:effectRef idx="0">
+        <a:scrgbClr r="0" g="0" b="0"/>
+      </a:effectRef>
+      <a:fontRef idx="minor"/>
+    </dgm:style>
+  </dgm:styleLbl>
+  <dgm:styleLbl name="conFgAcc1">
+    <dgm:scene3d>
+      <a:camera prst="orthographicFront"/>
+      <a:lightRig rig="threePt" dir="t"/>
+    </dgm:scene3d>
+    <dgm:sp3d/>
+    <dgm:txPr/>
+    <dgm:style>
+      <a:lnRef idx="2">
+        <a:scrgbClr r="0" g="0" b="0"/>
+      </a:lnRef>
+      <a:fillRef idx="1">
+        <a:scrgbClr r="0" g="0" b="0"/>
+      </a:fillRef>
+      <a:effectRef idx="0">
+        <a:scrgbClr r="0" g="0" b="0"/>
+      </a:effectRef>
+      <a:fontRef idx="minor"/>
+    </dgm:style>
+  </dgm:styleLbl>
+  <dgm:styleLbl name="alignAcc1">
+    <dgm:scene3d>
+      <a:camera prst="orthographicFront"/>
+      <a:lightRig rig="threePt" dir="t"/>
+    </dgm:scene3d>
+    <dgm:sp3d/>
+    <dgm:txPr/>
+    <dgm:style>
+      <a:lnRef idx="2">
+        <a:scrgbClr r="0" g="0" b="0"/>
+      </a:lnRef>
+      <a:fillRef idx="1">
+        <a:scrgbClr r="0" g="0" b="0"/>
+      </a:fillRef>
+      <a:effectRef idx="0">
+        <a:scrgbClr r="0" g="0" b="0"/>
+      </a:effectRef>
+      <a:fontRef idx="minor"/>
+    </dgm:style>
+  </dgm:styleLbl>
+  <dgm:styleLbl name="trAlignAcc1">
+    <dgm:scene3d>
+      <a:camera prst="orthographicFront"/>
+      <a:lightRig rig="threePt" dir="t"/>
+    </dgm:scene3d>
+    <dgm:sp3d/>
+    <dgm:txPr/>
+    <dgm:style>
+      <a:lnRef idx="1">
+        <a:scrgbClr r="0" g="0" b="0"/>
+      </a:lnRef>
+      <a:fillRef idx="1">
+        <a:scrgbClr r="0" g="0" b="0"/>
+      </a:fillRef>
+      <a:effectRef idx="0">
+        <a:scrgbClr r="0" g="0" b="0"/>
+      </a:effectRef>
+      <a:fontRef idx="minor"/>
+    </dgm:style>
+  </dgm:styleLbl>
+  <dgm:styleLbl name="bgAcc1">
+    <dgm:scene3d>
+      <a:camera prst="orthographicFront"/>
+      <a:lightRig rig="threePt" dir="t"/>
+    </dgm:scene3d>
+    <dgm:sp3d/>
+    <dgm:txPr/>
+    <dgm:style>
+      <a:lnRef idx="2">
+        <a:scrgbClr r="0" g="0" b="0"/>
+      </a:lnRef>
+      <a:fillRef idx="1">
+        <a:scrgbClr r="0" g="0" b="0"/>
+      </a:fillRef>
+      <a:effectRef idx="0">
+        <a:scrgbClr r="0" g="0" b="0"/>
+      </a:effectRef>
+      <a:fontRef idx="minor"/>
+    </dgm:style>
+  </dgm:styleLbl>
+  <dgm:styleLbl name="solidFgAcc1">
+    <dgm:scene3d>
+      <a:camera prst="orthographicFront"/>
+      <a:lightRig rig="threePt" dir="t"/>
+    </dgm:scene3d>
+    <dgm:sp3d/>
+    <dgm:txPr/>
+    <dgm:style>
+      <a:lnRef idx="2">
+        <a:scrgbClr r="0" g="0" b="0"/>
+      </a:lnRef>
+      <a:fillRef idx="1">
+        <a:scrgbClr r="0" g="0" b="0"/>
+      </a:fillRef>
+      <a:effectRef idx="0">
+        <a:scrgbClr r="0" g="0" b="0"/>
+      </a:effectRef>
+      <a:fontRef idx="minor"/>
+    </dgm:style>
+  </dgm:styleLbl>
+  <dgm:styleLbl name="solidAlignAcc1">
+    <dgm:scene3d>
+      <a:camera prst="orthographicFront"/>
+      <a:lightRig rig="threePt" dir="t"/>
+    </dgm:scene3d>
+    <dgm:sp3d/>
+    <dgm:txPr/>
+    <dgm:style>
+      <a:lnRef idx="2">
+        <a:scrgbClr r="0" g="0" b="0"/>
+      </a:lnRef>
+      <a:fillRef idx="1">
+        <a:scrgbClr r="0" g="0" b="0"/>
+      </a:fillRef>
+      <a:effectRef idx="0">
+        <a:scrgbClr r="0" g="0" b="0"/>
+      </a:effectRef>
+      <a:fontRef idx="minor"/>
+    </dgm:style>
+  </dgm:styleLbl>
+  <dgm:styleLbl name="solidBgAcc1">
+    <dgm:scene3d>
+      <a:camera prst="orthographicFront"/>
+      <a:lightRig rig="threePt" dir="t"/>
+    </dgm:scene3d>
+    <dgm:sp3d/>
+    <dgm:txPr/>
+    <dgm:style>
+      <a:lnRef idx="2">
+        <a:scrgbClr r="0" g="0" b="0"/>
+      </a:lnRef>
+      <a:fillRef idx="1">
+        <a:scrgbClr r="0" g="0" b="0"/>
+      </a:fillRef>
+      <a:effectRef idx="0">
+        <a:scrgbClr r="0" g="0" b="0"/>
+      </a:effectRef>
+      <a:fontRef idx="minor"/>
+    </dgm:style>
+  </dgm:styleLbl>
+  <dgm:styleLbl name="fgAccFollowNode1">
+    <dgm:scene3d>
+      <a:camera prst="orthographicFront"/>
+      <a:lightRig rig="threePt" dir="t"/>
+    </dgm:scene3d>
+    <dgm:sp3d/>
+    <dgm:txPr/>
+    <dgm:style>
+      <a:lnRef idx="2">
+        <a:scrgbClr r="0" g="0" b="0"/>
+      </a:lnRef>
+      <a:fillRef idx="1">
+        <a:scrgbClr r="0" g="0" b="0"/>
+      </a:fillRef>
+      <a:effectRef idx="0">
+        <a:scrgbClr r="0" g="0" b="0"/>
+      </a:effectRef>
+      <a:fontRef idx="minor"/>
+    </dgm:style>
+  </dgm:styleLbl>
+  <dgm:styleLbl name="alignAccFollowNode1">
+    <dgm:scene3d>
+      <a:camera prst="orthographicFront"/>
+      <a:lightRig rig="threePt" dir="t"/>
+    </dgm:scene3d>
+    <dgm:sp3d/>
+    <dgm:txPr/>
+    <dgm:style>
+      <a:lnRef idx="2">
+        <a:scrgbClr r="0" g="0" b="0"/>
+      </a:lnRef>
+      <a:fillRef idx="1">
+        <a:scrgbClr r="0" g="0" b="0"/>
+      </a:fillRef>
+      <a:effectRef idx="0">
+        <a:scrgbClr r="0" g="0" b="0"/>
+      </a:effectRef>
+      <a:fontRef idx="minor"/>
+    </dgm:style>
+  </dgm:styleLbl>
+  <dgm:styleLbl name="bgAccFollowNode1">
+    <dgm:scene3d>
+      <a:camera prst="orthographicFront"/>
+      <a:lightRig rig="threePt" dir="t"/>
+    </dgm:scene3d>
+    <dgm:sp3d/>
+    <dgm:txPr/>
+    <dgm:style>
+      <a:lnRef idx="2">
+        <a:scrgbClr r="0" g="0" b="0"/>
+      </a:lnRef>
+      <a:fillRef idx="1">
+        <a:scrgbClr r="0" g="0" b="0"/>
+      </a:fillRef>
+      <a:effectRef idx="0">
+        <a:scrgbClr r="0" g="0" b="0"/>
+      </a:effectRef>
+      <a:fontRef idx="minor"/>
+    </dgm:style>
+  </dgm:styleLbl>
+  <dgm:styleLbl name="fgAcc0">
+    <dgm:scene3d>
+      <a:camera prst="orthographicFront"/>
+      <a:lightRig rig="threePt" dir="t"/>
+    </dgm:scene3d>
+    <dgm:sp3d/>
+    <dgm:txPr/>
+    <dgm:style>
+      <a:lnRef idx="2">
+        <a:scrgbClr r="0" g="0" b="0"/>
+      </a:lnRef>
+      <a:fillRef idx="1">
+        <a:scrgbClr r="0" g="0" b="0"/>
+      </a:fillRef>
+      <a:effectRef idx="0">
+        <a:scrgbClr r="0" g="0" b="0"/>
+      </a:effectRef>
+      <a:fontRef idx="minor"/>
+    </dgm:style>
+  </dgm:styleLbl>
+  <dgm:styleLbl name="fgAcc2">
+    <dgm:scene3d>
+      <a:camera prst="orthographicFront"/>
+      <a:lightRig rig="threePt" dir="t"/>
+    </dgm:scene3d>
+    <dgm:sp3d/>
+    <dgm:txPr/>
+    <dgm:style>
+      <a:lnRef idx="2">
+        <a:scrgbClr r="0" g="0" b="0"/>
+      </a:lnRef>
+      <a:fillRef idx="1">
+        <a:scrgbClr r="0" g="0" b="0"/>
+      </a:fillRef>
+      <a:effectRef idx="0">
+        <a:scrgbClr r="0" g="0" b="0"/>
+      </a:effectRef>
+      <a:fontRef idx="minor"/>
+    </dgm:style>
+  </dgm:styleLbl>
+  <dgm:styleLbl name="fgAcc3">
+    <dgm:scene3d>
+      <a:camera prst="orthographicFront"/>
+      <a:lightRig rig="threePt" dir="t"/>
+    </dgm:scene3d>
+    <dgm:sp3d/>
+    <dgm:txPr/>
+    <dgm:style>
+      <a:lnRef idx="2">
+        <a:scrgbClr r="0" g="0" b="0"/>
+      </a:lnRef>
+      <a:fillRef idx="1">
+        <a:scrgbClr r="0" g="0" b="0"/>
+      </a:fillRef>
+      <a:effectRef idx="0">
+        <a:scrgbClr r="0" g="0" b="0"/>
+      </a:effectRef>
+      <a:fontRef idx="minor"/>
+    </dgm:style>
+  </dgm:styleLbl>
+  <dgm:styleLbl name="fgAcc4">
+    <dgm:scene3d>
+      <a:camera prst="orthographicFront"/>
+      <a:lightRig rig="threePt" dir="t"/>
+    </dgm:scene3d>
+    <dgm:sp3d/>
+    <dgm:txPr/>
+    <dgm:style>
+      <a:lnRef idx="2">
+        <a:scrgbClr r="0" g="0" b="0"/>
+      </a:lnRef>
+      <a:fillRef idx="1">
+        <a:scrgbClr r="0" g="0" b="0"/>
+      </a:fillRef>
+      <a:effectRef idx="0">
+        <a:scrgbClr r="0" g="0" b="0"/>
+      </a:effectRef>
+      <a:fontRef idx="minor"/>
+    </dgm:style>
+  </dgm:styleLbl>
+  <dgm:styleLbl name="bgShp">
+    <dgm:scene3d>
+      <a:camera prst="orthographicFront"/>
+      <a:lightRig rig="threePt" dir="t"/>
+    </dgm:scene3d>
+    <dgm:sp3d/>
+    <dgm:txPr/>
+    <dgm:style>
+      <a:lnRef idx="0">
+        <a:scrgbClr r="0" g="0" b="0"/>
+      </a:lnRef>
+      <a:fillRef idx="1">
+        <a:scrgbClr r="0" g="0" b="0"/>
+      </a:fillRef>
+      <a:effectRef idx="0">
+        <a:scrgbClr r="0" g="0" b="0"/>
+      </a:effectRef>
+      <a:fontRef idx="minor"/>
+    </dgm:style>
+  </dgm:styleLbl>
+  <dgm:styleLbl name="dkBgShp">
+    <dgm:scene3d>
+      <a:camera prst="orthographicFront"/>
+      <a:lightRig rig="threePt" dir="t"/>
+    </dgm:scene3d>
+    <dgm:sp3d/>
+    <dgm:txPr/>
+    <dgm:style>
+      <a:lnRef idx="0">
+        <a:scrgbClr r="0" g="0" b="0"/>
+      </a:lnRef>
+      <a:fillRef idx="1">
+        <a:scrgbClr r="0" g="0" b="0"/>
+      </a:fillRef>
+      <a:effectRef idx="0">
+        <a:scrgbClr r="0" g="0" b="0"/>
+      </a:effectRef>
+      <a:fontRef idx="minor"/>
+    </dgm:style>
+  </dgm:styleLbl>
+  <dgm:styleLbl name="trBgShp">
+    <dgm:scene3d>
+      <a:camera prst="orthographicFront"/>
+      <a:lightRig rig="threePt" dir="t"/>
+    </dgm:scene3d>
+    <dgm:sp3d/>
+    <dgm:txPr/>
+    <dgm:style>
+      <a:lnRef idx="0">
+        <a:scrgbClr r="0" g="0" b="0"/>
+      </a:lnRef>
+      <a:fillRef idx="1">
+        <a:scrgbClr r="0" g="0" b="0"/>
+      </a:fillRef>
+      <a:effectRef idx="0">
+        <a:scrgbClr r="0" g="0" b="0"/>
+      </a:effectRef>
+      <a:fontRef idx="minor"/>
+    </dgm:style>
+  </dgm:styleLbl>
+  <dgm:styleLbl name="fgShp">
+    <dgm:scene3d>
+      <a:camera prst="orthographicFront"/>
+      <a:lightRig rig="threePt" dir="t"/>
+    </dgm:scene3d>
+    <dgm:sp3d/>
+    <dgm:txPr/>
+    <dgm:style>
+      <a:lnRef idx="2">
+        <a:scrgbClr r="0" g="0" b="0"/>
+      </a:lnRef>
+      <a:fillRef idx="1">
+        <a:scrgbClr r="0" g="0" b="0"/>
+      </a:fillRef>
+      <a:effectRef idx="0">
+        <a:scrgbClr r="0" g="0" b="0"/>
+      </a:effectRef>
+      <a:fontRef idx="minor"/>
+    </dgm:style>
+  </dgm:styleLbl>
+  <dgm:styleLbl name="revTx">
+    <dgm:scene3d>
+      <a:camera prst="orthographicFront"/>
+      <a:lightRig rig="threePt" dir="t"/>
+    </dgm:scene3d>
+    <dgm:sp3d/>
+    <dgm:txPr/>
+    <dgm:style>
+      <a:lnRef idx="0">
+        <a:scrgbClr r="0" g="0" b="0"/>
+      </a:lnRef>
+      <a:fillRef idx="0">
+        <a:scrgbClr r="0" g="0" b="0"/>
+      </a:fillRef>
+      <a:effectRef idx="0">
+        <a:scrgbClr r="0" g="0" b="0"/>
+      </a:effectRef>
+      <a:fontRef idx="minor"/>
+    </dgm:style>
+  </dgm:styleLbl>
+</dgm:styleDef>
+</file>
+
+<file path=ppt/diagrams/quickStyle4.xml><?xml version="1.0" encoding="utf-8"?>
+<dgm:styleDef xmlns:dgm="http://schemas.openxmlformats.org/drawingml/2006/diagram" xmlns:a="http://schemas.openxmlformats.org/drawingml/2006/main" uniqueId="urn:microsoft.com/office/officeart/2005/8/quickstyle/simple1">
+  <dgm:title val=""/>
+  <dgm:desc val=""/>
+  <dgm:catLst>
+    <dgm:cat type="simple" pri="10100"/>
+  </dgm:catLst>
+  <dgm:scene3d>
+    <a:camera prst="orthographicFront"/>
+    <a:lightRig rig="threePt" dir="t"/>
+  </dgm:scene3d>
+  <dgm:styleLbl name="node0">
+    <dgm:scene3d>
+      <a:camera prst="orthographicFront"/>
+      <a:lightRig rig="threePt" dir="t"/>
+    </dgm:scene3d>
+    <dgm:sp3d/>
+    <dgm:txPr/>
+    <dgm:style>
+      <a:lnRef idx="2">
+        <a:scrgbClr r="0" g="0" b="0"/>
+      </a:lnRef>
+      <a:fillRef idx="1">
+        <a:scrgbClr r="0" g="0" b="0"/>
+      </a:fillRef>
+      <a:effectRef idx="0">
+        <a:scrgbClr r="0" g="0" b="0"/>
+      </a:effectRef>
+      <a:fontRef idx="minor">
+        <a:schemeClr val="lt1"/>
+      </a:fontRef>
+    </dgm:style>
+  </dgm:styleLbl>
+  <dgm:styleLbl name="lnNode1">
+    <dgm:scene3d>
+      <a:camera prst="orthographicFront"/>
+      <a:lightRig rig="threePt" dir="t"/>
+    </dgm:scene3d>
+    <dgm:sp3d/>
+    <dgm:txPr/>
+    <dgm:style>
+      <a:lnRef idx="2">
+        <a:scrgbClr r="0" g="0" b="0"/>
+      </a:lnRef>
+      <a:fillRef idx="1">
+        <a:scrgbClr r="0" g="0" b="0"/>
+      </a:fillRef>
+      <a:effectRef idx="0">
+        <a:scrgbClr r="0" g="0" b="0"/>
+      </a:effectRef>
+      <a:fontRef idx="minor">
+        <a:schemeClr val="lt1"/>
+      </a:fontRef>
+    </dgm:style>
+  </dgm:styleLbl>
+  <dgm:styleLbl name="vennNode1">
+    <dgm:scene3d>
+      <a:camera prst="orthographicFront"/>
+      <a:lightRig rig="threePt" dir="t"/>
+    </dgm:scene3d>
+    <dgm:sp3d/>
+    <dgm:txPr/>
+    <dgm:style>
+      <a:lnRef idx="2">
+        <a:scrgbClr r="0" g="0" b="0"/>
+      </a:lnRef>
+      <a:fillRef idx="1">
+        <a:scrgbClr r="0" g="0" b="0"/>
+      </a:fillRef>
+      <a:effectRef idx="0">
+        <a:scrgbClr r="0" g="0" b="0"/>
+      </a:effectRef>
+      <a:fontRef idx="minor">
+        <a:schemeClr val="tx1"/>
+      </a:fontRef>
+    </dgm:style>
+  </dgm:styleLbl>
+  <dgm:styleLbl name="alignNode1">
+    <dgm:scene3d>
+      <a:camera prst="orthographicFront"/>
+      <a:lightRig rig="threePt" dir="t"/>
+    </dgm:scene3d>
+    <dgm:sp3d/>
+    <dgm:txPr/>
+    <dgm:style>
+      <a:lnRef idx="2">
+        <a:scrgbClr r="0" g="0" b="0"/>
+      </a:lnRef>
+      <a:fillRef idx="1">
+        <a:scrgbClr r="0" g="0" b="0"/>
+      </a:fillRef>
+      <a:effectRef idx="0">
+        <a:scrgbClr r="0" g="0" b="0"/>
+      </a:effectRef>
+      <a:fontRef idx="minor">
+        <a:schemeClr val="lt1"/>
+      </a:fontRef>
+    </dgm:style>
+  </dgm:styleLbl>
+  <dgm:styleLbl name="node1">
+    <dgm:scene3d>
+      <a:camera prst="orthographicFront"/>
+      <a:lightRig rig="threePt" dir="t"/>
+    </dgm:scene3d>
+    <dgm:sp3d/>
+    <dgm:txPr/>
+    <dgm:style>
+      <a:lnRef idx="2">
+        <a:scrgbClr r="0" g="0" b="0"/>
+      </a:lnRef>
+      <a:fillRef idx="1">
+        <a:scrgbClr r="0" g="0" b="0"/>
+      </a:fillRef>
+      <a:effectRef idx="0">
+        <a:scrgbClr r="0" g="0" b="0"/>
+      </a:effectRef>
+      <a:fontRef idx="minor">
+        <a:schemeClr val="lt1"/>
+      </a:fontRef>
+    </dgm:style>
+  </dgm:styleLbl>
+  <dgm:styleLbl name="node2">
+    <dgm:scene3d>
+      <a:camera prst="orthographicFront"/>
+      <a:lightRig rig="threePt" dir="t"/>
+    </dgm:scene3d>
+    <dgm:sp3d/>
+    <dgm:txPr/>
+    <dgm:style>
+      <a:lnRef idx="2">
+        <a:scrgbClr r="0" g="0" b="0"/>
+      </a:lnRef>
+      <a:fillRef idx="1">
+        <a:scrgbClr r="0" g="0" b="0"/>
+      </a:fillRef>
+      <a:effectRef idx="0">
+        <a:scrgbClr r="0" g="0" b="0"/>
+      </a:effectRef>
+      <a:fontRef idx="minor">
+        <a:schemeClr val="lt1"/>
+      </a:fontRef>
+    </dgm:style>
+  </dgm:styleLbl>
+  <dgm:styleLbl name="node3">
+    <dgm:scene3d>
+      <a:camera prst="orthographicFront"/>
+      <a:lightRig rig="threePt" dir="t"/>
+    </dgm:scene3d>
+    <dgm:sp3d/>
+    <dgm:txPr/>
+    <dgm:style>
+      <a:lnRef idx="2">
+        <a:scrgbClr r="0" g="0" b="0"/>
+      </a:lnRef>
+      <a:fillRef idx="1">
+        <a:scrgbClr r="0" g="0" b="0"/>
+      </a:fillRef>
+      <a:effectRef idx="0">
+        <a:scrgbClr r="0" g="0" b="0"/>
+      </a:effectRef>
+      <a:fontRef idx="minor">
+        <a:schemeClr val="lt1"/>
+      </a:fontRef>
+    </dgm:style>
+  </dgm:styleLbl>
+  <dgm:styleLbl name="node4">
+    <dgm:scene3d>
+      <a:camera prst="orthographicFront"/>
+      <a:lightRig rig="threePt" dir="t"/>
+    </dgm:scene3d>
+    <dgm:sp3d/>
+    <dgm:txPr/>
+    <dgm:style>
+      <a:lnRef idx="2">
+        <a:scrgbClr r="0" g="0" b="0"/>
+      </a:lnRef>
+      <a:fillRef idx="1">
+        <a:scrgbClr r="0" g="0" b="0"/>
+      </a:fillRef>
+      <a:effectRef idx="0">
+        <a:scrgbClr r="0" g="0" b="0"/>
+      </a:effectRef>
+      <a:fontRef idx="minor">
+        <a:schemeClr val="lt1"/>
+      </a:fontRef>
+    </dgm:style>
+  </dgm:styleLbl>
+  <dgm:styleLbl name="fgImgPlace1">
+    <dgm:scene3d>
+      <a:camera prst="orthographicFront"/>
+      <a:lightRig rig="threePt" dir="t"/>
+    </dgm:scene3d>
+    <dgm:sp3d/>
+    <dgm:txPr/>
+    <dgm:style>
+      <a:lnRef idx="2">
+        <a:scrgbClr r="0" g="0" b="0"/>
+      </a:lnRef>
+      <a:fillRef idx="1">
+        <a:scrgbClr r="0" g="0" b="0"/>
+      </a:fillRef>
+      <a:effectRef idx="0">
+        <a:scrgbClr r="0" g="0" b="0"/>
+      </a:effectRef>
+      <a:fontRef idx="minor"/>
+    </dgm:style>
+  </dgm:styleLbl>
+  <dgm:styleLbl name="alignImgPlace1">
+    <dgm:scene3d>
+      <a:camera prst="orthographicFront"/>
+      <a:lightRig rig="threePt" dir="t"/>
+    </dgm:scene3d>
+    <dgm:sp3d/>
+    <dgm:txPr/>
+    <dgm:style>
+      <a:lnRef idx="2">
+        <a:scrgbClr r="0" g="0" b="0"/>
+      </a:lnRef>
+      <a:fillRef idx="1">
+        <a:scrgbClr r="0" g="0" b="0"/>
+      </a:fillRef>
+      <a:effectRef idx="0">
+        <a:scrgbClr r="0" g="0" b="0"/>
+      </a:effectRef>
+      <a:fontRef idx="minor"/>
+    </dgm:style>
+  </dgm:styleLbl>
+  <dgm:styleLbl name="bgImgPlace1">
+    <dgm:scene3d>
+      <a:camera prst="orthographicFront"/>
+      <a:lightRig rig="threePt" dir="t"/>
+    </dgm:scene3d>
+    <dgm:sp3d/>
+    <dgm:txPr/>
+    <dgm:style>
+      <a:lnRef idx="2">
+        <a:scrgbClr r="0" g="0" b="0"/>
+      </a:lnRef>
+      <a:fillRef idx="1">
+        <a:scrgbClr r="0" g="0" b="0"/>
+      </a:fillRef>
+      <a:effectRef idx="0">
+        <a:scrgbClr r="0" g="0" b="0"/>
+      </a:effectRef>
+      <a:fontRef idx="minor"/>
+    </dgm:style>
+  </dgm:styleLbl>
+  <dgm:styleLbl name="sibTrans2D1">
+    <dgm:scene3d>
+      <a:camera prst="orthographicFront"/>
+      <a:lightRig rig="threePt" dir="t"/>
+    </dgm:scene3d>
+    <dgm:sp3d/>
+    <dgm:txPr/>
+    <dgm:style>
+      <a:lnRef idx="0">
+        <a:scrgbClr r="0" g="0" b="0"/>
+      </a:lnRef>
+      <a:fillRef idx="1">
+        <a:scrgbClr r="0" g="0" b="0"/>
+      </a:fillRef>
+      <a:effectRef idx="0">
+        <a:scrgbClr r="0" g="0" b="0"/>
+      </a:effectRef>
+      <a:fontRef idx="minor">
+        <a:schemeClr val="lt1"/>
+      </a:fontRef>
+    </dgm:style>
+  </dgm:styleLbl>
+  <dgm:styleLbl name="fgSibTrans2D1">
+    <dgm:scene3d>
+      <a:camera prst="orthographicFront"/>
+      <a:lightRig rig="threePt" dir="t"/>
+    </dgm:scene3d>
+    <dgm:sp3d/>
+    <dgm:txPr/>
+    <dgm:style>
+      <a:lnRef idx="0">
+        <a:scrgbClr r="0" g="0" b="0"/>
+      </a:lnRef>
+      <a:fillRef idx="1">
+        <a:scrgbClr r="0" g="0" b="0"/>
+      </a:fillRef>
+      <a:effectRef idx="0">
+        <a:scrgbClr r="0" g="0" b="0"/>
+      </a:effectRef>
+      <a:fontRef idx="minor">
+        <a:schemeClr val="lt1"/>
+      </a:fontRef>
+    </dgm:style>
+  </dgm:styleLbl>
+  <dgm:styleLbl name="bgSibTrans2D1">
+    <dgm:scene3d>
+      <a:camera prst="orthographicFront"/>
+      <a:lightRig rig="threePt" dir="t"/>
+    </dgm:scene3d>
+    <dgm:sp3d/>
+    <dgm:txPr/>
+    <dgm:style>
+      <a:lnRef idx="0">
+        <a:scrgbClr r="0" g="0" b="0"/>
+      </a:lnRef>
+      <a:fillRef idx="1">
+        <a:scrgbClr r="0" g="0" b="0"/>
+      </a:fillRef>
+      <a:effectRef idx="0">
+        <a:scrgbClr r="0" g="0" b="0"/>
+      </a:effectRef>
+      <a:fontRef idx="minor">
+        <a:schemeClr val="lt1"/>
+      </a:fontRef>
+    </dgm:style>
+  </dgm:styleLbl>
+  <dgm:styleLbl name="sibTrans1D1">
+    <dgm:scene3d>
+      <a:camera prst="orthographicFront"/>
+      <a:lightRig rig="threePt" dir="t"/>
+    </dgm:scene3d>
+    <dgm:sp3d/>
+    <dgm:txPr/>
+    <dgm:style>
+      <a:lnRef idx="1">
+        <a:scrgbClr r="0" g="0" b="0"/>
+      </a:lnRef>
+      <a:fillRef idx="0">
+        <a:scrgbClr r="0" g="0" b="0"/>
+      </a:fillRef>
+      <a:effectRef idx="0">
+        <a:scrgbClr r="0" g="0" b="0"/>
+      </a:effectRef>
+      <a:fontRef idx="minor"/>
+    </dgm:style>
+  </dgm:styleLbl>
+  <dgm:styleLbl name="callout">
+    <dgm:scene3d>
+      <a:camera prst="orthographicFront"/>
+      <a:lightRig rig="threePt" dir="t"/>
+    </dgm:scene3d>
+    <dgm:sp3d/>
+    <dgm:txPr/>
+    <dgm:style>
+      <a:lnRef idx="2">
+        <a:scrgbClr r="0" g="0" b="0"/>
+      </a:lnRef>
+      <a:fillRef idx="1">
+        <a:scrgbClr r="0" g="0" b="0"/>
+      </a:fillRef>
+      <a:effectRef idx="0">
+        <a:scrgbClr r="0" g="0" b="0"/>
+      </a:effectRef>
+      <a:fontRef idx="minor"/>
+    </dgm:style>
+  </dgm:styleLbl>
+  <dgm:styleLbl name="asst0">
+    <dgm:scene3d>
+      <a:camera prst="orthographicFront"/>
+      <a:lightRig rig="threePt" dir="t"/>
+    </dgm:scene3d>
+    <dgm:sp3d/>
+    <dgm:txPr/>
+    <dgm:style>
+      <a:lnRef idx="2">
+        <a:scrgbClr r="0" g="0" b="0"/>
+      </a:lnRef>
+      <a:fillRef idx="1">
+        <a:scrgbClr r="0" g="0" b="0"/>
+      </a:fillRef>
+      <a:effectRef idx="0">
+        <a:scrgbClr r="0" g="0" b="0"/>
+      </a:effectRef>
+      <a:fontRef idx="minor">
+        <a:schemeClr val="lt1"/>
+      </a:fontRef>
+    </dgm:style>
+  </dgm:styleLbl>
+  <dgm:styleLbl name="asst1">
+    <dgm:scene3d>
+      <a:camera prst="orthographicFront"/>
+      <a:lightRig rig="threePt" dir="t"/>
+    </dgm:scene3d>
+    <dgm:sp3d/>
+    <dgm:txPr/>
+    <dgm:style>
+      <a:lnRef idx="2">
+        <a:scrgbClr r="0" g="0" b="0"/>
+      </a:lnRef>
+      <a:fillRef idx="1">
+        <a:scrgbClr r="0" g="0" b="0"/>
+      </a:fillRef>
+      <a:effectRef idx="0">
+        <a:scrgbClr r="0" g="0" b="0"/>
+      </a:effectRef>
+      <a:fontRef idx="minor">
+        <a:schemeClr val="lt1"/>
+      </a:fontRef>
+    </dgm:style>
+  </dgm:styleLbl>
+  <dgm:styleLbl name="asst2">
+    <dgm:scene3d>
+      <a:camera prst="orthographicFront"/>
+      <a:lightRig rig="threePt" dir="t"/>
+    </dgm:scene3d>
+    <dgm:sp3d/>
+    <dgm:txPr/>
+    <dgm:style>
+      <a:lnRef idx="2">
+        <a:scrgbClr r="0" g="0" b="0"/>
+      </a:lnRef>
+      <a:fillRef idx="1">
+        <a:scrgbClr r="0" g="0" b="0"/>
+      </a:fillRef>
+      <a:effectRef idx="0">
+        <a:scrgbClr r="0" g="0" b="0"/>
+      </a:effectRef>
+      <a:fontRef idx="minor">
+        <a:schemeClr val="lt1"/>
+      </a:fontRef>
+    </dgm:style>
+  </dgm:styleLbl>
+  <dgm:styleLbl name="asst3">
+    <dgm:scene3d>
+      <a:camera prst="orthographicFront"/>
+      <a:lightRig rig="threePt" dir="t"/>
+    </dgm:scene3d>
+    <dgm:sp3d/>
+    <dgm:txPr/>
+    <dgm:style>
+      <a:lnRef idx="2">
+        <a:scrgbClr r="0" g="0" b="0"/>
+      </a:lnRef>
+      <a:fillRef idx="1">
+        <a:scrgbClr r="0" g="0" b="0"/>
+      </a:fillRef>
+      <a:effectRef idx="0">
+        <a:scrgbClr r="0" g="0" b="0"/>
+      </a:effectRef>
+      <a:fontRef idx="minor">
+        <a:schemeClr val="lt1"/>
+      </a:fontRef>
+    </dgm:style>
+  </dgm:styleLbl>
+  <dgm:styleLbl name="asst4">
+    <dgm:scene3d>
+      <a:camera prst="orthographicFront"/>
+      <a:lightRig rig="threePt" dir="t"/>
+    </dgm:scene3d>
+    <dgm:sp3d/>
+    <dgm:txPr/>
+    <dgm:style>
+      <a:lnRef idx="2">
+        <a:scrgbClr r="0" g="0" b="0"/>
+      </a:lnRef>
+      <a:fillRef idx="1">
+        <a:scrgbClr r="0" g="0" b="0"/>
+      </a:fillRef>
+      <a:effectRef idx="0">
+        <a:scrgbClr r="0" g="0" b="0"/>
+      </a:effectRef>
+      <a:fontRef idx="minor">
+        <a:schemeClr val="lt1"/>
+      </a:fontRef>
+    </dgm:style>
+  </dgm:styleLbl>
+  <dgm:styleLbl name="parChTrans2D1">
+    <dgm:scene3d>
+      <a:camera prst="orthographicFront"/>
+      <a:lightRig rig="threePt" dir="t"/>
+    </dgm:scene3d>
+    <dgm:sp3d/>
+    <dgm:txPr/>
+    <dgm:style>
+      <a:lnRef idx="2">
+        <a:scrgbClr r="0" g="0" b="0"/>
+      </a:lnRef>
+      <a:fillRef idx="1">
+        <a:scrgbClr r="0" g="0" b="0"/>
+      </a:fillRef>
+      <a:effectRef idx="0">
+        <a:scrgbClr r="0" g="0" b="0"/>
+      </a:effectRef>
+      <a:fontRef idx="minor">
+        <a:schemeClr val="lt1"/>
+      </a:fontRef>
+    </dgm:style>
+  </dgm:styleLbl>
+  <dgm:styleLbl name="parChTrans2D2">
+    <dgm:scene3d>
+      <a:camera prst="orthographicFront"/>
+      <a:lightRig rig="threePt" dir="t"/>
+    </dgm:scene3d>
+    <dgm:sp3d/>
+    <dgm:txPr/>
+    <dgm:style>
+      <a:lnRef idx="2">
+        <a:scrgbClr r="0" g="0" b="0"/>
+      </a:lnRef>
+      <a:fillRef idx="1">
+        <a:scrgbClr r="0" g="0" b="0"/>
+      </a:fillRef>
+      <a:effectRef idx="0">
+        <a:scrgbClr r="0" g="0" b="0"/>
+      </a:effectRef>
+      <a:fontRef idx="minor">
+        <a:schemeClr val="lt1"/>
+      </a:fontRef>
+    </dgm:style>
+  </dgm:styleLbl>
+  <dgm:styleLbl name="parChTrans2D3">
+    <dgm:scene3d>
+      <a:camera prst="orthographicFront"/>
+      <a:lightRig rig="threePt" dir="t"/>
+    </dgm:scene3d>
+    <dgm:sp3d/>
+    <dgm:txPr/>
+    <dgm:style>
+      <a:lnRef idx="2">
+        <a:scrgbClr r="0" g="0" b="0"/>
+      </a:lnRef>
+      <a:fillRef idx="1">
+        <a:scrgbClr r="0" g="0" b="0"/>
+      </a:fillRef>
+      <a:effectRef idx="0">
+        <a:scrgbClr r="0" g="0" b="0"/>
+      </a:effectRef>
+      <a:fontRef idx="minor">
+        <a:schemeClr val="lt1"/>
+      </a:fontRef>
+    </dgm:style>
+  </dgm:styleLbl>
+  <dgm:styleLbl name="parChTrans2D4">
+    <dgm:scene3d>
+      <a:camera prst="orthographicFront"/>
+      <a:lightRig rig="threePt" dir="t"/>
+    </dgm:scene3d>
+    <dgm:sp3d/>
+    <dgm:txPr/>
+    <dgm:style>
+      <a:lnRef idx="2">
+        <a:scrgbClr r="0" g="0" b="0"/>
+      </a:lnRef>
+      <a:fillRef idx="1">
+        <a:scrgbClr r="0" g="0" b="0"/>
+      </a:fillRef>
+      <a:effectRef idx="0">
+        <a:scrgbClr r="0" g="0" b="0"/>
+      </a:effectRef>
+      <a:fontRef idx="minor">
+        <a:schemeClr val="lt1"/>
+      </a:fontRef>
+    </dgm:style>
+  </dgm:styleLbl>
+  <dgm:styleLbl name="parChTrans1D1">
+    <dgm:scene3d>
+      <a:camera prst="orthographicFront"/>
+      <a:lightRig rig="threePt" dir="t"/>
+    </dgm:scene3d>
+    <dgm:sp3d/>
+    <dgm:txPr/>
+    <dgm:style>
+      <a:lnRef idx="2">
+        <a:scrgbClr r="0" g="0" b="0"/>
+      </a:lnRef>
+      <a:fillRef idx="0">
+        <a:scrgbClr r="0" g="0" b="0"/>
+      </a:fillRef>
+      <a:effectRef idx="0">
+        <a:scrgbClr r="0" g="0" b="0"/>
+      </a:effectRef>
+      <a:fontRef idx="minor"/>
+    </dgm:style>
+  </dgm:styleLbl>
+  <dgm:styleLbl name="parChTrans1D2">
+    <dgm:scene3d>
+      <a:camera prst="orthographicFront"/>
+      <a:lightRig rig="threePt" dir="t"/>
+    </dgm:scene3d>
+    <dgm:sp3d/>
+    <dgm:txPr/>
+    <dgm:style>
+      <a:lnRef idx="2">
+        <a:scrgbClr r="0" g="0" b="0"/>
+      </a:lnRef>
+      <a:fillRef idx="0">
+        <a:scrgbClr r="0" g="0" b="0"/>
+      </a:fillRef>
+      <a:effectRef idx="0">
+        <a:scrgbClr r="0" g="0" b="0"/>
+      </a:effectRef>
+      <a:fontRef idx="minor"/>
+    </dgm:style>
+  </dgm:styleLbl>
+  <dgm:styleLbl name="parChTrans1D3">
+    <dgm:scene3d>
+      <a:camera prst="orthographicFront"/>
+      <a:lightRig rig="threePt" dir="t"/>
+    </dgm:scene3d>
+    <dgm:sp3d/>
+    <dgm:txPr/>
+    <dgm:style>
+      <a:lnRef idx="2">
+        <a:scrgbClr r="0" g="0" b="0"/>
+      </a:lnRef>
+      <a:fillRef idx="0">
+        <a:scrgbClr r="0" g="0" b="0"/>
+      </a:fillRef>
+      <a:effectRef idx="0">
+        <a:scrgbClr r="0" g="0" b="0"/>
+      </a:effectRef>
+      <a:fontRef idx="minor"/>
+    </dgm:style>
+  </dgm:styleLbl>
+  <dgm:styleLbl name="parChTrans1D4">
+    <dgm:scene3d>
+      <a:camera prst="orthographicFront"/>
+      <a:lightRig rig="threePt" dir="t"/>
+    </dgm:scene3d>
+    <dgm:sp3d/>
+    <dgm:txPr/>
+    <dgm:style>
+      <a:lnRef idx="2">
+        <a:scrgbClr r="0" g="0" b="0"/>
+      </a:lnRef>
+      <a:fillRef idx="0">
+        <a:scrgbClr r="0" g="0" b="0"/>
+      </a:fillRef>
+      <a:effectRef idx="0">
+        <a:scrgbClr r="0" g="0" b="0"/>
+      </a:effectRef>
+      <a:fontRef idx="minor"/>
+    </dgm:style>
+  </dgm:styleLbl>
+  <dgm:styleLbl name="fgAcc1">
+    <dgm:scene3d>
+      <a:camera prst="orthographicFront"/>
+      <a:lightRig rig="threePt" dir="t"/>
+    </dgm:scene3d>
+    <dgm:sp3d/>
+    <dgm:txPr/>
+    <dgm:style>
+      <a:lnRef idx="2">
+        <a:scrgbClr r="0" g="0" b="0"/>
+      </a:lnRef>
+      <a:fillRef idx="1">
+        <a:scrgbClr r="0" g="0" b="0"/>
+      </a:fillRef>
+      <a:effectRef idx="0">
+        <a:scrgbClr r="0" g="0" b="0"/>
+      </a:effectRef>
+      <a:fontRef idx="minor"/>
+    </dgm:style>
+  </dgm:styleLbl>
+  <dgm:styleLbl name="conFgAcc1">
+    <dgm:scene3d>
+      <a:camera prst="orthographicFront"/>
+      <a:lightRig rig="threePt" dir="t"/>
+    </dgm:scene3d>
+    <dgm:sp3d/>
+    <dgm:txPr/>
+    <dgm:style>
+      <a:lnRef idx="2">
+        <a:scrgbClr r="0" g="0" b="0"/>
+      </a:lnRef>
+      <a:fillRef idx="1">
+        <a:scrgbClr r="0" g="0" b="0"/>
+      </a:fillRef>
+      <a:effectRef idx="0">
+        <a:scrgbClr r="0" g="0" b="0"/>
+      </a:effectRef>
+      <a:fontRef idx="minor"/>
+    </dgm:style>
+  </dgm:styleLbl>
+  <dgm:styleLbl name="alignAcc1">
+    <dgm:scene3d>
+      <a:camera prst="orthographicFront"/>
+      <a:lightRig rig="threePt" dir="t"/>
+    </dgm:scene3d>
+    <dgm:sp3d/>
+    <dgm:txPr/>
+    <dgm:style>
+      <a:lnRef idx="2">
+        <a:scrgbClr r="0" g="0" b="0"/>
+      </a:lnRef>
+      <a:fillRef idx="1">
+        <a:scrgbClr r="0" g="0" b="0"/>
+      </a:fillRef>
+      <a:effectRef idx="0">
+        <a:scrgbClr r="0" g="0" b="0"/>
+      </a:effectRef>
+      <a:fontRef idx="minor"/>
+    </dgm:style>
+  </dgm:styleLbl>
+  <dgm:styleLbl name="trAlignAcc1">
+    <dgm:scene3d>
+      <a:camera prst="orthographicFront"/>
+      <a:lightRig rig="threePt" dir="t"/>
+    </dgm:scene3d>
+    <dgm:sp3d/>
+    <dgm:txPr/>
+    <dgm:style>
+      <a:lnRef idx="1">
+        <a:scrgbClr r="0" g="0" b="0"/>
+      </a:lnRef>
+      <a:fillRef idx="1">
+        <a:scrgbClr r="0" g="0" b="0"/>
+      </a:fillRef>
+      <a:effectRef idx="0">
+        <a:scrgbClr r="0" g="0" b="0"/>
+      </a:effectRef>
+      <a:fontRef idx="minor"/>
+    </dgm:style>
+  </dgm:styleLbl>
+  <dgm:styleLbl name="bgAcc1">
+    <dgm:scene3d>
+      <a:camera prst="orthographicFront"/>
+      <a:lightRig rig="threePt" dir="t"/>
+    </dgm:scene3d>
+    <dgm:sp3d/>
+    <dgm:txPr/>
+    <dgm:style>
+      <a:lnRef idx="2">
+        <a:scrgbClr r="0" g="0" b="0"/>
+      </a:lnRef>
+      <a:fillRef idx="1">
+        <a:scrgbClr r="0" g="0" b="0"/>
+      </a:fillRef>
+      <a:effectRef idx="0">
+        <a:scrgbClr r="0" g="0" b="0"/>
+      </a:effectRef>
+      <a:fontRef idx="minor"/>
+    </dgm:style>
+  </dgm:styleLbl>
+  <dgm:styleLbl name="solidFgAcc1">
+    <dgm:scene3d>
+      <a:camera prst="orthographicFront"/>
+      <a:lightRig rig="threePt" dir="t"/>
+    </dgm:scene3d>
+    <dgm:sp3d/>
+    <dgm:txPr/>
+    <dgm:style>
+      <a:lnRef idx="2">
+        <a:scrgbClr r="0" g="0" b="0"/>
+      </a:lnRef>
+      <a:fillRef idx="1">
+        <a:scrgbClr r="0" g="0" b="0"/>
+      </a:fillRef>
+      <a:effectRef idx="0">
+        <a:scrgbClr r="0" g="0" b="0"/>
+      </a:effectRef>
+      <a:fontRef idx="minor"/>
+    </dgm:style>
+  </dgm:styleLbl>
+  <dgm:styleLbl name="solidAlignAcc1">
+    <dgm:scene3d>
+      <a:camera prst="orthographicFront"/>
+      <a:lightRig rig="threePt" dir="t"/>
+    </dgm:scene3d>
+    <dgm:sp3d/>
+    <dgm:txPr/>
+    <dgm:style>
+      <a:lnRef idx="2">
+        <a:scrgbClr r="0" g="0" b="0"/>
+      </a:lnRef>
+      <a:fillRef idx="1">
+        <a:scrgbClr r="0" g="0" b="0"/>
+      </a:fillRef>
+      <a:effectRef idx="0">
+        <a:scrgbClr r="0" g="0" b="0"/>
+      </a:effectRef>
+      <a:fontRef idx="minor"/>
+    </dgm:style>
+  </dgm:styleLbl>
+  <dgm:styleLbl name="solidBgAcc1">
+    <dgm:scene3d>
+      <a:camera prst="orthographicFront"/>
+      <a:lightRig rig="threePt" dir="t"/>
+    </dgm:scene3d>
+    <dgm:sp3d/>
+    <dgm:txPr/>
+    <dgm:style>
+      <a:lnRef idx="2">
+        <a:scrgbClr r="0" g="0" b="0"/>
+      </a:lnRef>
+      <a:fillRef idx="1">
+        <a:scrgbClr r="0" g="0" b="0"/>
+      </a:fillRef>
+      <a:effectRef idx="0">
+        <a:scrgbClr r="0" g="0" b="0"/>
+      </a:effectRef>
+      <a:fontRef idx="minor"/>
+    </dgm:style>
+  </dgm:styleLbl>
+  <dgm:styleLbl name="fgAccFollowNode1">
+    <dgm:scene3d>
+      <a:camera prst="orthographicFront"/>
+      <a:lightRig rig="threePt" dir="t"/>
+    </dgm:scene3d>
+    <dgm:sp3d/>
+    <dgm:txPr/>
+    <dgm:style>
+      <a:lnRef idx="2">
+        <a:scrgbClr r="0" g="0" b="0"/>
+      </a:lnRef>
+      <a:fillRef idx="1">
+        <a:scrgbClr r="0" g="0" b="0"/>
+      </a:fillRef>
+      <a:effectRef idx="0">
+        <a:scrgbClr r="0" g="0" b="0"/>
+      </a:effectRef>
+      <a:fontRef idx="minor"/>
+    </dgm:style>
+  </dgm:styleLbl>
+  <dgm:styleLbl name="alignAccFollowNode1">
+    <dgm:scene3d>
+      <a:camera prst="orthographicFront"/>
+      <a:lightRig rig="threePt" dir="t"/>
+    </dgm:scene3d>
+    <dgm:sp3d/>
+    <dgm:txPr/>
+    <dgm:style>
+      <a:lnRef idx="2">
+        <a:scrgbClr r="0" g="0" b="0"/>
+      </a:lnRef>
+      <a:fillRef idx="1">
+        <a:scrgbClr r="0" g="0" b="0"/>
+      </a:fillRef>
+      <a:effectRef idx="0">
+        <a:scrgbClr r="0" g="0" b="0"/>
+      </a:effectRef>
+      <a:fontRef idx="minor"/>
+    </dgm:style>
+  </dgm:styleLbl>
+  <dgm:styleLbl name="bgAccFollowNode1">
+    <dgm:scene3d>
+      <a:camera prst="orthographicFront"/>
+      <a:lightRig rig="threePt" dir="t"/>
+    </dgm:scene3d>
+    <dgm:sp3d/>
+    <dgm:txPr/>
+    <dgm:style>
+      <a:lnRef idx="2">
+        <a:scrgbClr r="0" g="0" b="0"/>
+      </a:lnRef>
+      <a:fillRef idx="1">
+        <a:scrgbClr r="0" g="0" b="0"/>
+      </a:fillRef>
+      <a:effectRef idx="0">
+        <a:scrgbClr r="0" g="0" b="0"/>
+      </a:effectRef>
+      <a:fontRef idx="minor"/>
+    </dgm:style>
+  </dgm:styleLbl>
+  <dgm:styleLbl name="fgAcc0">
+    <dgm:scene3d>
+      <a:camera prst="orthographicFront"/>
+      <a:lightRig rig="threePt" dir="t"/>
+    </dgm:scene3d>
+    <dgm:sp3d/>
+    <dgm:txPr/>
+    <dgm:style>
+      <a:lnRef idx="2">
+        <a:scrgbClr r="0" g="0" b="0"/>
+      </a:lnRef>
+      <a:fillRef idx="1">
+        <a:scrgbClr r="0" g="0" b="0"/>
+      </a:fillRef>
+      <a:effectRef idx="0">
+        <a:scrgbClr r="0" g="0" b="0"/>
+      </a:effectRef>
+      <a:fontRef idx="minor"/>
+    </dgm:style>
+  </dgm:styleLbl>
+  <dgm:styleLbl name="fgAcc2">
+    <dgm:scene3d>
+      <a:camera prst="orthographicFront"/>
+      <a:lightRig rig="threePt" dir="t"/>
+    </dgm:scene3d>
+    <dgm:sp3d/>
+    <dgm:txPr/>
+    <dgm:style>
+      <a:lnRef idx="2">
+        <a:scrgbClr r="0" g="0" b="0"/>
+      </a:lnRef>
+      <a:fillRef idx="1">
+        <a:scrgbClr r="0" g="0" b="0"/>
+      </a:fillRef>
+      <a:effectRef idx="0">
+        <a:scrgbClr r="0" g="0" b="0"/>
+      </a:effectRef>
+      <a:fontRef idx="minor"/>
+    </dgm:style>
+  </dgm:styleLbl>
+  <dgm:styleLbl name="fgAcc3">
+    <dgm:scene3d>
+      <a:camera prst="orthographicFront"/>
+      <a:lightRig rig="threePt" dir="t"/>
+    </dgm:scene3d>
+    <dgm:sp3d/>
+    <dgm:txPr/>
+    <dgm:style>
+      <a:lnRef idx="2">
+        <a:scrgbClr r="0" g="0" b="0"/>
+      </a:lnRef>
+      <a:fillRef idx="1">
+        <a:scrgbClr r="0" g="0" b="0"/>
+      </a:fillRef>
+      <a:effectRef idx="0">
+        <a:scrgbClr r="0" g="0" b="0"/>
+      </a:effectRef>
+      <a:fontRef idx="minor"/>
+    </dgm:style>
+  </dgm:styleLbl>
+  <dgm:styleLbl name="fgAcc4">
+    <dgm:scene3d>
+      <a:camera prst="orthographicFront"/>
+      <a:lightRig rig="threePt" dir="t"/>
+    </dgm:scene3d>
+    <dgm:sp3d/>
+    <dgm:txPr/>
+    <dgm:style>
+      <a:lnRef idx="2">
+        <a:scrgbClr r="0" g="0" b="0"/>
+      </a:lnRef>
+      <a:fillRef idx="1">
+        <a:scrgbClr r="0" g="0" b="0"/>
+      </a:fillRef>
+      <a:effectRef idx="0">
+        <a:scrgbClr r="0" g="0" b="0"/>
+      </a:effectRef>
+      <a:fontRef idx="minor"/>
+    </dgm:style>
+  </dgm:styleLbl>
+  <dgm:styleLbl name="bgShp">
+    <dgm:scene3d>
+      <a:camera prst="orthographicFront"/>
+      <a:lightRig rig="threePt" dir="t"/>
+    </dgm:scene3d>
+    <dgm:sp3d/>
+    <dgm:txPr/>
+    <dgm:style>
+      <a:lnRef idx="0">
+        <a:scrgbClr r="0" g="0" b="0"/>
+      </a:lnRef>
+      <a:fillRef idx="1">
+        <a:scrgbClr r="0" g="0" b="0"/>
+      </a:fillRef>
+      <a:effectRef idx="0">
+        <a:scrgbClr r="0" g="0" b="0"/>
+      </a:effectRef>
+      <a:fontRef idx="minor"/>
+    </dgm:style>
+  </dgm:styleLbl>
+  <dgm:styleLbl name="dkBgShp">
+    <dgm:scene3d>
+      <a:camera prst="orthographicFront"/>
+      <a:lightRig rig="threePt" dir="t"/>
+    </dgm:scene3d>
+    <dgm:sp3d/>
+    <dgm:txPr/>
+    <dgm:style>
+      <a:lnRef idx="0">
+        <a:scrgbClr r="0" g="0" b="0"/>
+      </a:lnRef>
+      <a:fillRef idx="1">
+        <a:scrgbClr r="0" g="0" b="0"/>
+      </a:fillRef>
+      <a:effectRef idx="0">
+        <a:scrgbClr r="0" g="0" b="0"/>
+      </a:effectRef>
+      <a:fontRef idx="minor"/>
+    </dgm:style>
+  </dgm:styleLbl>
+  <dgm:styleLbl name="trBgShp">
+    <dgm:scene3d>
+      <a:camera prst="orthographicFront"/>
+      <a:lightRig rig="threePt" dir="t"/>
+    </dgm:scene3d>
+    <dgm:sp3d/>
+    <dgm:txPr/>
+    <dgm:style>
+      <a:lnRef idx="0">
+        <a:scrgbClr r="0" g="0" b="0"/>
+      </a:lnRef>
+      <a:fillRef idx="1">
+        <a:scrgbClr r="0" g="0" b="0"/>
+      </a:fillRef>
+      <a:effectRef idx="0">
+        <a:scrgbClr r="0" g="0" b="0"/>
+      </a:effectRef>
+      <a:fontRef idx="minor"/>
+    </dgm:style>
+  </dgm:styleLbl>
+  <dgm:styleLbl name="fgShp">
+    <dgm:scene3d>
+      <a:camera prst="orthographicFront"/>
+      <a:lightRig rig="threePt" dir="t"/>
+    </dgm:scene3d>
+    <dgm:sp3d/>
+    <dgm:txPr/>
+    <dgm:style>
+      <a:lnRef idx="2">
+        <a:scrgbClr r="0" g="0" b="0"/>
+      </a:lnRef>
+      <a:fillRef idx="1">
+        <a:scrgbClr r="0" g="0" b="0"/>
+      </a:fillRef>
+      <a:effectRef idx="0">
+        <a:scrgbClr r="0" g="0" b="0"/>
+      </a:effectRef>
+      <a:fontRef idx="minor"/>
+    </dgm:style>
+  </dgm:styleLbl>
+  <dgm:styleLbl name="revTx">
+    <dgm:scene3d>
+      <a:camera prst="orthographicFront"/>
+      <a:lightRig rig="threePt" dir="t"/>
+    </dgm:scene3d>
+    <dgm:sp3d/>
+    <dgm:txPr/>
+    <dgm:style>
+      <a:lnRef idx="0">
+        <a:scrgbClr r="0" g="0" b="0"/>
+      </a:lnRef>
+      <a:fillRef idx="0">
+        <a:scrgbClr r="0" g="0" b="0"/>
+      </a:fillRef>
+      <a:effectRef idx="0">
+        <a:scrgbClr r="0" g="0" b="0"/>
+      </a:effectRef>
+      <a:fontRef idx="minor"/>
+    </dgm:style>
+  </dgm:styleLbl>
+</dgm:styleDef>
+</file>
+
+<file path=ppt/diagrams/quickStyle5.xml><?xml version="1.0" encoding="utf-8"?>
 <dgm:styleDef xmlns:dgm="http://schemas.openxmlformats.org/drawingml/2006/diagram" xmlns:a="http://schemas.openxmlformats.org/drawingml/2006/main" uniqueId="urn:microsoft.com/office/officeart/2005/8/quickstyle/simple1">
   <dgm:title val=""/>
   <dgm:desc val=""/>
@@ -14217,6 +20671,458 @@
 </p:sld>
 </file>
 
+<file path=ppt/slides/slide5.xml><?xml version="1.0" encoding="utf-8"?>
+<p:sld xmlns:a="http://schemas.openxmlformats.org/drawingml/2006/main" xmlns:r="http://schemas.openxmlformats.org/officeDocument/2006/relationships" xmlns:p="http://schemas.openxmlformats.org/presentationml/2006/main">
+  <p:cSld>
+    <p:spTree>
+      <p:nvGrpSpPr>
+        <p:cNvPr id="1" name=""/>
+        <p:cNvGrpSpPr/>
+        <p:nvPr/>
+      </p:nvGrpSpPr>
+      <p:grpSpPr>
+        <a:xfrm>
+          <a:off x="0" y="0"/>
+          <a:ext cx="0" cy="0"/>
+          <a:chOff x="0" y="0"/>
+          <a:chExt cx="0" cy="0"/>
+        </a:xfrm>
+      </p:grpSpPr>
+      <p:sp>
+        <p:nvSpPr>
+          <p:cNvPr id="2" name="Title 1">
+            <a:extLst>
+              <a:ext uri="{FF2B5EF4-FFF2-40B4-BE49-F238E27FC236}">
+                <a16:creationId xmlns:a16="http://schemas.microsoft.com/office/drawing/2014/main" id="{BBB435CB-D6E6-4C1D-93E6-79FA33C9B111}"/>
+              </a:ext>
+            </a:extLst>
+          </p:cNvPr>
+          <p:cNvSpPr>
+            <a:spLocks noGrp="1"/>
+          </p:cNvSpPr>
+          <p:nvPr>
+            <p:ph type="title"/>
+          </p:nvPr>
+        </p:nvSpPr>
+        <p:spPr/>
+        <p:txBody>
+          <a:bodyPr/>
+          <a:lstStyle/>
+          <a:p>
+            <a:pPr algn="l"/>
+            <a:r>
+              <a:rPr lang="fr-FR" dirty="0"/>
+              <a:t>Key </a:t>
+            </a:r>
+            <a:r>
+              <a:rPr lang="fr-FR" dirty="0" err="1"/>
+              <a:t>Takeways</a:t>
+            </a:r>
+            <a:r>
+              <a:rPr lang="fr-FR" dirty="0"/>
+              <a:t> - </a:t>
+            </a:r>
+            <a:r>
+              <a:rPr lang="fr-FR" dirty="0" err="1"/>
+              <a:t>Articulating</a:t>
+            </a:r>
+            <a:r>
+              <a:rPr lang="fr-FR" dirty="0"/>
+              <a:t> Design </a:t>
+            </a:r>
+            <a:r>
+              <a:rPr lang="fr-FR" dirty="0" err="1"/>
+              <a:t>Decisions</a:t>
+            </a:r>
+            <a:endParaRPr lang="fr-FR" dirty="0"/>
+          </a:p>
+        </p:txBody>
+      </p:sp>
+      <p:sp>
+        <p:nvSpPr>
+          <p:cNvPr id="5" name="TextBox 4">
+            <a:extLst>
+              <a:ext uri="{FF2B5EF4-FFF2-40B4-BE49-F238E27FC236}">
+                <a16:creationId xmlns:a16="http://schemas.microsoft.com/office/drawing/2014/main" id="{11D13597-A657-4C29-8055-1E3596CD14CE}"/>
+              </a:ext>
+            </a:extLst>
+          </p:cNvPr>
+          <p:cNvSpPr txBox="1"/>
+          <p:nvPr/>
+        </p:nvSpPr>
+        <p:spPr>
+          <a:xfrm>
+            <a:off x="1097280" y="6409081"/>
+            <a:ext cx="7115542" cy="369332"/>
+          </a:xfrm>
+          <a:prstGeom prst="rect">
+            <a:avLst/>
+          </a:prstGeom>
+          <a:noFill/>
+        </p:spPr>
+        <p:txBody>
+          <a:bodyPr wrap="square">
+            <a:spAutoFit/>
+          </a:bodyPr>
+          <a:lstStyle/>
+          <a:p>
+            <a:r>
+              <a:rPr lang="en-GB" dirty="0">
+                <a:solidFill>
+                  <a:schemeClr val="accent1">
+                    <a:lumMod val="50000"/>
+                  </a:schemeClr>
+                </a:solidFill>
+              </a:rPr>
+              <a:t>UI/UX Design Session</a:t>
+            </a:r>
+            <a:endParaRPr lang="fr-FR" dirty="0"/>
+          </a:p>
+        </p:txBody>
+      </p:sp>
+      <p:graphicFrame>
+        <p:nvGraphicFramePr>
+          <p:cNvPr id="6" name="Content Placeholder 5">
+            <a:extLst>
+              <a:ext uri="{FF2B5EF4-FFF2-40B4-BE49-F238E27FC236}">
+                <a16:creationId xmlns:a16="http://schemas.microsoft.com/office/drawing/2014/main" id="{C58868EC-B996-4FA4-92F8-91D9D1C55B95}"/>
+              </a:ext>
+            </a:extLst>
+          </p:cNvPr>
+          <p:cNvGraphicFramePr>
+            <a:graphicFrameLocks noGrp="1"/>
+          </p:cNvGraphicFramePr>
+          <p:nvPr>
+            <p:ph idx="1"/>
+            <p:extLst>
+              <p:ext uri="{D42A27DB-BD31-4B8C-83A1-F6EECF244321}">
+                <p14:modId xmlns:p14="http://schemas.microsoft.com/office/powerpoint/2010/main" val="4086852133"/>
+              </p:ext>
+            </p:extLst>
+          </p:nvPr>
+        </p:nvGraphicFramePr>
+        <p:xfrm>
+          <a:off x="1097280" y="1845734"/>
+          <a:ext cx="10058400" cy="4023360"/>
+        </p:xfrm>
+        <a:graphic>
+          <a:graphicData uri="http://schemas.openxmlformats.org/drawingml/2006/diagram">
+            <dgm:relIds xmlns:dgm="http://schemas.openxmlformats.org/drawingml/2006/diagram" xmlns:r="http://schemas.openxmlformats.org/officeDocument/2006/relationships" r:dm="rId2" r:lo="rId3" r:qs="rId4" r:cs="rId5"/>
+          </a:graphicData>
+        </a:graphic>
+      </p:graphicFrame>
+    </p:spTree>
+    <p:extLst>
+      <p:ext uri="{BB962C8B-B14F-4D97-AF65-F5344CB8AC3E}">
+        <p14:creationId xmlns:p14="http://schemas.microsoft.com/office/powerpoint/2010/main" val="3231674848"/>
+      </p:ext>
+    </p:extLst>
+  </p:cSld>
+  <p:clrMapOvr>
+    <a:masterClrMapping/>
+  </p:clrMapOvr>
+</p:sld>
+</file>
+
+<file path=ppt/slides/slide6.xml><?xml version="1.0" encoding="utf-8"?>
+<p:sld xmlns:a="http://schemas.openxmlformats.org/drawingml/2006/main" xmlns:r="http://schemas.openxmlformats.org/officeDocument/2006/relationships" xmlns:p="http://schemas.openxmlformats.org/presentationml/2006/main">
+  <p:cSld>
+    <p:spTree>
+      <p:nvGrpSpPr>
+        <p:cNvPr id="1" name=""/>
+        <p:cNvGrpSpPr/>
+        <p:nvPr/>
+      </p:nvGrpSpPr>
+      <p:grpSpPr>
+        <a:xfrm>
+          <a:off x="0" y="0"/>
+          <a:ext cx="0" cy="0"/>
+          <a:chOff x="0" y="0"/>
+          <a:chExt cx="0" cy="0"/>
+        </a:xfrm>
+      </p:grpSpPr>
+      <p:sp>
+        <p:nvSpPr>
+          <p:cNvPr id="2" name="Title 1">
+            <a:extLst>
+              <a:ext uri="{FF2B5EF4-FFF2-40B4-BE49-F238E27FC236}">
+                <a16:creationId xmlns:a16="http://schemas.microsoft.com/office/drawing/2014/main" id="{BBB435CB-D6E6-4C1D-93E6-79FA33C9B111}"/>
+              </a:ext>
+            </a:extLst>
+          </p:cNvPr>
+          <p:cNvSpPr>
+            <a:spLocks noGrp="1"/>
+          </p:cNvSpPr>
+          <p:nvPr>
+            <p:ph type="title"/>
+          </p:nvPr>
+        </p:nvSpPr>
+        <p:spPr/>
+        <p:txBody>
+          <a:bodyPr/>
+          <a:lstStyle/>
+          <a:p>
+            <a:r>
+              <a:rPr lang="fr-FR" dirty="0"/>
+              <a:t>Key </a:t>
+            </a:r>
+            <a:r>
+              <a:rPr lang="fr-FR" dirty="0" err="1"/>
+              <a:t>Takeways</a:t>
+            </a:r>
+            <a:r>
+              <a:rPr lang="fr-FR" dirty="0"/>
+              <a:t> - UX Team of One </a:t>
+            </a:r>
+          </a:p>
+        </p:txBody>
+      </p:sp>
+      <p:sp>
+        <p:nvSpPr>
+          <p:cNvPr id="5" name="TextBox 4">
+            <a:extLst>
+              <a:ext uri="{FF2B5EF4-FFF2-40B4-BE49-F238E27FC236}">
+                <a16:creationId xmlns:a16="http://schemas.microsoft.com/office/drawing/2014/main" id="{11D13597-A657-4C29-8055-1E3596CD14CE}"/>
+              </a:ext>
+            </a:extLst>
+          </p:cNvPr>
+          <p:cNvSpPr txBox="1"/>
+          <p:nvPr/>
+        </p:nvSpPr>
+        <p:spPr>
+          <a:xfrm>
+            <a:off x="1097280" y="6409081"/>
+            <a:ext cx="7115542" cy="369332"/>
+          </a:xfrm>
+          <a:prstGeom prst="rect">
+            <a:avLst/>
+          </a:prstGeom>
+          <a:noFill/>
+        </p:spPr>
+        <p:txBody>
+          <a:bodyPr wrap="square">
+            <a:spAutoFit/>
+          </a:bodyPr>
+          <a:lstStyle/>
+          <a:p>
+            <a:r>
+              <a:rPr lang="en-GB" dirty="0">
+                <a:solidFill>
+                  <a:schemeClr val="accent1">
+                    <a:lumMod val="50000"/>
+                  </a:schemeClr>
+                </a:solidFill>
+              </a:rPr>
+              <a:t>UI/UX Design Session</a:t>
+            </a:r>
+            <a:endParaRPr lang="fr-FR" dirty="0"/>
+          </a:p>
+        </p:txBody>
+      </p:sp>
+      <p:graphicFrame>
+        <p:nvGraphicFramePr>
+          <p:cNvPr id="6" name="Content Placeholder 5">
+            <a:extLst>
+              <a:ext uri="{FF2B5EF4-FFF2-40B4-BE49-F238E27FC236}">
+                <a16:creationId xmlns:a16="http://schemas.microsoft.com/office/drawing/2014/main" id="{C58868EC-B996-4FA4-92F8-91D9D1C55B95}"/>
+              </a:ext>
+            </a:extLst>
+          </p:cNvPr>
+          <p:cNvGraphicFramePr>
+            <a:graphicFrameLocks noGrp="1"/>
+          </p:cNvGraphicFramePr>
+          <p:nvPr>
+            <p:ph idx="1"/>
+            <p:extLst>
+              <p:ext uri="{D42A27DB-BD31-4B8C-83A1-F6EECF244321}">
+                <p14:modId xmlns:p14="http://schemas.microsoft.com/office/powerpoint/2010/main" val="1328026136"/>
+              </p:ext>
+            </p:extLst>
+          </p:nvPr>
+        </p:nvGraphicFramePr>
+        <p:xfrm>
+          <a:off x="1097280" y="1845734"/>
+          <a:ext cx="10058400" cy="4023360"/>
+        </p:xfrm>
+        <a:graphic>
+          <a:graphicData uri="http://schemas.openxmlformats.org/drawingml/2006/diagram">
+            <dgm:relIds xmlns:dgm="http://schemas.openxmlformats.org/drawingml/2006/diagram" xmlns:r="http://schemas.openxmlformats.org/officeDocument/2006/relationships" r:dm="rId2" r:lo="rId3" r:qs="rId4" r:cs="rId5"/>
+          </a:graphicData>
+        </a:graphic>
+      </p:graphicFrame>
+    </p:spTree>
+    <p:extLst>
+      <p:ext uri="{BB962C8B-B14F-4D97-AF65-F5344CB8AC3E}">
+        <p14:creationId xmlns:p14="http://schemas.microsoft.com/office/powerpoint/2010/main" val="3238390259"/>
+      </p:ext>
+    </p:extLst>
+  </p:cSld>
+  <p:clrMapOvr>
+    <a:masterClrMapping/>
+  </p:clrMapOvr>
+</p:sld>
+</file>
+
+<file path=ppt/slides/slide7.xml><?xml version="1.0" encoding="utf-8"?>
+<p:sld xmlns:a="http://schemas.openxmlformats.org/drawingml/2006/main" xmlns:r="http://schemas.openxmlformats.org/officeDocument/2006/relationships" xmlns:p="http://schemas.openxmlformats.org/presentationml/2006/main">
+  <p:cSld>
+    <p:spTree>
+      <p:nvGrpSpPr>
+        <p:cNvPr id="1" name=""/>
+        <p:cNvGrpSpPr/>
+        <p:nvPr/>
+      </p:nvGrpSpPr>
+      <p:grpSpPr>
+        <a:xfrm>
+          <a:off x="0" y="0"/>
+          <a:ext cx="0" cy="0"/>
+          <a:chOff x="0" y="0"/>
+          <a:chExt cx="0" cy="0"/>
+        </a:xfrm>
+      </p:grpSpPr>
+      <p:sp>
+        <p:nvSpPr>
+          <p:cNvPr id="2" name="Title 1">
+            <a:extLst>
+              <a:ext uri="{FF2B5EF4-FFF2-40B4-BE49-F238E27FC236}">
+                <a16:creationId xmlns:a16="http://schemas.microsoft.com/office/drawing/2014/main" id="{BBB435CB-D6E6-4C1D-93E6-79FA33C9B111}"/>
+              </a:ext>
+            </a:extLst>
+          </p:cNvPr>
+          <p:cNvSpPr>
+            <a:spLocks noGrp="1"/>
+          </p:cNvSpPr>
+          <p:nvPr>
+            <p:ph type="title"/>
+          </p:nvPr>
+        </p:nvSpPr>
+        <p:spPr/>
+        <p:txBody>
+          <a:bodyPr/>
+          <a:lstStyle/>
+          <a:p>
+            <a:pPr algn="l"/>
+            <a:r>
+              <a:rPr lang="fr-FR" dirty="0"/>
+              <a:t>Design Book recommandations </a:t>
+            </a:r>
+          </a:p>
+        </p:txBody>
+      </p:sp>
+      <p:sp>
+        <p:nvSpPr>
+          <p:cNvPr id="5" name="TextBox 4">
+            <a:extLst>
+              <a:ext uri="{FF2B5EF4-FFF2-40B4-BE49-F238E27FC236}">
+                <a16:creationId xmlns:a16="http://schemas.microsoft.com/office/drawing/2014/main" id="{11D13597-A657-4C29-8055-1E3596CD14CE}"/>
+              </a:ext>
+            </a:extLst>
+          </p:cNvPr>
+          <p:cNvSpPr txBox="1"/>
+          <p:nvPr/>
+        </p:nvSpPr>
+        <p:spPr>
+          <a:xfrm>
+            <a:off x="1097280" y="6409081"/>
+            <a:ext cx="7115542" cy="369332"/>
+          </a:xfrm>
+          <a:prstGeom prst="rect">
+            <a:avLst/>
+          </a:prstGeom>
+          <a:noFill/>
+        </p:spPr>
+        <p:txBody>
+          <a:bodyPr wrap="square">
+            <a:spAutoFit/>
+          </a:bodyPr>
+          <a:lstStyle/>
+          <a:p>
+            <a:r>
+              <a:rPr lang="en-GB" dirty="0">
+                <a:solidFill>
+                  <a:schemeClr val="accent1">
+                    <a:lumMod val="50000"/>
+                  </a:schemeClr>
+                </a:solidFill>
+              </a:rPr>
+              <a:t>UI/UX Design Session</a:t>
+            </a:r>
+            <a:endParaRPr lang="fr-FR" dirty="0"/>
+          </a:p>
+        </p:txBody>
+      </p:sp>
+      <p:pic>
+        <p:nvPicPr>
+          <p:cNvPr id="8" name="Content Placeholder 7">
+            <a:extLst>
+              <a:ext uri="{FF2B5EF4-FFF2-40B4-BE49-F238E27FC236}">
+                <a16:creationId xmlns:a16="http://schemas.microsoft.com/office/drawing/2014/main" id="{44973501-134E-400A-9A52-FBE893FCD59C}"/>
+              </a:ext>
+            </a:extLst>
+          </p:cNvPr>
+          <p:cNvPicPr>
+            <a:picLocks noGrp="1" noChangeAspect="1"/>
+          </p:cNvPicPr>
+          <p:nvPr>
+            <p:ph idx="1"/>
+          </p:nvPr>
+        </p:nvPicPr>
+        <p:blipFill>
+          <a:blip r:embed="rId2"/>
+          <a:stretch>
+            <a:fillRect/>
+          </a:stretch>
+        </p:blipFill>
+        <p:spPr>
+          <a:xfrm>
+            <a:off x="1097280" y="2073952"/>
+            <a:ext cx="2881792" cy="4022725"/>
+          </a:xfrm>
+        </p:spPr>
+      </p:pic>
+      <p:pic>
+        <p:nvPicPr>
+          <p:cNvPr id="10" name="Picture 9">
+            <a:extLst>
+              <a:ext uri="{FF2B5EF4-FFF2-40B4-BE49-F238E27FC236}">
+                <a16:creationId xmlns:a16="http://schemas.microsoft.com/office/drawing/2014/main" id="{C7C5A6B3-17D4-422E-88D0-1AAFF37E0522}"/>
+              </a:ext>
+            </a:extLst>
+          </p:cNvPr>
+          <p:cNvPicPr>
+            <a:picLocks noChangeAspect="1"/>
+          </p:cNvPicPr>
+          <p:nvPr/>
+        </p:nvPicPr>
+        <p:blipFill>
+          <a:blip r:embed="rId3"/>
+          <a:stretch>
+            <a:fillRect/>
+          </a:stretch>
+        </p:blipFill>
+        <p:spPr>
+          <a:xfrm>
+            <a:off x="4829923" y="2073952"/>
+            <a:ext cx="2881792" cy="4172879"/>
+          </a:xfrm>
+          <a:prstGeom prst="rect">
+            <a:avLst/>
+          </a:prstGeom>
+        </p:spPr>
+      </p:pic>
+    </p:spTree>
+    <p:extLst>
+      <p:ext uri="{BB962C8B-B14F-4D97-AF65-F5344CB8AC3E}">
+        <p14:creationId xmlns:p14="http://schemas.microsoft.com/office/powerpoint/2010/main" val="3582812676"/>
+      </p:ext>
+    </p:extLst>
+  </p:cSld>
+  <p:clrMapOvr>
+    <a:masterClrMapping/>
+  </p:clrMapOvr>
+</p:sld>
+</file>
+
 <file path=ppt/theme/theme1.xml><?xml version="1.0" encoding="utf-8"?>
 <a:theme xmlns:a="http://schemas.openxmlformats.org/drawingml/2006/main" name="Retrospect">
   <a:themeElements>
